--- a/Chapter Presentation/Chapter 12 - Oral Presentations.pptx
+++ b/Chapter Presentation/Chapter 12 - Oral Presentations.pptx
@@ -2,11 +2,14 @@
 <file path=ppt/presentation.xml><?xml version="1.0" encoding="utf-8"?>
 <p:presentation xmlns:a="http://schemas.openxmlformats.org/drawingml/2006/main" xmlns:r="http://schemas.openxmlformats.org/officeDocument/2006/relationships" xmlns:p="http://schemas.openxmlformats.org/presentationml/2006/main" showSpecialPlsOnTitleSld="0" saveSubsetFonts="1">
   <p:sldMasterIdLst>
-    <p:sldMasterId id="2147483679" r:id="rId1"/>
+    <p:sldMasterId id="2147483719" r:id="rId1"/>
   </p:sldMasterIdLst>
   <p:notesMasterIdLst>
     <p:notesMasterId r:id="rId32"/>
   </p:notesMasterIdLst>
+  <p:handoutMasterIdLst>
+    <p:handoutMasterId r:id="rId33"/>
+  </p:handoutMasterIdLst>
   <p:sldIdLst>
     <p:sldId id="416" r:id="rId2"/>
     <p:sldId id="380" r:id="rId3"/>
@@ -166,7 +169,212 @@
       </a:defRPr>
     </a:lvl9pPr>
   </p:defaultTextStyle>
+  <p:extLst>
+    <p:ext uri="{EFAFB233-063F-42B5-8137-9DF3F51BA10A}">
+      <p15:sldGuideLst xmlns:p15="http://schemas.microsoft.com/office/powerpoint/2012/main">
+        <p15:guide id="1" orient="horz" pos="2160">
+          <p15:clr>
+            <a:srgbClr val="A4A3A4"/>
+          </p15:clr>
+        </p15:guide>
+        <p15:guide id="2" pos="2880">
+          <p15:clr>
+            <a:srgbClr val="A4A3A4"/>
+          </p15:clr>
+        </p15:guide>
+      </p15:sldGuideLst>
+    </p:ext>
+  </p:extLst>
 </p:presentation>
+</file>
+
+<file path=ppt/handoutMasters/handoutMaster1.xml><?xml version="1.0" encoding="utf-8"?>
+<p:handoutMaster xmlns:a="http://schemas.openxmlformats.org/drawingml/2006/main" xmlns:r="http://schemas.openxmlformats.org/officeDocument/2006/relationships" xmlns:p="http://schemas.openxmlformats.org/presentationml/2006/main">
+  <p:cSld>
+    <p:bg>
+      <p:bgRef idx="1001">
+        <a:schemeClr val="bg1"/>
+      </p:bgRef>
+    </p:bg>
+    <p:spTree>
+      <p:nvGrpSpPr>
+        <p:cNvPr id="1" name=""/>
+        <p:cNvGrpSpPr/>
+        <p:nvPr/>
+      </p:nvGrpSpPr>
+      <p:grpSpPr>
+        <a:xfrm>
+          <a:off x="0" y="0"/>
+          <a:ext cx="0" cy="0"/>
+          <a:chOff x="0" y="0"/>
+          <a:chExt cx="0" cy="0"/>
+        </a:xfrm>
+      </p:grpSpPr>
+      <p:sp>
+        <p:nvSpPr>
+          <p:cNvPr id="2" name="Header Placeholder 1">
+            <a:extLst>
+              <a:ext uri="{FF2B5EF4-FFF2-40B4-BE49-F238E27FC236}">
+                <a16:creationId xmlns:a16="http://schemas.microsoft.com/office/drawing/2014/main" id="{4C82035E-A57B-4E32-9ACD-F532AD121422}"/>
+              </a:ext>
+            </a:extLst>
+          </p:cNvPr>
+          <p:cNvSpPr>
+            <a:spLocks noGrp="1"/>
+          </p:cNvSpPr>
+          <p:nvPr>
+            <p:ph type="hdr" sz="quarter"/>
+          </p:nvPr>
+        </p:nvSpPr>
+        <p:spPr>
+          <a:xfrm>
+            <a:off x="0" y="0"/>
+            <a:ext cx="3170238" cy="481013"/>
+          </a:xfrm>
+          <a:prstGeom prst="rect">
+            <a:avLst/>
+          </a:prstGeom>
+        </p:spPr>
+        <p:txBody>
+          <a:bodyPr vert="horz" lIns="91440" tIns="45720" rIns="91440" bIns="45720" rtlCol="0"/>
+          <a:lstStyle>
+            <a:lvl1pPr algn="l">
+              <a:defRPr sz="1200"/>
+            </a:lvl1pPr>
+          </a:lstStyle>
+          <a:p>
+            <a:endParaRPr lang="en-US"/>
+          </a:p>
+        </p:txBody>
+      </p:sp>
+      <p:sp>
+        <p:nvSpPr>
+          <p:cNvPr id="3" name="Date Placeholder 2">
+            <a:extLst>
+              <a:ext uri="{FF2B5EF4-FFF2-40B4-BE49-F238E27FC236}">
+                <a16:creationId xmlns:a16="http://schemas.microsoft.com/office/drawing/2014/main" id="{E67436E9-91F1-4EB2-ABB9-C2D7047CA026}"/>
+              </a:ext>
+            </a:extLst>
+          </p:cNvPr>
+          <p:cNvSpPr>
+            <a:spLocks noGrp="1"/>
+          </p:cNvSpPr>
+          <p:nvPr>
+            <p:ph type="dt" sz="quarter" idx="1"/>
+          </p:nvPr>
+        </p:nvSpPr>
+        <p:spPr>
+          <a:xfrm>
+            <a:off x="4143375" y="0"/>
+            <a:ext cx="3170238" cy="481013"/>
+          </a:xfrm>
+          <a:prstGeom prst="rect">
+            <a:avLst/>
+          </a:prstGeom>
+        </p:spPr>
+        <p:txBody>
+          <a:bodyPr vert="horz" lIns="91440" tIns="45720" rIns="91440" bIns="45720" rtlCol="0"/>
+          <a:lstStyle>
+            <a:lvl1pPr algn="r">
+              <a:defRPr sz="1200"/>
+            </a:lvl1pPr>
+          </a:lstStyle>
+          <a:p>
+            <a:fld id="{F9CBC2AB-9B32-4059-B281-8DD0FF179C61}" type="datetimeFigureOut">
+              <a:rPr lang="en-US" smtClean="0"/>
+              <a:t>9/9/2024</a:t>
+            </a:fld>
+            <a:endParaRPr lang="en-US"/>
+          </a:p>
+        </p:txBody>
+      </p:sp>
+      <p:sp>
+        <p:nvSpPr>
+          <p:cNvPr id="4" name="Footer Placeholder 3">
+            <a:extLst>
+              <a:ext uri="{FF2B5EF4-FFF2-40B4-BE49-F238E27FC236}">
+                <a16:creationId xmlns:a16="http://schemas.microsoft.com/office/drawing/2014/main" id="{442194C6-2E20-41F9-AF64-72192612908F}"/>
+              </a:ext>
+            </a:extLst>
+          </p:cNvPr>
+          <p:cNvSpPr>
+            <a:spLocks noGrp="1"/>
+          </p:cNvSpPr>
+          <p:nvPr>
+            <p:ph type="ftr" sz="quarter" idx="2"/>
+          </p:nvPr>
+        </p:nvSpPr>
+        <p:spPr>
+          <a:xfrm>
+            <a:off x="0" y="9120188"/>
+            <a:ext cx="3170238" cy="481012"/>
+          </a:xfrm>
+          <a:prstGeom prst="rect">
+            <a:avLst/>
+          </a:prstGeom>
+        </p:spPr>
+        <p:txBody>
+          <a:bodyPr vert="horz" lIns="91440" tIns="45720" rIns="91440" bIns="45720" rtlCol="0" anchor="b"/>
+          <a:lstStyle>
+            <a:lvl1pPr algn="l">
+              <a:defRPr sz="1200"/>
+            </a:lvl1pPr>
+          </a:lstStyle>
+          <a:p>
+            <a:endParaRPr lang="en-US"/>
+          </a:p>
+        </p:txBody>
+      </p:sp>
+      <p:sp>
+        <p:nvSpPr>
+          <p:cNvPr id="5" name="Slide Number Placeholder 4">
+            <a:extLst>
+              <a:ext uri="{FF2B5EF4-FFF2-40B4-BE49-F238E27FC236}">
+                <a16:creationId xmlns:a16="http://schemas.microsoft.com/office/drawing/2014/main" id="{1F96DF87-54D6-4749-9D7E-C81015BDD4D1}"/>
+              </a:ext>
+            </a:extLst>
+          </p:cNvPr>
+          <p:cNvSpPr>
+            <a:spLocks noGrp="1"/>
+          </p:cNvSpPr>
+          <p:nvPr>
+            <p:ph type="sldNum" sz="quarter" idx="3"/>
+          </p:nvPr>
+        </p:nvSpPr>
+        <p:spPr>
+          <a:xfrm>
+            <a:off x="4143375" y="9120188"/>
+            <a:ext cx="3170238" cy="481012"/>
+          </a:xfrm>
+          <a:prstGeom prst="rect">
+            <a:avLst/>
+          </a:prstGeom>
+        </p:spPr>
+        <p:txBody>
+          <a:bodyPr vert="horz" lIns="91440" tIns="45720" rIns="91440" bIns="45720" rtlCol="0" anchor="b"/>
+          <a:lstStyle>
+            <a:lvl1pPr algn="r">
+              <a:defRPr sz="1200"/>
+            </a:lvl1pPr>
+          </a:lstStyle>
+          <a:p>
+            <a:fld id="{E8443122-1574-442E-ADD6-DD38CE983339}" type="slidenum">
+              <a:rPr lang="en-US" smtClean="0"/>
+              <a:t>‹#›</a:t>
+            </a:fld>
+            <a:endParaRPr lang="en-US"/>
+          </a:p>
+        </p:txBody>
+      </p:sp>
+    </p:spTree>
+    <p:extLst>
+      <p:ext uri="{BB962C8B-B14F-4D97-AF65-F5344CB8AC3E}">
+        <p14:creationId xmlns:p14="http://schemas.microsoft.com/office/powerpoint/2010/main" val="872779402"/>
+      </p:ext>
+    </p:extLst>
+  </p:cSld>
+  <p:clrMap bg1="lt1" tx1="dk1" bg2="lt2" tx2="dk2" accent1="accent1" accent2="accent2" accent3="accent3" accent4="accent4" accent5="accent5" accent6="accent6" hlink="hlink" folHlink="folHlink"/>
+</p:handoutMaster>
 </file>
 
 <file path=ppt/notesMasters/notesMaster1.xml><?xml version="1.0" encoding="utf-8"?>
@@ -290,7 +498,7 @@
         <p:nvSpPr>
           <p:cNvPr id="45060" name="Rectangle 4"/>
           <p:cNvSpPr>
-            <a:spLocks noRot="1" noChangeArrowheads="1" noTextEdit="1"/>
+            <a:spLocks noGrp="1" noRot="1" noChangeAspect="1" noChangeArrowheads="1" noTextEdit="1"/>
           </p:cNvSpPr>
           <p:nvPr>
             <p:ph type="sldImg" idx="2"/>
@@ -352,35 +560,35 @@
           <a:p>
             <a:pPr lvl="0"/>
             <a:r>
-              <a:rPr lang="en-US" noProof="0" smtClean="0"/>
+              <a:rPr lang="en-US" noProof="0"/>
               <a:t>Click to edit Master text styles</a:t>
             </a:r>
           </a:p>
           <a:p>
             <a:pPr lvl="1"/>
             <a:r>
-              <a:rPr lang="en-US" noProof="0" smtClean="0"/>
+              <a:rPr lang="en-US" noProof="0"/>
               <a:t>Second level</a:t>
             </a:r>
           </a:p>
           <a:p>
             <a:pPr lvl="2"/>
             <a:r>
-              <a:rPr lang="en-US" noProof="0" smtClean="0"/>
+              <a:rPr lang="en-US" noProof="0"/>
               <a:t>Third level</a:t>
             </a:r>
           </a:p>
           <a:p>
             <a:pPr lvl="3"/>
             <a:r>
-              <a:rPr lang="en-US" noProof="0" smtClean="0"/>
+              <a:rPr lang="en-US" noProof="0"/>
               <a:t>Fourth level</a:t>
             </a:r>
           </a:p>
           <a:p>
             <a:pPr lvl="4"/>
             <a:r>
-              <a:rPr lang="en-US" noProof="0" smtClean="0"/>
+              <a:rPr lang="en-US" noProof="0"/>
               <a:t>Fifth level</a:t>
             </a:r>
           </a:p>
@@ -662,7 +870,7 @@
           <a:bodyPr/>
           <a:lstStyle/>
           <a:p>
-            <a:endParaRPr lang="en-US" smtClean="0"/>
+            <a:endParaRPr lang="en-US"/>
           </a:p>
         </p:txBody>
       </p:sp>
@@ -688,7 +896,7 @@
               <a:pPr/>
               <a:t>1</a:t>
             </a:fld>
-            <a:endParaRPr lang="en-US" smtClean="0"/>
+            <a:endParaRPr lang="en-US"/>
           </a:p>
         </p:txBody>
       </p:sp>
@@ -739,7 +947,7 @@
               <a:pPr/>
               <a:t>2</a:t>
             </a:fld>
-            <a:endParaRPr lang="en-US" smtClean="0"/>
+            <a:endParaRPr lang="en-US"/>
           </a:p>
         </p:txBody>
       </p:sp>
@@ -747,7 +955,7 @@
         <p:nvSpPr>
           <p:cNvPr id="47107" name="Rectangle 2"/>
           <p:cNvSpPr>
-            <a:spLocks noRot="1" noChangeArrowheads="1" noTextEdit="1"/>
+            <a:spLocks noGrp="1" noRot="1" noChangeAspect="1" noChangeArrowheads="1" noTextEdit="1"/>
           </p:cNvSpPr>
           <p:nvPr>
             <p:ph type="sldImg"/>
@@ -784,7 +992,7 @@
           <a:lstStyle/>
           <a:p>
             <a:pPr eaLnBrk="1" hangingPunct="1"/>
-            <a:endParaRPr lang="en-US" smtClean="0"/>
+            <a:endParaRPr lang="en-US"/>
           </a:p>
         </p:txBody>
       </p:sp>
@@ -835,7 +1043,7 @@
               <a:pPr/>
               <a:t>3</a:t>
             </a:fld>
-            <a:endParaRPr lang="en-US" smtClean="0"/>
+            <a:endParaRPr lang="en-US"/>
           </a:p>
         </p:txBody>
       </p:sp>
@@ -843,7 +1051,7 @@
         <p:nvSpPr>
           <p:cNvPr id="48131" name="Rectangle 2"/>
           <p:cNvSpPr>
-            <a:spLocks noRot="1" noChangeArrowheads="1" noTextEdit="1"/>
+            <a:spLocks noGrp="1" noRot="1" noChangeAspect="1" noChangeArrowheads="1" noTextEdit="1"/>
           </p:cNvSpPr>
           <p:nvPr>
             <p:ph type="sldImg"/>
@@ -880,7 +1088,7 @@
           <a:lstStyle/>
           <a:p>
             <a:pPr eaLnBrk="1" hangingPunct="1"/>
-            <a:endParaRPr lang="en-US" smtClean="0"/>
+            <a:endParaRPr lang="en-US"/>
           </a:p>
         </p:txBody>
       </p:sp>
@@ -931,7 +1139,7 @@
               <a:pPr/>
               <a:t>7</a:t>
             </a:fld>
-            <a:endParaRPr lang="en-US" smtClean="0"/>
+            <a:endParaRPr lang="en-US"/>
           </a:p>
         </p:txBody>
       </p:sp>
@@ -939,7 +1147,7 @@
         <p:nvSpPr>
           <p:cNvPr id="49155" name="Rectangle 2"/>
           <p:cNvSpPr>
-            <a:spLocks noRot="1" noChangeArrowheads="1" noTextEdit="1"/>
+            <a:spLocks noGrp="1" noRot="1" noChangeAspect="1" noChangeArrowheads="1" noTextEdit="1"/>
           </p:cNvSpPr>
           <p:nvPr>
             <p:ph type="sldImg"/>
@@ -977,40 +1185,40 @@
           <a:p>
             <a:pPr eaLnBrk="1" hangingPunct="1"/>
             <a:r>
-              <a:rPr lang="en-US" smtClean="0"/>
+              <a:rPr lang="en-US"/>
               <a:t>Right brain thinking is intuition and emotion  and left brain thinking is logic and reasoning.</a:t>
             </a:r>
           </a:p>
           <a:p>
             <a:pPr eaLnBrk="1" hangingPunct="1"/>
-            <a:endParaRPr lang="en-US" smtClean="0"/>
+            <a:endParaRPr lang="en-US"/>
           </a:p>
           <a:p>
             <a:pPr eaLnBrk="1" hangingPunct="1"/>
             <a:r>
-              <a:rPr lang="en-US" smtClean="0"/>
+              <a:rPr lang="en-US"/>
               <a:t>Verbal – This is what you are saying – the actual content that comes out of your mouth.  Well, this seems as though that is an important thing and generally what people should focus on.</a:t>
             </a:r>
           </a:p>
           <a:p>
             <a:pPr eaLnBrk="1" hangingPunct="1"/>
-            <a:endParaRPr lang="en-US" smtClean="0"/>
+            <a:endParaRPr lang="en-US"/>
           </a:p>
           <a:p>
             <a:pPr eaLnBrk="1" hangingPunct="1"/>
             <a:r>
-              <a:rPr lang="en-US" smtClean="0"/>
+              <a:rPr lang="en-US"/>
               <a:t>Vocal – This is how you say it – inflection, enhtusiasm, intonation, …</a:t>
             </a:r>
           </a:p>
           <a:p>
             <a:pPr eaLnBrk="1" hangingPunct="1"/>
-            <a:endParaRPr lang="en-US" smtClean="0"/>
+            <a:endParaRPr lang="en-US"/>
           </a:p>
           <a:p>
             <a:pPr eaLnBrk="1" hangingPunct="1"/>
             <a:r>
-              <a:rPr lang="en-US" smtClean="0"/>
+              <a:rPr lang="en-US"/>
               <a:t>Visual -what the audience sees (speaker appearance, eye contact, posture, gesture, facial expressions). </a:t>
             </a:r>
           </a:p>
@@ -1063,7 +1271,7 @@
               <a:pPr/>
               <a:t>8</a:t>
             </a:fld>
-            <a:endParaRPr lang="en-US" smtClean="0"/>
+            <a:endParaRPr lang="en-US"/>
           </a:p>
         </p:txBody>
       </p:sp>
@@ -1071,7 +1279,7 @@
         <p:nvSpPr>
           <p:cNvPr id="50179" name="Rectangle 2"/>
           <p:cNvSpPr>
-            <a:spLocks noRot="1" noChangeArrowheads="1" noTextEdit="1"/>
+            <a:spLocks noGrp="1" noRot="1" noChangeAspect="1" noChangeArrowheads="1" noTextEdit="1"/>
           </p:cNvSpPr>
           <p:nvPr>
             <p:ph type="sldImg"/>
@@ -1111,7 +1319,7 @@
               <a:buFontTx/>
               <a:buChar char="•"/>
             </a:pPr>
-            <a:endParaRPr lang="en-US" smtClean="0"/>
+            <a:endParaRPr lang="en-US"/>
           </a:p>
         </p:txBody>
       </p:sp>
@@ -1162,7 +1370,7 @@
               <a:pPr/>
               <a:t>30</a:t>
             </a:fld>
-            <a:endParaRPr lang="en-US" smtClean="0"/>
+            <a:endParaRPr lang="en-US"/>
           </a:p>
         </p:txBody>
       </p:sp>
@@ -1170,7 +1378,7 @@
         <p:nvSpPr>
           <p:cNvPr id="51203" name="Rectangle 2"/>
           <p:cNvSpPr>
-            <a:spLocks noRot="1" noChangeArrowheads="1" noTextEdit="1"/>
+            <a:spLocks noGrp="1" noRot="1" noChangeAspect="1" noChangeArrowheads="1" noTextEdit="1"/>
           </p:cNvSpPr>
           <p:nvPr>
             <p:ph type="sldImg"/>
@@ -1207,7 +1415,7 @@
           <a:lstStyle/>
           <a:p>
             <a:pPr eaLnBrk="1" hangingPunct="1"/>
-            <a:endParaRPr lang="en-US" smtClean="0"/>
+            <a:endParaRPr lang="en-US"/>
           </a:p>
         </p:txBody>
       </p:sp>
@@ -1299,9 +1507,7 @@
         </p:style>
         <p:txBody>
           <a:bodyPr anchor="ctr"/>
-          <a:lstStyle>
-            <a:extLst/>
-          </a:lstStyle>
+          <a:lstStyle/>
           <a:p>
             <a:pPr algn="ctr" eaLnBrk="1" hangingPunct="1">
               <a:defRPr/>
@@ -1312,7 +1518,7 @@
       </p:sp>
       <p:grpSp>
         <p:nvGrpSpPr>
-          <p:cNvPr id="5" name="Group 18"/>
+          <p:cNvPr id="5" name="Group 15"/>
           <p:cNvGrpSpPr>
             <a:grpSpLocks/>
           </p:cNvGrpSpPr>
@@ -1403,9 +1609,7 @@
           </p:spPr>
           <p:txBody>
             <a:bodyPr/>
-            <a:lstStyle>
-              <a:extLst/>
-            </a:lstStyle>
+            <a:lstStyle/>
             <a:p>
               <a:pPr>
                 <a:defRPr/>
@@ -1488,9 +1692,7 @@
           </p:spPr>
           <p:txBody>
             <a:bodyPr/>
-            <a:lstStyle>
-              <a:extLst/>
-            </a:lstStyle>
+            <a:lstStyle/>
             <a:p>
               <a:pPr>
                 <a:defRPr/>
@@ -1650,9 +1852,7 @@
           </p:style>
           <p:txBody>
             <a:bodyPr anchor="ctr"/>
-            <a:lstStyle>
-              <a:extLst/>
-            </a:lstStyle>
+            <a:lstStyle/>
             <a:p>
               <a:pPr algn="ctr" eaLnBrk="1" hangingPunct="1">
                 <a:defRPr/>
@@ -1752,10 +1952,9 @@
           </a:lstStyle>
           <a:p>
             <a:r>
-              <a:rPr lang="en-US" smtClean="0"/>
+              <a:rPr lang="en-US"/>
               <a:t>Click to edit Master title style</a:t>
             </a:r>
-            <a:endParaRPr lang="en-US"/>
           </a:p>
         </p:txBody>
       </p:sp>
@@ -1814,10 +2013,9 @@
           </a:lstStyle>
           <a:p>
             <a:r>
-              <a:rPr lang="en-US" smtClean="0"/>
+              <a:rPr lang="en-US"/>
               <a:t>Click to edit Master subtitle style</a:t>
             </a:r>
-            <a:endParaRPr lang="en-US"/>
           </a:p>
         </p:txBody>
       </p:sp>
@@ -1833,8 +2031,8 @@
         </p:nvSpPr>
         <p:spPr>
           <a:xfrm>
-            <a:off x="6727825" y="6408738"/>
-            <a:ext cx="1919288" cy="365125"/>
+            <a:off x="6248400" y="6408738"/>
+            <a:ext cx="2398713" cy="365125"/>
           </a:xfrm>
           <a:prstGeom prst="rect">
             <a:avLst/>
@@ -1872,8 +2070,8 @@
         </p:nvSpPr>
         <p:spPr>
           <a:xfrm>
-            <a:off x="4379913" y="6408738"/>
-            <a:ext cx="2351087" cy="365125"/>
+            <a:off x="3810000" y="6408738"/>
+            <a:ext cx="2351088" cy="365125"/>
           </a:xfrm>
           <a:prstGeom prst="rect">
             <a:avLst/>
@@ -1916,7 +2114,7 @@
           <a:bodyPr/>
           <a:lstStyle>
             <a:lvl1pPr>
-              <a:defRPr smtClean="0">
+              <a:defRPr>
                 <a:solidFill>
                   <a:srgbClr val="FFFFFF"/>
                 </a:solidFill>
@@ -1929,7 +2127,7 @@
               <a:defRPr/>
             </a:pPr>
             <a:fld id="{F8D4D5D3-10F8-4BC4-AED1-11EC9306A42D}" type="slidenum">
-              <a:rPr lang="en-US"/>
+              <a:rPr lang="en-US" smtClean="0"/>
               <a:pPr>
                 <a:defRPr/>
               </a:pPr>
@@ -1940,1174 +2138,11 @@
         </p:txBody>
       </p:sp>
     </p:spTree>
-  </p:cSld>
-  <p:clrMapOvr>
-    <a:masterClrMapping/>
-  </p:clrMapOvr>
-</p:sldLayout>
-</file>
-
-<file path=ppt/slideLayouts/slideLayout10.xml><?xml version="1.0" encoding="utf-8"?>
-<p:sldLayout xmlns:a="http://schemas.openxmlformats.org/drawingml/2006/main" xmlns:r="http://schemas.openxmlformats.org/officeDocument/2006/relationships" xmlns:p="http://schemas.openxmlformats.org/presentationml/2006/main" type="vertTx" preserve="1">
-  <p:cSld name="Title and Vertical Text">
-    <p:spTree>
-      <p:nvGrpSpPr>
-        <p:cNvPr id="1" name=""/>
-        <p:cNvGrpSpPr/>
-        <p:nvPr/>
-      </p:nvGrpSpPr>
-      <p:grpSpPr>
-        <a:xfrm>
-          <a:off x="0" y="0"/>
-          <a:ext cx="0" cy="0"/>
-          <a:chOff x="0" y="0"/>
-          <a:chExt cx="0" cy="0"/>
-        </a:xfrm>
-      </p:grpSpPr>
-      <p:sp>
-        <p:nvSpPr>
-          <p:cNvPr id="2" name="Title 1"/>
-          <p:cNvSpPr>
-            <a:spLocks noGrp="1"/>
-          </p:cNvSpPr>
-          <p:nvPr>
-            <p:ph type="title"/>
-          </p:nvPr>
-        </p:nvSpPr>
-        <p:spPr/>
-        <p:txBody>
-          <a:bodyPr/>
-          <a:lstStyle>
-            <a:extLst/>
-          </a:lstStyle>
-          <a:p>
-            <a:r>
-              <a:rPr lang="en-US" smtClean="0"/>
-              <a:t>Click to edit Master title style</a:t>
-            </a:r>
-            <a:endParaRPr lang="en-US"/>
-          </a:p>
-        </p:txBody>
-      </p:sp>
-      <p:sp>
-        <p:nvSpPr>
-          <p:cNvPr id="3" name="Vertical Text Placeholder 2"/>
-          <p:cNvSpPr>
-            <a:spLocks noGrp="1"/>
-          </p:cNvSpPr>
-          <p:nvPr>
-            <p:ph type="body" orient="vert" idx="1"/>
-          </p:nvPr>
-        </p:nvSpPr>
-        <p:spPr>
-          <a:xfrm>
-            <a:off x="457200" y="1481329"/>
-            <a:ext cx="8229600" cy="4386071"/>
-          </a:xfrm>
-        </p:spPr>
-        <p:txBody>
-          <a:bodyPr vert="eaVert"/>
-          <a:lstStyle>
-            <a:extLst/>
-          </a:lstStyle>
-          <a:p>
-            <a:pPr lvl="0"/>
-            <a:r>
-              <a:rPr lang="en-US" smtClean="0"/>
-              <a:t>Click to edit Master text styles</a:t>
-            </a:r>
-          </a:p>
-          <a:p>
-            <a:pPr lvl="1"/>
-            <a:r>
-              <a:rPr lang="en-US" smtClean="0"/>
-              <a:t>Second level</a:t>
-            </a:r>
-          </a:p>
-          <a:p>
-            <a:pPr lvl="2"/>
-            <a:r>
-              <a:rPr lang="en-US" smtClean="0"/>
-              <a:t>Third level</a:t>
-            </a:r>
-          </a:p>
-          <a:p>
-            <a:pPr lvl="3"/>
-            <a:r>
-              <a:rPr lang="en-US" smtClean="0"/>
-              <a:t>Fourth level</a:t>
-            </a:r>
-          </a:p>
-          <a:p>
-            <a:pPr lvl="4"/>
-            <a:r>
-              <a:rPr lang="en-US" smtClean="0"/>
-              <a:t>Fifth level</a:t>
-            </a:r>
-            <a:endParaRPr lang="en-US"/>
-          </a:p>
-        </p:txBody>
-      </p:sp>
-      <p:sp>
-        <p:nvSpPr>
-          <p:cNvPr id="4" name="Date Placeholder 3"/>
-          <p:cNvSpPr>
-            <a:spLocks noGrp="1"/>
-          </p:cNvSpPr>
-          <p:nvPr>
-            <p:ph type="dt" sz="half" idx="10"/>
-          </p:nvPr>
-        </p:nvSpPr>
-        <p:spPr>
-          <a:xfrm>
-            <a:off x="6727825" y="6408738"/>
-            <a:ext cx="1919288" cy="365125"/>
-          </a:xfrm>
-          <a:prstGeom prst="rect">
-            <a:avLst/>
-          </a:prstGeom>
-        </p:spPr>
-        <p:txBody>
-          <a:bodyPr/>
-          <a:lstStyle>
-            <a:lvl1pPr>
-              <a:defRPr/>
-            </a:lvl1pPr>
-            <a:extLst/>
-          </a:lstStyle>
-          <a:p>
-            <a:pPr>
-              <a:defRPr/>
-            </a:pPr>
-            <a:endParaRPr lang="en-US"/>
-          </a:p>
-          <a:p>
-            <a:pPr>
-              <a:defRPr/>
-            </a:pPr>
-            <a:r>
-              <a:rPr lang="en-US"/>
-              <a:t>Design for Electrical and Computer Engineers (Published by McGraw Hill)</a:t>
-            </a:r>
-          </a:p>
-          <a:p>
-            <a:pPr>
-              <a:defRPr/>
-            </a:pPr>
-            <a:r>
-              <a:rPr lang="en-US"/>
-              <a:t>Not to be transmitted or reproduced without written consent of authors</a:t>
-            </a:r>
-          </a:p>
-          <a:p>
-            <a:pPr>
-              <a:defRPr/>
-            </a:pPr>
-            <a:endParaRPr lang="en-US"/>
-          </a:p>
-        </p:txBody>
-      </p:sp>
-      <p:sp>
-        <p:nvSpPr>
-          <p:cNvPr id="5" name="Footer Placeholder 4"/>
-          <p:cNvSpPr>
-            <a:spLocks noGrp="1"/>
-          </p:cNvSpPr>
-          <p:nvPr>
-            <p:ph type="ftr" sz="quarter" idx="11"/>
-          </p:nvPr>
-        </p:nvSpPr>
-        <p:spPr>
-          <a:xfrm>
-            <a:off x="4379913" y="6408738"/>
-            <a:ext cx="2351087" cy="365125"/>
-          </a:xfrm>
-          <a:prstGeom prst="rect">
-            <a:avLst/>
-          </a:prstGeom>
-        </p:spPr>
-        <p:txBody>
-          <a:bodyPr/>
-          <a:lstStyle>
-            <a:lvl1pPr>
-              <a:defRPr/>
-            </a:lvl1pPr>
-            <a:extLst/>
-          </a:lstStyle>
-          <a:p>
-            <a:pPr>
-              <a:defRPr/>
-            </a:pPr>
-            <a:r>
-              <a:rPr lang="en-US"/>
-              <a:t>Copyright 2005 </a:t>
-            </a:r>
-          </a:p>
-          <a:p>
-            <a:pPr>
-              <a:defRPr/>
-            </a:pPr>
-            <a:r>
-              <a:rPr lang="en-US"/>
-              <a:t>Ralph M. Ford and Chris Coulston</a:t>
-            </a:r>
-          </a:p>
-        </p:txBody>
-      </p:sp>
-      <p:sp>
-        <p:nvSpPr>
-          <p:cNvPr id="6" name="Slide Number Placeholder 5"/>
-          <p:cNvSpPr>
-            <a:spLocks noGrp="1"/>
-          </p:cNvSpPr>
-          <p:nvPr>
-            <p:ph type="sldNum" sz="quarter" idx="12"/>
-          </p:nvPr>
-        </p:nvSpPr>
-        <p:spPr/>
-        <p:txBody>
-          <a:bodyPr/>
-          <a:lstStyle>
-            <a:lvl1pPr>
-              <a:defRPr/>
-            </a:lvl1pPr>
-            <a:extLst/>
-          </a:lstStyle>
-          <a:p>
-            <a:pPr>
-              <a:defRPr/>
-            </a:pPr>
-            <a:fld id="{86ED35C8-EBEA-4E22-9EB2-E30A7BAEBE28}" type="slidenum">
-              <a:rPr lang="en-US"/>
-              <a:pPr>
-                <a:defRPr/>
-              </a:pPr>
-              <a:t>‹#›</a:t>
-            </a:fld>
-            <a:endParaRPr lang="en-US"/>
-          </a:p>
-        </p:txBody>
-      </p:sp>
-    </p:spTree>
-  </p:cSld>
-  <p:clrMapOvr>
-    <a:masterClrMapping/>
-  </p:clrMapOvr>
-</p:sldLayout>
-</file>
-
-<file path=ppt/slideLayouts/slideLayout11.xml><?xml version="1.0" encoding="utf-8"?>
-<p:sldLayout xmlns:a="http://schemas.openxmlformats.org/drawingml/2006/main" xmlns:r="http://schemas.openxmlformats.org/officeDocument/2006/relationships" xmlns:p="http://schemas.openxmlformats.org/presentationml/2006/main" type="vertTitleAndTx" preserve="1">
-  <p:cSld name="Vertical Title and Text">
-    <p:spTree>
-      <p:nvGrpSpPr>
-        <p:cNvPr id="1" name=""/>
-        <p:cNvGrpSpPr/>
-        <p:nvPr/>
-      </p:nvGrpSpPr>
-      <p:grpSpPr>
-        <a:xfrm>
-          <a:off x="0" y="0"/>
-          <a:ext cx="0" cy="0"/>
-          <a:chOff x="0" y="0"/>
-          <a:chExt cx="0" cy="0"/>
-        </a:xfrm>
-      </p:grpSpPr>
-      <p:sp>
-        <p:nvSpPr>
-          <p:cNvPr id="2" name="Vertical Title 1"/>
-          <p:cNvSpPr>
-            <a:spLocks noGrp="1"/>
-          </p:cNvSpPr>
-          <p:nvPr>
-            <p:ph type="title" orient="vert"/>
-          </p:nvPr>
-        </p:nvSpPr>
-        <p:spPr>
-          <a:xfrm>
-            <a:off x="6844013" y="274640"/>
-            <a:ext cx="1777470" cy="5592761"/>
-          </a:xfrm>
-        </p:spPr>
-        <p:txBody>
-          <a:bodyPr vert="eaVert"/>
-          <a:lstStyle>
-            <a:extLst/>
-          </a:lstStyle>
-          <a:p>
-            <a:r>
-              <a:rPr lang="en-US" smtClean="0"/>
-              <a:t>Click to edit Master title style</a:t>
-            </a:r>
-            <a:endParaRPr lang="en-US"/>
-          </a:p>
-        </p:txBody>
-      </p:sp>
-      <p:sp>
-        <p:nvSpPr>
-          <p:cNvPr id="3" name="Vertical Text Placeholder 2"/>
-          <p:cNvSpPr>
-            <a:spLocks noGrp="1"/>
-          </p:cNvSpPr>
-          <p:nvPr>
-            <p:ph type="body" orient="vert" idx="1"/>
-          </p:nvPr>
-        </p:nvSpPr>
-        <p:spPr>
-          <a:xfrm>
-            <a:off x="457200" y="274641"/>
-            <a:ext cx="6324600" cy="5592760"/>
-          </a:xfrm>
-        </p:spPr>
-        <p:txBody>
-          <a:bodyPr vert="eaVert"/>
-          <a:lstStyle>
-            <a:extLst/>
-          </a:lstStyle>
-          <a:p>
-            <a:pPr lvl="0"/>
-            <a:r>
-              <a:rPr lang="en-US" smtClean="0"/>
-              <a:t>Click to edit Master text styles</a:t>
-            </a:r>
-          </a:p>
-          <a:p>
-            <a:pPr lvl="1"/>
-            <a:r>
-              <a:rPr lang="en-US" smtClean="0"/>
-              <a:t>Second level</a:t>
-            </a:r>
-          </a:p>
-          <a:p>
-            <a:pPr lvl="2"/>
-            <a:r>
-              <a:rPr lang="en-US" smtClean="0"/>
-              <a:t>Third level</a:t>
-            </a:r>
-          </a:p>
-          <a:p>
-            <a:pPr lvl="3"/>
-            <a:r>
-              <a:rPr lang="en-US" smtClean="0"/>
-              <a:t>Fourth level</a:t>
-            </a:r>
-          </a:p>
-          <a:p>
-            <a:pPr lvl="4"/>
-            <a:r>
-              <a:rPr lang="en-US" smtClean="0"/>
-              <a:t>Fifth level</a:t>
-            </a:r>
-            <a:endParaRPr lang="en-US"/>
-          </a:p>
-        </p:txBody>
-      </p:sp>
-      <p:sp>
-        <p:nvSpPr>
-          <p:cNvPr id="4" name="Date Placeholder 3"/>
-          <p:cNvSpPr>
-            <a:spLocks noGrp="1"/>
-          </p:cNvSpPr>
-          <p:nvPr>
-            <p:ph type="dt" sz="half" idx="10"/>
-          </p:nvPr>
-        </p:nvSpPr>
-        <p:spPr>
-          <a:xfrm>
-            <a:off x="6727825" y="6408738"/>
-            <a:ext cx="1919288" cy="365125"/>
-          </a:xfrm>
-          <a:prstGeom prst="rect">
-            <a:avLst/>
-          </a:prstGeom>
-        </p:spPr>
-        <p:txBody>
-          <a:bodyPr/>
-          <a:lstStyle>
-            <a:lvl1pPr>
-              <a:defRPr/>
-            </a:lvl1pPr>
-            <a:extLst/>
-          </a:lstStyle>
-          <a:p>
-            <a:pPr>
-              <a:defRPr/>
-            </a:pPr>
-            <a:endParaRPr lang="en-US"/>
-          </a:p>
-          <a:p>
-            <a:pPr>
-              <a:defRPr/>
-            </a:pPr>
-            <a:r>
-              <a:rPr lang="en-US"/>
-              <a:t>Design for Electrical and Computer Engineers (Published by McGraw Hill)</a:t>
-            </a:r>
-          </a:p>
-          <a:p>
-            <a:pPr>
-              <a:defRPr/>
-            </a:pPr>
-            <a:r>
-              <a:rPr lang="en-US"/>
-              <a:t>Not to be transmitted or reproduced without written consent of authors</a:t>
-            </a:r>
-          </a:p>
-          <a:p>
-            <a:pPr>
-              <a:defRPr/>
-            </a:pPr>
-            <a:endParaRPr lang="en-US"/>
-          </a:p>
-        </p:txBody>
-      </p:sp>
-      <p:sp>
-        <p:nvSpPr>
-          <p:cNvPr id="5" name="Footer Placeholder 4"/>
-          <p:cNvSpPr>
-            <a:spLocks noGrp="1"/>
-          </p:cNvSpPr>
-          <p:nvPr>
-            <p:ph type="ftr" sz="quarter" idx="11"/>
-          </p:nvPr>
-        </p:nvSpPr>
-        <p:spPr>
-          <a:xfrm>
-            <a:off x="4379913" y="6408738"/>
-            <a:ext cx="2351087" cy="365125"/>
-          </a:xfrm>
-          <a:prstGeom prst="rect">
-            <a:avLst/>
-          </a:prstGeom>
-        </p:spPr>
-        <p:txBody>
-          <a:bodyPr/>
-          <a:lstStyle>
-            <a:lvl1pPr>
-              <a:defRPr/>
-            </a:lvl1pPr>
-            <a:extLst/>
-          </a:lstStyle>
-          <a:p>
-            <a:pPr>
-              <a:defRPr/>
-            </a:pPr>
-            <a:r>
-              <a:rPr lang="en-US"/>
-              <a:t>Copyright 2005 </a:t>
-            </a:r>
-          </a:p>
-          <a:p>
-            <a:pPr>
-              <a:defRPr/>
-            </a:pPr>
-            <a:r>
-              <a:rPr lang="en-US"/>
-              <a:t>Ralph M. Ford and Chris Coulston</a:t>
-            </a:r>
-          </a:p>
-        </p:txBody>
-      </p:sp>
-      <p:sp>
-        <p:nvSpPr>
-          <p:cNvPr id="6" name="Slide Number Placeholder 5"/>
-          <p:cNvSpPr>
-            <a:spLocks noGrp="1"/>
-          </p:cNvSpPr>
-          <p:nvPr>
-            <p:ph type="sldNum" sz="quarter" idx="12"/>
-          </p:nvPr>
-        </p:nvSpPr>
-        <p:spPr/>
-        <p:txBody>
-          <a:bodyPr/>
-          <a:lstStyle>
-            <a:lvl1pPr>
-              <a:defRPr/>
-            </a:lvl1pPr>
-            <a:extLst/>
-          </a:lstStyle>
-          <a:p>
-            <a:pPr>
-              <a:defRPr/>
-            </a:pPr>
-            <a:fld id="{28C273CA-0261-478B-AA1C-A49C3A8DA28A}" type="slidenum">
-              <a:rPr lang="en-US"/>
-              <a:pPr>
-                <a:defRPr/>
-              </a:pPr>
-              <a:t>‹#›</a:t>
-            </a:fld>
-            <a:endParaRPr lang="en-US"/>
-          </a:p>
-        </p:txBody>
-      </p:sp>
-    </p:spTree>
-  </p:cSld>
-  <p:clrMapOvr>
-    <a:masterClrMapping/>
-  </p:clrMapOvr>
-</p:sldLayout>
-</file>
-
-<file path=ppt/slideLayouts/slideLayout12.xml><?xml version="1.0" encoding="utf-8"?>
-<p:sldLayout xmlns:a="http://schemas.openxmlformats.org/drawingml/2006/main" xmlns:r="http://schemas.openxmlformats.org/officeDocument/2006/relationships" xmlns:p="http://schemas.openxmlformats.org/presentationml/2006/main" type="txAndTwoObj">
-  <p:cSld name="Title, Text, and 2 Content">
-    <p:spTree>
-      <p:nvGrpSpPr>
-        <p:cNvPr id="1" name=""/>
-        <p:cNvGrpSpPr/>
-        <p:nvPr/>
-      </p:nvGrpSpPr>
-      <p:grpSpPr>
-        <a:xfrm>
-          <a:off x="0" y="0"/>
-          <a:ext cx="0" cy="0"/>
-          <a:chOff x="0" y="0"/>
-          <a:chExt cx="0" cy="0"/>
-        </a:xfrm>
-      </p:grpSpPr>
-      <p:sp>
-        <p:nvSpPr>
-          <p:cNvPr id="2" name="Title 1"/>
-          <p:cNvSpPr>
-            <a:spLocks noGrp="1"/>
-          </p:cNvSpPr>
-          <p:nvPr>
-            <p:ph type="title"/>
-          </p:nvPr>
-        </p:nvSpPr>
-        <p:spPr>
-          <a:xfrm>
-            <a:off x="762000" y="228600"/>
-            <a:ext cx="7924800" cy="685800"/>
-          </a:xfrm>
-        </p:spPr>
-        <p:txBody>
-          <a:bodyPr/>
-          <a:lstStyle/>
-          <a:p>
-            <a:r>
-              <a:rPr lang="en-US" smtClean="0"/>
-              <a:t>Click to edit Master title style</a:t>
-            </a:r>
-            <a:endParaRPr lang="en-US"/>
-          </a:p>
-        </p:txBody>
-      </p:sp>
-      <p:sp>
-        <p:nvSpPr>
-          <p:cNvPr id="3" name="Text Placeholder 2"/>
-          <p:cNvSpPr>
-            <a:spLocks noGrp="1"/>
-          </p:cNvSpPr>
-          <p:nvPr>
-            <p:ph type="body" sz="half" idx="1"/>
-          </p:nvPr>
-        </p:nvSpPr>
-        <p:spPr>
-          <a:xfrm>
-            <a:off x="838200" y="1295400"/>
-            <a:ext cx="3770313" cy="4791075"/>
-          </a:xfrm>
-        </p:spPr>
-        <p:txBody>
-          <a:bodyPr/>
-          <a:lstStyle/>
-          <a:p>
-            <a:pPr lvl="0"/>
-            <a:r>
-              <a:rPr lang="en-US" smtClean="0"/>
-              <a:t>Click to edit Master text styles</a:t>
-            </a:r>
-          </a:p>
-          <a:p>
-            <a:pPr lvl="1"/>
-            <a:r>
-              <a:rPr lang="en-US" smtClean="0"/>
-              <a:t>Second level</a:t>
-            </a:r>
-          </a:p>
-          <a:p>
-            <a:pPr lvl="2"/>
-            <a:r>
-              <a:rPr lang="en-US" smtClean="0"/>
-              <a:t>Third level</a:t>
-            </a:r>
-          </a:p>
-          <a:p>
-            <a:pPr lvl="3"/>
-            <a:r>
-              <a:rPr lang="en-US" smtClean="0"/>
-              <a:t>Fourth level</a:t>
-            </a:r>
-          </a:p>
-          <a:p>
-            <a:pPr lvl="4"/>
-            <a:r>
-              <a:rPr lang="en-US" smtClean="0"/>
-              <a:t>Fifth level</a:t>
-            </a:r>
-            <a:endParaRPr lang="en-US"/>
-          </a:p>
-        </p:txBody>
-      </p:sp>
-      <p:sp>
-        <p:nvSpPr>
-          <p:cNvPr id="4" name="Content Placeholder 3"/>
-          <p:cNvSpPr>
-            <a:spLocks noGrp="1"/>
-          </p:cNvSpPr>
-          <p:nvPr>
-            <p:ph sz="quarter" idx="2"/>
-          </p:nvPr>
-        </p:nvSpPr>
-        <p:spPr>
-          <a:xfrm>
-            <a:off x="4760913" y="1295400"/>
-            <a:ext cx="3770312" cy="2319338"/>
-          </a:xfrm>
-        </p:spPr>
-        <p:txBody>
-          <a:bodyPr/>
-          <a:lstStyle/>
-          <a:p>
-            <a:pPr lvl="0"/>
-            <a:r>
-              <a:rPr lang="en-US" smtClean="0"/>
-              <a:t>Click to edit Master text styles</a:t>
-            </a:r>
-          </a:p>
-          <a:p>
-            <a:pPr lvl="1"/>
-            <a:r>
-              <a:rPr lang="en-US" smtClean="0"/>
-              <a:t>Second level</a:t>
-            </a:r>
-          </a:p>
-          <a:p>
-            <a:pPr lvl="2"/>
-            <a:r>
-              <a:rPr lang="en-US" smtClean="0"/>
-              <a:t>Third level</a:t>
-            </a:r>
-          </a:p>
-          <a:p>
-            <a:pPr lvl="3"/>
-            <a:r>
-              <a:rPr lang="en-US" smtClean="0"/>
-              <a:t>Fourth level</a:t>
-            </a:r>
-          </a:p>
-          <a:p>
-            <a:pPr lvl="4"/>
-            <a:r>
-              <a:rPr lang="en-US" smtClean="0"/>
-              <a:t>Fifth level</a:t>
-            </a:r>
-            <a:endParaRPr lang="en-US"/>
-          </a:p>
-        </p:txBody>
-      </p:sp>
-      <p:sp>
-        <p:nvSpPr>
-          <p:cNvPr id="5" name="Content Placeholder 4"/>
-          <p:cNvSpPr>
-            <a:spLocks noGrp="1"/>
-          </p:cNvSpPr>
-          <p:nvPr>
-            <p:ph sz="quarter" idx="3"/>
-          </p:nvPr>
-        </p:nvSpPr>
-        <p:spPr>
-          <a:xfrm>
-            <a:off x="4760913" y="3767138"/>
-            <a:ext cx="3770312" cy="2319337"/>
-          </a:xfrm>
-        </p:spPr>
-        <p:txBody>
-          <a:bodyPr/>
-          <a:lstStyle/>
-          <a:p>
-            <a:pPr lvl="0"/>
-            <a:r>
-              <a:rPr lang="en-US" smtClean="0"/>
-              <a:t>Click to edit Master text styles</a:t>
-            </a:r>
-          </a:p>
-          <a:p>
-            <a:pPr lvl="1"/>
-            <a:r>
-              <a:rPr lang="en-US" smtClean="0"/>
-              <a:t>Second level</a:t>
-            </a:r>
-          </a:p>
-          <a:p>
-            <a:pPr lvl="2"/>
-            <a:r>
-              <a:rPr lang="en-US" smtClean="0"/>
-              <a:t>Third level</a:t>
-            </a:r>
-          </a:p>
-          <a:p>
-            <a:pPr lvl="3"/>
-            <a:r>
-              <a:rPr lang="en-US" smtClean="0"/>
-              <a:t>Fourth level</a:t>
-            </a:r>
-          </a:p>
-          <a:p>
-            <a:pPr lvl="4"/>
-            <a:r>
-              <a:rPr lang="en-US" smtClean="0"/>
-              <a:t>Fifth level</a:t>
-            </a:r>
-            <a:endParaRPr lang="en-US"/>
-          </a:p>
-        </p:txBody>
-      </p:sp>
-      <p:sp>
-        <p:nvSpPr>
-          <p:cNvPr id="6" name="Rectangle 11"/>
-          <p:cNvSpPr>
-            <a:spLocks noGrp="1" noChangeArrowheads="1"/>
-          </p:cNvSpPr>
-          <p:nvPr>
-            <p:ph type="dt" sz="half" idx="10"/>
-          </p:nvPr>
-        </p:nvSpPr>
-        <p:spPr>
-          <a:xfrm>
-            <a:off x="6727825" y="6408738"/>
-            <a:ext cx="1919288" cy="365125"/>
-          </a:xfrm>
-          <a:prstGeom prst="rect">
-            <a:avLst/>
-          </a:prstGeom>
-        </p:spPr>
-        <p:txBody>
-          <a:bodyPr/>
-          <a:lstStyle>
-            <a:lvl1pPr>
-              <a:defRPr/>
-            </a:lvl1pPr>
-          </a:lstStyle>
-          <a:p>
-            <a:pPr>
-              <a:defRPr/>
-            </a:pPr>
-            <a:endParaRPr lang="en-US"/>
-          </a:p>
-          <a:p>
-            <a:pPr>
-              <a:defRPr/>
-            </a:pPr>
-            <a:r>
-              <a:rPr lang="en-US"/>
-              <a:t>Design for Electrical and Computer Engineers (Published by McGraw Hill)</a:t>
-            </a:r>
-          </a:p>
-          <a:p>
-            <a:pPr>
-              <a:defRPr/>
-            </a:pPr>
-            <a:r>
-              <a:rPr lang="en-US"/>
-              <a:t>Not to be transmitted or reproduced without written consent of authors</a:t>
-            </a:r>
-          </a:p>
-          <a:p>
-            <a:pPr>
-              <a:defRPr/>
-            </a:pPr>
-            <a:endParaRPr lang="en-US"/>
-          </a:p>
-        </p:txBody>
-      </p:sp>
-      <p:sp>
-        <p:nvSpPr>
-          <p:cNvPr id="7" name="Rectangle 12"/>
-          <p:cNvSpPr>
-            <a:spLocks noGrp="1" noChangeArrowheads="1"/>
-          </p:cNvSpPr>
-          <p:nvPr>
-            <p:ph type="ftr" sz="quarter" idx="11"/>
-          </p:nvPr>
-        </p:nvSpPr>
-        <p:spPr>
-          <a:xfrm>
-            <a:off x="4379913" y="6408738"/>
-            <a:ext cx="2351087" cy="365125"/>
-          </a:xfrm>
-          <a:prstGeom prst="rect">
-            <a:avLst/>
-          </a:prstGeom>
-        </p:spPr>
-        <p:txBody>
-          <a:bodyPr/>
-          <a:lstStyle>
-            <a:lvl1pPr>
-              <a:defRPr/>
-            </a:lvl1pPr>
-          </a:lstStyle>
-          <a:p>
-            <a:pPr>
-              <a:defRPr/>
-            </a:pPr>
-            <a:r>
-              <a:rPr lang="en-US"/>
-              <a:t>Copyright 2005 </a:t>
-            </a:r>
-          </a:p>
-          <a:p>
-            <a:pPr>
-              <a:defRPr/>
-            </a:pPr>
-            <a:r>
-              <a:rPr lang="en-US"/>
-              <a:t>Ralph M. Ford and Chris Coulston</a:t>
-            </a:r>
-          </a:p>
-        </p:txBody>
-      </p:sp>
-      <p:sp>
-        <p:nvSpPr>
-          <p:cNvPr id="8" name="Rectangle 13"/>
-          <p:cNvSpPr>
-            <a:spLocks noGrp="1" noChangeArrowheads="1"/>
-          </p:cNvSpPr>
-          <p:nvPr>
-            <p:ph type="sldNum" sz="quarter" idx="12"/>
-          </p:nvPr>
-        </p:nvSpPr>
-        <p:spPr/>
-        <p:txBody>
-          <a:bodyPr/>
-          <a:lstStyle>
-            <a:lvl1pPr>
-              <a:defRPr/>
-            </a:lvl1pPr>
-          </a:lstStyle>
-          <a:p>
-            <a:pPr>
-              <a:defRPr/>
-            </a:pPr>
-            <a:fld id="{F6138C8F-3434-46AF-831A-A7A20E6AC12F}" type="slidenum">
-              <a:rPr lang="en-US"/>
-              <a:pPr>
-                <a:defRPr/>
-              </a:pPr>
-              <a:t>‹#›</a:t>
-            </a:fld>
-            <a:endParaRPr lang="en-US"/>
-          </a:p>
-        </p:txBody>
-      </p:sp>
-    </p:spTree>
-  </p:cSld>
-  <p:clrMapOvr>
-    <a:masterClrMapping/>
-  </p:clrMapOvr>
-</p:sldLayout>
-</file>
-
-<file path=ppt/slideLayouts/slideLayout13.xml><?xml version="1.0" encoding="utf-8"?>
-<p:sldLayout xmlns:a="http://schemas.openxmlformats.org/drawingml/2006/main" xmlns:r="http://schemas.openxmlformats.org/officeDocument/2006/relationships" xmlns:p="http://schemas.openxmlformats.org/presentationml/2006/main" type="txAndObj">
-  <p:cSld name="Title, Text, and Content">
-    <p:spTree>
-      <p:nvGrpSpPr>
-        <p:cNvPr id="1" name=""/>
-        <p:cNvGrpSpPr/>
-        <p:nvPr/>
-      </p:nvGrpSpPr>
-      <p:grpSpPr>
-        <a:xfrm>
-          <a:off x="0" y="0"/>
-          <a:ext cx="0" cy="0"/>
-          <a:chOff x="0" y="0"/>
-          <a:chExt cx="0" cy="0"/>
-        </a:xfrm>
-      </p:grpSpPr>
-      <p:sp>
-        <p:nvSpPr>
-          <p:cNvPr id="2" name="Title 1"/>
-          <p:cNvSpPr>
-            <a:spLocks noGrp="1"/>
-          </p:cNvSpPr>
-          <p:nvPr>
-            <p:ph type="title"/>
-          </p:nvPr>
-        </p:nvSpPr>
-        <p:spPr>
-          <a:xfrm>
-            <a:off x="762000" y="228600"/>
-            <a:ext cx="7924800" cy="685800"/>
-          </a:xfrm>
-        </p:spPr>
-        <p:txBody>
-          <a:bodyPr/>
-          <a:lstStyle/>
-          <a:p>
-            <a:r>
-              <a:rPr lang="en-US" smtClean="0"/>
-              <a:t>Click to edit Master title style</a:t>
-            </a:r>
-            <a:endParaRPr lang="en-US"/>
-          </a:p>
-        </p:txBody>
-      </p:sp>
-      <p:sp>
-        <p:nvSpPr>
-          <p:cNvPr id="3" name="Text Placeholder 2"/>
-          <p:cNvSpPr>
-            <a:spLocks noGrp="1"/>
-          </p:cNvSpPr>
-          <p:nvPr>
-            <p:ph type="body" sz="half" idx="1"/>
-          </p:nvPr>
-        </p:nvSpPr>
-        <p:spPr>
-          <a:xfrm>
-            <a:off x="838200" y="1295400"/>
-            <a:ext cx="3770313" cy="4791075"/>
-          </a:xfrm>
-        </p:spPr>
-        <p:txBody>
-          <a:bodyPr/>
-          <a:lstStyle/>
-          <a:p>
-            <a:pPr lvl="0"/>
-            <a:r>
-              <a:rPr lang="en-US" smtClean="0"/>
-              <a:t>Click to edit Master text styles</a:t>
-            </a:r>
-          </a:p>
-          <a:p>
-            <a:pPr lvl="1"/>
-            <a:r>
-              <a:rPr lang="en-US" smtClean="0"/>
-              <a:t>Second level</a:t>
-            </a:r>
-          </a:p>
-          <a:p>
-            <a:pPr lvl="2"/>
-            <a:r>
-              <a:rPr lang="en-US" smtClean="0"/>
-              <a:t>Third level</a:t>
-            </a:r>
-          </a:p>
-          <a:p>
-            <a:pPr lvl="3"/>
-            <a:r>
-              <a:rPr lang="en-US" smtClean="0"/>
-              <a:t>Fourth level</a:t>
-            </a:r>
-          </a:p>
-          <a:p>
-            <a:pPr lvl="4"/>
-            <a:r>
-              <a:rPr lang="en-US" smtClean="0"/>
-              <a:t>Fifth level</a:t>
-            </a:r>
-            <a:endParaRPr lang="en-US"/>
-          </a:p>
-        </p:txBody>
-      </p:sp>
-      <p:sp>
-        <p:nvSpPr>
-          <p:cNvPr id="4" name="Content Placeholder 3"/>
-          <p:cNvSpPr>
-            <a:spLocks noGrp="1"/>
-          </p:cNvSpPr>
-          <p:nvPr>
-            <p:ph sz="half" idx="2"/>
-          </p:nvPr>
-        </p:nvSpPr>
-        <p:spPr>
-          <a:xfrm>
-            <a:off x="4760913" y="1295400"/>
-            <a:ext cx="3770312" cy="4791075"/>
-          </a:xfrm>
-        </p:spPr>
-        <p:txBody>
-          <a:bodyPr/>
-          <a:lstStyle/>
-          <a:p>
-            <a:pPr lvl="0"/>
-            <a:r>
-              <a:rPr lang="en-US" smtClean="0"/>
-              <a:t>Click to edit Master text styles</a:t>
-            </a:r>
-          </a:p>
-          <a:p>
-            <a:pPr lvl="1"/>
-            <a:r>
-              <a:rPr lang="en-US" smtClean="0"/>
-              <a:t>Second level</a:t>
-            </a:r>
-          </a:p>
-          <a:p>
-            <a:pPr lvl="2"/>
-            <a:r>
-              <a:rPr lang="en-US" smtClean="0"/>
-              <a:t>Third level</a:t>
-            </a:r>
-          </a:p>
-          <a:p>
-            <a:pPr lvl="3"/>
-            <a:r>
-              <a:rPr lang="en-US" smtClean="0"/>
-              <a:t>Fourth level</a:t>
-            </a:r>
-          </a:p>
-          <a:p>
-            <a:pPr lvl="4"/>
-            <a:r>
-              <a:rPr lang="en-US" smtClean="0"/>
-              <a:t>Fifth level</a:t>
-            </a:r>
-            <a:endParaRPr lang="en-US"/>
-          </a:p>
-        </p:txBody>
-      </p:sp>
-      <p:sp>
-        <p:nvSpPr>
-          <p:cNvPr id="5" name="Rectangle 11"/>
-          <p:cNvSpPr>
-            <a:spLocks noGrp="1" noChangeArrowheads="1"/>
-          </p:cNvSpPr>
-          <p:nvPr>
-            <p:ph type="dt" sz="half" idx="10"/>
-          </p:nvPr>
-        </p:nvSpPr>
-        <p:spPr>
-          <a:xfrm>
-            <a:off x="6727825" y="6408738"/>
-            <a:ext cx="1919288" cy="365125"/>
-          </a:xfrm>
-          <a:prstGeom prst="rect">
-            <a:avLst/>
-          </a:prstGeom>
-        </p:spPr>
-        <p:txBody>
-          <a:bodyPr/>
-          <a:lstStyle>
-            <a:lvl1pPr>
-              <a:defRPr/>
-            </a:lvl1pPr>
-          </a:lstStyle>
-          <a:p>
-            <a:pPr>
-              <a:defRPr/>
-            </a:pPr>
-            <a:endParaRPr lang="en-US"/>
-          </a:p>
-          <a:p>
-            <a:pPr>
-              <a:defRPr/>
-            </a:pPr>
-            <a:r>
-              <a:rPr lang="en-US"/>
-              <a:t>Design for Electrical and Computer Engineers (Published by McGraw Hill)</a:t>
-            </a:r>
-          </a:p>
-          <a:p>
-            <a:pPr>
-              <a:defRPr/>
-            </a:pPr>
-            <a:r>
-              <a:rPr lang="en-US"/>
-              <a:t>Not to be transmitted or reproduced without written consent of authors</a:t>
-            </a:r>
-          </a:p>
-          <a:p>
-            <a:pPr>
-              <a:defRPr/>
-            </a:pPr>
-            <a:endParaRPr lang="en-US"/>
-          </a:p>
-        </p:txBody>
-      </p:sp>
-      <p:sp>
-        <p:nvSpPr>
-          <p:cNvPr id="6" name="Rectangle 12"/>
-          <p:cNvSpPr>
-            <a:spLocks noGrp="1" noChangeArrowheads="1"/>
-          </p:cNvSpPr>
-          <p:nvPr>
-            <p:ph type="ftr" sz="quarter" idx="11"/>
-          </p:nvPr>
-        </p:nvSpPr>
-        <p:spPr>
-          <a:xfrm>
-            <a:off x="4379913" y="6408738"/>
-            <a:ext cx="2351087" cy="365125"/>
-          </a:xfrm>
-          <a:prstGeom prst="rect">
-            <a:avLst/>
-          </a:prstGeom>
-        </p:spPr>
-        <p:txBody>
-          <a:bodyPr/>
-          <a:lstStyle>
-            <a:lvl1pPr>
-              <a:defRPr/>
-            </a:lvl1pPr>
-          </a:lstStyle>
-          <a:p>
-            <a:pPr>
-              <a:defRPr/>
-            </a:pPr>
-            <a:r>
-              <a:rPr lang="en-US"/>
-              <a:t>Copyright 2005 </a:t>
-            </a:r>
-          </a:p>
-          <a:p>
-            <a:pPr>
-              <a:defRPr/>
-            </a:pPr>
-            <a:r>
-              <a:rPr lang="en-US"/>
-              <a:t>Ralph M. Ford and Chris Coulston</a:t>
-            </a:r>
-          </a:p>
-        </p:txBody>
-      </p:sp>
-      <p:sp>
-        <p:nvSpPr>
-          <p:cNvPr id="7" name="Rectangle 13"/>
-          <p:cNvSpPr>
-            <a:spLocks noGrp="1" noChangeArrowheads="1"/>
-          </p:cNvSpPr>
-          <p:nvPr>
-            <p:ph type="sldNum" sz="quarter" idx="12"/>
-          </p:nvPr>
-        </p:nvSpPr>
-        <p:spPr/>
-        <p:txBody>
-          <a:bodyPr/>
-          <a:lstStyle>
-            <a:lvl1pPr>
-              <a:defRPr/>
-            </a:lvl1pPr>
-          </a:lstStyle>
-          <a:p>
-            <a:pPr>
-              <a:defRPr/>
-            </a:pPr>
-            <a:fld id="{E2E9A047-387C-4B31-A911-E2213B5792CC}" type="slidenum">
-              <a:rPr lang="en-US"/>
-              <a:pPr>
-                <a:defRPr/>
-              </a:pPr>
-              <a:t>‹#›</a:t>
-            </a:fld>
-            <a:endParaRPr lang="en-US"/>
-          </a:p>
-        </p:txBody>
-      </p:sp>
-    </p:spTree>
+    <p:extLst>
+      <p:ext uri="{BB962C8B-B14F-4D97-AF65-F5344CB8AC3E}">
+        <p14:creationId xmlns:p14="http://schemas.microsoft.com/office/powerpoint/2010/main" val="356386153"/>
+      </p:ext>
+    </p:extLst>
   </p:cSld>
   <p:clrMapOvr>
     <a:masterClrMapping/>
@@ -3145,44 +2180,41 @@
         <p:spPr/>
         <p:txBody>
           <a:bodyPr/>
-          <a:lstStyle>
-            <a:extLst/>
-          </a:lstStyle>
+          <a:lstStyle/>
           <a:p>
             <a:pPr lvl="0"/>
             <a:r>
-              <a:rPr lang="en-US" smtClean="0"/>
-              <a:t>Click to edit Master text styles</a:t>
+              <a:rPr lang="en-US"/>
+              <a:t>Edit Master text styles</a:t>
             </a:r>
           </a:p>
           <a:p>
             <a:pPr lvl="1"/>
             <a:r>
-              <a:rPr lang="en-US" smtClean="0"/>
+              <a:rPr lang="en-US"/>
               <a:t>Second level</a:t>
             </a:r>
           </a:p>
           <a:p>
             <a:pPr lvl="2"/>
             <a:r>
-              <a:rPr lang="en-US" smtClean="0"/>
+              <a:rPr lang="en-US"/>
               <a:t>Third level</a:t>
             </a:r>
           </a:p>
           <a:p>
             <a:pPr lvl="3"/>
             <a:r>
-              <a:rPr lang="en-US" smtClean="0"/>
+              <a:rPr lang="en-US"/>
               <a:t>Fourth level</a:t>
             </a:r>
           </a:p>
           <a:p>
             <a:pPr lvl="4"/>
             <a:r>
-              <a:rPr lang="en-US" smtClean="0"/>
+              <a:rPr lang="en-US"/>
               <a:t>Fifth level</a:t>
             </a:r>
-            <a:endParaRPr lang="en-US"/>
           </a:p>
         </p:txBody>
       </p:sp>
@@ -3196,130 +2228,27 @@
             <p:ph type="title"/>
           </p:nvPr>
         </p:nvSpPr>
-        <p:spPr/>
+        <p:spPr>
+          <a:xfrm>
+            <a:off x="457200" y="274638"/>
+            <a:ext cx="8001000" cy="1143000"/>
+          </a:xfrm>
+        </p:spPr>
         <p:txBody>
           <a:bodyPr rtlCol="0"/>
-          <a:lstStyle>
-            <a:extLst/>
-          </a:lstStyle>
-          <a:p>
-            <a:r>
-              <a:rPr lang="en-US" smtClean="0"/>
+          <a:lstStyle/>
+          <a:p>
+            <a:r>
+              <a:rPr lang="en-US"/>
               <a:t>Click to edit Master title style</a:t>
             </a:r>
-            <a:endParaRPr lang="en-US"/>
+            <a:endParaRPr lang="en-US" dirty="0"/>
           </a:p>
         </p:txBody>
       </p:sp>
       <p:sp>
         <p:nvSpPr>
-          <p:cNvPr id="4" name="Date Placeholder 3"/>
-          <p:cNvSpPr>
-            <a:spLocks noGrp="1"/>
-          </p:cNvSpPr>
-          <p:nvPr>
-            <p:ph type="dt" sz="half" idx="10"/>
-          </p:nvPr>
-        </p:nvSpPr>
-        <p:spPr>
-          <a:xfrm>
-            <a:off x="6727825" y="6408738"/>
-            <a:ext cx="1919288" cy="365125"/>
-          </a:xfrm>
-          <a:prstGeom prst="rect">
-            <a:avLst/>
-          </a:prstGeom>
-        </p:spPr>
-        <p:txBody>
-          <a:bodyPr/>
-          <a:lstStyle>
-            <a:lvl1pPr>
-              <a:defRPr/>
-            </a:lvl1pPr>
-            <a:extLst/>
-          </a:lstStyle>
-          <a:p>
-            <a:pPr>
-              <a:defRPr/>
-            </a:pPr>
-            <a:endParaRPr lang="en-US"/>
-          </a:p>
-          <a:p>
-            <a:pPr>
-              <a:defRPr/>
-            </a:pPr>
-            <a:r>
-              <a:rPr lang="en-US"/>
-              <a:t>Design for Electrical and Computer Engineers (Published by McGraw Hill)</a:t>
-            </a:r>
-          </a:p>
-          <a:p>
-            <a:pPr>
-              <a:defRPr/>
-            </a:pPr>
-            <a:r>
-              <a:rPr lang="en-US"/>
-              <a:t>Not to be transmitted or reproduced without written consent of authors</a:t>
-            </a:r>
-          </a:p>
-          <a:p>
-            <a:pPr>
-              <a:defRPr/>
-            </a:pPr>
-            <a:endParaRPr lang="en-US"/>
-          </a:p>
-        </p:txBody>
-      </p:sp>
-      <p:sp>
-        <p:nvSpPr>
-          <p:cNvPr id="5" name="Footer Placeholder 4"/>
-          <p:cNvSpPr>
-            <a:spLocks noGrp="1"/>
-          </p:cNvSpPr>
-          <p:nvPr>
-            <p:ph type="ftr" sz="quarter" idx="11"/>
-          </p:nvPr>
-        </p:nvSpPr>
-        <p:spPr>
-          <a:xfrm>
-            <a:off x="4379913" y="6408738"/>
-            <a:ext cx="2351087" cy="365125"/>
-          </a:xfrm>
-          <a:prstGeom prst="rect">
-            <a:avLst/>
-          </a:prstGeom>
-        </p:spPr>
-        <p:txBody>
-          <a:bodyPr/>
-          <a:lstStyle>
-            <a:lvl1pPr>
-              <a:defRPr/>
-            </a:lvl1pPr>
-            <a:extLst/>
-          </a:lstStyle>
-          <a:p>
-            <a:pPr>
-              <a:defRPr/>
-            </a:pPr>
-            <a:r>
-              <a:rPr lang="en-US"/>
-              <a:t>Copyright 2005 </a:t>
-            </a:r>
-          </a:p>
-          <a:p>
-            <a:pPr>
-              <a:defRPr/>
-            </a:pPr>
-            <a:r>
-              <a:rPr lang="en-US"/>
-              <a:t>Ralph M. Ford and Chris Coulston</a:t>
-            </a:r>
-          </a:p>
-        </p:txBody>
-      </p:sp>
-      <p:sp>
-        <p:nvSpPr>
-          <p:cNvPr id="6" name="Slide Number Placeholder 5"/>
+          <p:cNvPr id="8" name="Slide Number Placeholder 17"/>
           <p:cNvSpPr>
             <a:spLocks noGrp="1"/>
           </p:cNvSpPr>
@@ -3334,14 +2263,13 @@
             <a:lvl1pPr>
               <a:defRPr/>
             </a:lvl1pPr>
-            <a:extLst/>
           </a:lstStyle>
           <a:p>
             <a:pPr>
               <a:defRPr/>
             </a:pPr>
             <a:fld id="{D8389D46-7ECE-4B34-A5AD-871FB9BF64E2}" type="slidenum">
-              <a:rPr lang="en-US"/>
+              <a:rPr lang="en-US" smtClean="0"/>
               <a:pPr>
                 <a:defRPr/>
               </a:pPr>
@@ -3352,6 +2280,11 @@
         </p:txBody>
       </p:sp>
     </p:spTree>
+    <p:extLst>
+      <p:ext uri="{BB962C8B-B14F-4D97-AF65-F5344CB8AC3E}">
+        <p14:creationId xmlns:p14="http://schemas.microsoft.com/office/powerpoint/2010/main" val="2952015045"/>
+      </p:ext>
+    </p:extLst>
   </p:cSld>
   <p:clrMapOvr>
     <a:masterClrMapping/>
@@ -3360,810 +2293,8 @@
 </file>
 
 <file path=ppt/slideLayouts/slideLayout3.xml><?xml version="1.0" encoding="utf-8"?>
-<p:sldLayout xmlns:a="http://schemas.openxmlformats.org/drawingml/2006/main" xmlns:r="http://schemas.openxmlformats.org/officeDocument/2006/relationships" xmlns:p="http://schemas.openxmlformats.org/presentationml/2006/main" type="secHead" preserve="1">
-  <p:cSld name="Section Header">
-    <p:bg>
-      <p:bgRef idx="1002">
-        <a:schemeClr val="bg1"/>
-      </p:bgRef>
-    </p:bg>
-    <p:spTree>
-      <p:nvGrpSpPr>
-        <p:cNvPr id="1" name=""/>
-        <p:cNvGrpSpPr/>
-        <p:nvPr/>
-      </p:nvGrpSpPr>
-      <p:grpSpPr>
-        <a:xfrm>
-          <a:off x="0" y="0"/>
-          <a:ext cx="0" cy="0"/>
-          <a:chOff x="0" y="0"/>
-          <a:chExt cx="0" cy="0"/>
-        </a:xfrm>
-      </p:grpSpPr>
-      <p:sp>
-        <p:nvSpPr>
-          <p:cNvPr id="4" name="Chevron 3"/>
-          <p:cNvSpPr/>
-          <p:nvPr/>
-        </p:nvSpPr>
-        <p:spPr>
-          <a:xfrm>
-            <a:off x="3636963" y="3005138"/>
-            <a:ext cx="182562" cy="228600"/>
-          </a:xfrm>
-          <a:prstGeom prst="chevron">
-            <a:avLst>
-              <a:gd name="adj" fmla="val 50000"/>
-            </a:avLst>
-          </a:prstGeom>
-          <a:gradFill flip="none" rotWithShape="1">
-            <a:gsLst>
-              <a:gs pos="0">
-                <a:schemeClr val="accent1">
-                  <a:shade val="60000"/>
-                  <a:satMod val="125000"/>
-                </a:schemeClr>
-              </a:gs>
-              <a:gs pos="72000">
-                <a:schemeClr val="accent1">
-                  <a:tint val="90000"/>
-                  <a:satMod val="138000"/>
-                </a:schemeClr>
-              </a:gs>
-              <a:gs pos="100000">
-                <a:schemeClr val="accent1">
-                  <a:tint val="76000"/>
-                  <a:satMod val="136000"/>
-                </a:schemeClr>
-              </a:gs>
-            </a:gsLst>
-            <a:lin ang="16200000" scaled="0"/>
-          </a:gradFill>
-          <a:ln w="3175" cap="rnd" cmpd="sng" algn="ctr">
-            <a:solidFill>
-              <a:schemeClr val="accent1">
-                <a:shade val="50000"/>
-              </a:schemeClr>
-            </a:solidFill>
-            <a:prstDash val="solid"/>
-          </a:ln>
-          <a:effectLst>
-            <a:outerShdw blurRad="50800" dist="25400" dir="5400000">
-              <a:srgbClr val="000000">
-                <a:alpha val="46000"/>
-              </a:srgbClr>
-            </a:outerShdw>
-          </a:effectLst>
-        </p:spPr>
-        <p:style>
-          <a:lnRef idx="1">
-            <a:schemeClr val="accent1"/>
-          </a:lnRef>
-          <a:fillRef idx="3">
-            <a:schemeClr val="accent1"/>
-          </a:fillRef>
-          <a:effectRef idx="2">
-            <a:schemeClr val="accent1"/>
-          </a:effectRef>
-          <a:fontRef idx="minor">
-            <a:schemeClr val="lt1"/>
-          </a:fontRef>
-        </p:style>
-        <p:txBody>
-          <a:bodyPr anchor="ctr"/>
-          <a:lstStyle>
-            <a:extLst/>
-          </a:lstStyle>
-          <a:p>
-            <a:pPr eaLnBrk="1" hangingPunct="1">
-              <a:defRPr/>
-            </a:pPr>
-            <a:endParaRPr lang="en-US"/>
-          </a:p>
-        </p:txBody>
-      </p:sp>
-      <p:sp>
-        <p:nvSpPr>
-          <p:cNvPr id="5" name="Chevron 4"/>
-          <p:cNvSpPr/>
-          <p:nvPr/>
-        </p:nvSpPr>
-        <p:spPr>
-          <a:xfrm>
-            <a:off x="3449638" y="3005138"/>
-            <a:ext cx="184150" cy="228600"/>
-          </a:xfrm>
-          <a:prstGeom prst="chevron">
-            <a:avLst>
-              <a:gd name="adj" fmla="val 50000"/>
-            </a:avLst>
-          </a:prstGeom>
-          <a:gradFill flip="none" rotWithShape="1">
-            <a:gsLst>
-              <a:gs pos="0">
-                <a:schemeClr val="accent1">
-                  <a:shade val="60000"/>
-                  <a:satMod val="125000"/>
-                </a:schemeClr>
-              </a:gs>
-              <a:gs pos="72000">
-                <a:schemeClr val="accent1">
-                  <a:tint val="90000"/>
-                  <a:satMod val="138000"/>
-                </a:schemeClr>
-              </a:gs>
-              <a:gs pos="100000">
-                <a:schemeClr val="accent1">
-                  <a:tint val="76000"/>
-                  <a:satMod val="136000"/>
-                </a:schemeClr>
-              </a:gs>
-            </a:gsLst>
-            <a:lin ang="16200000" scaled="0"/>
-          </a:gradFill>
-          <a:ln w="3175" cap="rnd" cmpd="sng" algn="ctr">
-            <a:solidFill>
-              <a:schemeClr val="accent1">
-                <a:shade val="50000"/>
-              </a:schemeClr>
-            </a:solidFill>
-            <a:prstDash val="solid"/>
-          </a:ln>
-          <a:effectLst>
-            <a:outerShdw blurRad="50800" dist="25400" dir="5400000">
-              <a:srgbClr val="000000">
-                <a:alpha val="46000"/>
-              </a:srgbClr>
-            </a:outerShdw>
-          </a:effectLst>
-        </p:spPr>
-        <p:style>
-          <a:lnRef idx="1">
-            <a:schemeClr val="accent1"/>
-          </a:lnRef>
-          <a:fillRef idx="3">
-            <a:schemeClr val="accent1"/>
-          </a:fillRef>
-          <a:effectRef idx="2">
-            <a:schemeClr val="accent1"/>
-          </a:effectRef>
-          <a:fontRef idx="minor">
-            <a:schemeClr val="lt1"/>
-          </a:fontRef>
-        </p:style>
-        <p:txBody>
-          <a:bodyPr anchor="ctr"/>
-          <a:lstStyle>
-            <a:extLst/>
-          </a:lstStyle>
-          <a:p>
-            <a:pPr eaLnBrk="1" hangingPunct="1">
-              <a:defRPr/>
-            </a:pPr>
-            <a:endParaRPr lang="en-US"/>
-          </a:p>
-        </p:txBody>
-      </p:sp>
-      <p:sp>
-        <p:nvSpPr>
-          <p:cNvPr id="2" name="Title 1"/>
-          <p:cNvSpPr>
-            <a:spLocks noGrp="1"/>
-          </p:cNvSpPr>
-          <p:nvPr>
-            <p:ph type="title"/>
-          </p:nvPr>
-        </p:nvSpPr>
-        <p:spPr>
-          <a:xfrm>
-            <a:off x="722376" y="1059712"/>
-            <a:ext cx="7772400" cy="1828800"/>
-          </a:xfrm>
-        </p:spPr>
-        <p:txBody>
-          <a:bodyPr anchor="b"/>
-          <a:lstStyle>
-            <a:lvl1pPr algn="r">
-              <a:buNone/>
-              <a:defRPr sz="4800" b="1" cap="none" baseline="0">
-                <a:effectLst>
-                  <a:outerShdw blurRad="31750" dist="25400" dir="5400000" algn="tl" rotWithShape="0">
-                    <a:srgbClr val="000000">
-                      <a:alpha val="25000"/>
-                    </a:srgbClr>
-                  </a:outerShdw>
-                </a:effectLst>
-              </a:defRPr>
-            </a:lvl1pPr>
-            <a:extLst/>
-          </a:lstStyle>
-          <a:p>
-            <a:r>
-              <a:rPr lang="en-US" smtClean="0"/>
-              <a:t>Click to edit Master title style</a:t>
-            </a:r>
-            <a:endParaRPr lang="en-US"/>
-          </a:p>
-        </p:txBody>
-      </p:sp>
-      <p:sp>
-        <p:nvSpPr>
-          <p:cNvPr id="3" name="Text Placeholder 2"/>
-          <p:cNvSpPr>
-            <a:spLocks noGrp="1"/>
-          </p:cNvSpPr>
-          <p:nvPr>
-            <p:ph type="body" idx="1"/>
-          </p:nvPr>
-        </p:nvSpPr>
-        <p:spPr>
-          <a:xfrm>
-            <a:off x="3922713" y="2931712"/>
-            <a:ext cx="4572000" cy="1454888"/>
-          </a:xfrm>
-        </p:spPr>
-        <p:txBody>
-          <a:bodyPr/>
-          <a:lstStyle>
-            <a:lvl1pPr marL="0" indent="0" algn="l">
-              <a:buNone/>
-              <a:defRPr sz="2300">
-                <a:solidFill>
-                  <a:schemeClr val="tx1"/>
-                </a:solidFill>
-              </a:defRPr>
-            </a:lvl1pPr>
-            <a:lvl2pPr>
-              <a:buNone/>
-              <a:defRPr sz="1800">
-                <a:solidFill>
-                  <a:schemeClr val="tx1">
-                    <a:tint val="75000"/>
-                  </a:schemeClr>
-                </a:solidFill>
-              </a:defRPr>
-            </a:lvl2pPr>
-            <a:lvl3pPr>
-              <a:buNone/>
-              <a:defRPr sz="1600">
-                <a:solidFill>
-                  <a:schemeClr val="tx1">
-                    <a:tint val="75000"/>
-                  </a:schemeClr>
-                </a:solidFill>
-              </a:defRPr>
-            </a:lvl3pPr>
-            <a:lvl4pPr>
-              <a:buNone/>
-              <a:defRPr sz="1400">
-                <a:solidFill>
-                  <a:schemeClr val="tx1">
-                    <a:tint val="75000"/>
-                  </a:schemeClr>
-                </a:solidFill>
-              </a:defRPr>
-            </a:lvl4pPr>
-            <a:lvl5pPr>
-              <a:buNone/>
-              <a:defRPr sz="1400">
-                <a:solidFill>
-                  <a:schemeClr val="tx1">
-                    <a:tint val="75000"/>
-                  </a:schemeClr>
-                </a:solidFill>
-              </a:defRPr>
-            </a:lvl5pPr>
-            <a:extLst/>
-          </a:lstStyle>
-          <a:p>
-            <a:pPr lvl="0"/>
-            <a:r>
-              <a:rPr lang="en-US" smtClean="0"/>
-              <a:t>Click to edit Master text styles</a:t>
-            </a:r>
-          </a:p>
-        </p:txBody>
-      </p:sp>
-      <p:sp>
-        <p:nvSpPr>
-          <p:cNvPr id="6" name="Date Placeholder 3"/>
-          <p:cNvSpPr>
-            <a:spLocks noGrp="1"/>
-          </p:cNvSpPr>
-          <p:nvPr>
-            <p:ph type="dt" sz="half" idx="10"/>
-          </p:nvPr>
-        </p:nvSpPr>
-        <p:spPr>
-          <a:xfrm>
-            <a:off x="6727825" y="6408738"/>
-            <a:ext cx="1919288" cy="365125"/>
-          </a:xfrm>
-          <a:prstGeom prst="rect">
-            <a:avLst/>
-          </a:prstGeom>
-        </p:spPr>
-        <p:txBody>
-          <a:bodyPr/>
-          <a:lstStyle>
-            <a:lvl1pPr>
-              <a:defRPr/>
-            </a:lvl1pPr>
-            <a:extLst/>
-          </a:lstStyle>
-          <a:p>
-            <a:pPr>
-              <a:defRPr/>
-            </a:pPr>
-            <a:endParaRPr lang="en-US"/>
-          </a:p>
-          <a:p>
-            <a:pPr>
-              <a:defRPr/>
-            </a:pPr>
-            <a:r>
-              <a:rPr lang="en-US"/>
-              <a:t>Design for Electrical and Computer Engineers (Published by McGraw Hill)</a:t>
-            </a:r>
-          </a:p>
-          <a:p>
-            <a:pPr>
-              <a:defRPr/>
-            </a:pPr>
-            <a:r>
-              <a:rPr lang="en-US"/>
-              <a:t>Not to be transmitted or reproduced without written consent of authors</a:t>
-            </a:r>
-          </a:p>
-          <a:p>
-            <a:pPr>
-              <a:defRPr/>
-            </a:pPr>
-            <a:endParaRPr lang="en-US"/>
-          </a:p>
-        </p:txBody>
-      </p:sp>
-      <p:sp>
-        <p:nvSpPr>
-          <p:cNvPr id="7" name="Footer Placeholder 4"/>
-          <p:cNvSpPr>
-            <a:spLocks noGrp="1"/>
-          </p:cNvSpPr>
-          <p:nvPr>
-            <p:ph type="ftr" sz="quarter" idx="11"/>
-          </p:nvPr>
-        </p:nvSpPr>
-        <p:spPr>
-          <a:xfrm>
-            <a:off x="4379913" y="6408738"/>
-            <a:ext cx="2351087" cy="365125"/>
-          </a:xfrm>
-          <a:prstGeom prst="rect">
-            <a:avLst/>
-          </a:prstGeom>
-        </p:spPr>
-        <p:txBody>
-          <a:bodyPr/>
-          <a:lstStyle>
-            <a:lvl1pPr>
-              <a:defRPr/>
-            </a:lvl1pPr>
-            <a:extLst/>
-          </a:lstStyle>
-          <a:p>
-            <a:pPr>
-              <a:defRPr/>
-            </a:pPr>
-            <a:r>
-              <a:rPr lang="en-US"/>
-              <a:t>Copyright 2005 </a:t>
-            </a:r>
-          </a:p>
-          <a:p>
-            <a:pPr>
-              <a:defRPr/>
-            </a:pPr>
-            <a:r>
-              <a:rPr lang="en-US"/>
-              <a:t>Ralph M. Ford and Chris Coulston</a:t>
-            </a:r>
-          </a:p>
-        </p:txBody>
-      </p:sp>
-      <p:sp>
-        <p:nvSpPr>
-          <p:cNvPr id="8" name="Slide Number Placeholder 5"/>
-          <p:cNvSpPr>
-            <a:spLocks noGrp="1"/>
-          </p:cNvSpPr>
-          <p:nvPr>
-            <p:ph type="sldNum" sz="quarter" idx="12"/>
-          </p:nvPr>
-        </p:nvSpPr>
-        <p:spPr/>
-        <p:txBody>
-          <a:bodyPr/>
-          <a:lstStyle>
-            <a:lvl1pPr>
-              <a:defRPr/>
-            </a:lvl1pPr>
-            <a:extLst/>
-          </a:lstStyle>
-          <a:p>
-            <a:pPr>
-              <a:defRPr/>
-            </a:pPr>
-            <a:fld id="{C2033B2C-E7CB-494B-A4B7-11E3AF2CF416}" type="slidenum">
-              <a:rPr lang="en-US"/>
-              <a:pPr>
-                <a:defRPr/>
-              </a:pPr>
-              <a:t>‹#›</a:t>
-            </a:fld>
-            <a:endParaRPr lang="en-US"/>
-          </a:p>
-        </p:txBody>
-      </p:sp>
-    </p:spTree>
-  </p:cSld>
-  <p:clrMapOvr>
-    <a:overrideClrMapping bg1="dk1" tx1="lt1" bg2="dk2" tx2="lt2" accent1="accent1" accent2="accent2" accent3="accent3" accent4="accent4" accent5="accent5" accent6="accent6" hlink="hlink" folHlink="folHlink"/>
-  </p:clrMapOvr>
-</p:sldLayout>
-</file>
-
-<file path=ppt/slideLayouts/slideLayout4.xml><?xml version="1.0" encoding="utf-8"?>
-<p:sldLayout xmlns:a="http://schemas.openxmlformats.org/drawingml/2006/main" xmlns:r="http://schemas.openxmlformats.org/officeDocument/2006/relationships" xmlns:p="http://schemas.openxmlformats.org/presentationml/2006/main" type="twoObj" preserve="1">
-  <p:cSld name="Two Content">
-    <p:bg>
-      <p:bgRef idx="1002">
-        <a:schemeClr val="bg1"/>
-      </p:bgRef>
-    </p:bg>
-    <p:spTree>
-      <p:nvGrpSpPr>
-        <p:cNvPr id="1" name=""/>
-        <p:cNvGrpSpPr/>
-        <p:nvPr/>
-      </p:nvGrpSpPr>
-      <p:grpSpPr>
-        <a:xfrm>
-          <a:off x="0" y="0"/>
-          <a:ext cx="0" cy="0"/>
-          <a:chOff x="0" y="0"/>
-          <a:chExt cx="0" cy="0"/>
-        </a:xfrm>
-      </p:grpSpPr>
-      <p:sp>
-        <p:nvSpPr>
-          <p:cNvPr id="3" name="Content Placeholder 2"/>
-          <p:cNvSpPr>
-            <a:spLocks noGrp="1"/>
-          </p:cNvSpPr>
-          <p:nvPr>
-            <p:ph sz="half" idx="1"/>
-          </p:nvPr>
-        </p:nvSpPr>
-        <p:spPr>
-          <a:xfrm>
-            <a:off x="457200" y="1481328"/>
-            <a:ext cx="4038600" cy="4525963"/>
-          </a:xfrm>
-        </p:spPr>
-        <p:txBody>
-          <a:bodyPr/>
-          <a:lstStyle>
-            <a:lvl1pPr>
-              <a:defRPr sz="2800"/>
-            </a:lvl1pPr>
-            <a:lvl2pPr>
-              <a:defRPr sz="2400"/>
-            </a:lvl2pPr>
-            <a:lvl3pPr>
-              <a:defRPr sz="2000"/>
-            </a:lvl3pPr>
-            <a:lvl4pPr>
-              <a:defRPr sz="1800"/>
-            </a:lvl4pPr>
-            <a:lvl5pPr>
-              <a:defRPr sz="1800"/>
-            </a:lvl5pPr>
-            <a:extLst/>
-          </a:lstStyle>
-          <a:p>
-            <a:pPr lvl="0"/>
-            <a:r>
-              <a:rPr lang="en-US" smtClean="0"/>
-              <a:t>Click to edit Master text styles</a:t>
-            </a:r>
-          </a:p>
-          <a:p>
-            <a:pPr lvl="1"/>
-            <a:r>
-              <a:rPr lang="en-US" smtClean="0"/>
-              <a:t>Second level</a:t>
-            </a:r>
-          </a:p>
-          <a:p>
-            <a:pPr lvl="2"/>
-            <a:r>
-              <a:rPr lang="en-US" smtClean="0"/>
-              <a:t>Third level</a:t>
-            </a:r>
-          </a:p>
-          <a:p>
-            <a:pPr lvl="3"/>
-            <a:r>
-              <a:rPr lang="en-US" smtClean="0"/>
-              <a:t>Fourth level</a:t>
-            </a:r>
-          </a:p>
-          <a:p>
-            <a:pPr lvl="4"/>
-            <a:r>
-              <a:rPr lang="en-US" smtClean="0"/>
-              <a:t>Fifth level</a:t>
-            </a:r>
-            <a:endParaRPr lang="en-US"/>
-          </a:p>
-        </p:txBody>
-      </p:sp>
-      <p:sp>
-        <p:nvSpPr>
-          <p:cNvPr id="4" name="Content Placeholder 3"/>
-          <p:cNvSpPr>
-            <a:spLocks noGrp="1"/>
-          </p:cNvSpPr>
-          <p:nvPr>
-            <p:ph sz="half" idx="2"/>
-          </p:nvPr>
-        </p:nvSpPr>
-        <p:spPr>
-          <a:xfrm>
-            <a:off x="4648200" y="1481328"/>
-            <a:ext cx="4038600" cy="4525963"/>
-          </a:xfrm>
-        </p:spPr>
-        <p:txBody>
-          <a:bodyPr/>
-          <a:lstStyle>
-            <a:lvl1pPr>
-              <a:defRPr sz="2800"/>
-            </a:lvl1pPr>
-            <a:lvl2pPr>
-              <a:defRPr sz="2400"/>
-            </a:lvl2pPr>
-            <a:lvl3pPr>
-              <a:defRPr sz="2000"/>
-            </a:lvl3pPr>
-            <a:lvl4pPr>
-              <a:defRPr sz="1800"/>
-            </a:lvl4pPr>
-            <a:lvl5pPr>
-              <a:defRPr sz="1800"/>
-            </a:lvl5pPr>
-            <a:extLst/>
-          </a:lstStyle>
-          <a:p>
-            <a:pPr lvl="0"/>
-            <a:r>
-              <a:rPr lang="en-US" smtClean="0"/>
-              <a:t>Click to edit Master text styles</a:t>
-            </a:r>
-          </a:p>
-          <a:p>
-            <a:pPr lvl="1"/>
-            <a:r>
-              <a:rPr lang="en-US" smtClean="0"/>
-              <a:t>Second level</a:t>
-            </a:r>
-          </a:p>
-          <a:p>
-            <a:pPr lvl="2"/>
-            <a:r>
-              <a:rPr lang="en-US" smtClean="0"/>
-              <a:t>Third level</a:t>
-            </a:r>
-          </a:p>
-          <a:p>
-            <a:pPr lvl="3"/>
-            <a:r>
-              <a:rPr lang="en-US" smtClean="0"/>
-              <a:t>Fourth level</a:t>
-            </a:r>
-          </a:p>
-          <a:p>
-            <a:pPr lvl="4"/>
-            <a:r>
-              <a:rPr lang="en-US" smtClean="0"/>
-              <a:t>Fifth level</a:t>
-            </a:r>
-            <a:endParaRPr lang="en-US"/>
-          </a:p>
-        </p:txBody>
-      </p:sp>
-      <p:sp>
-        <p:nvSpPr>
-          <p:cNvPr id="8" name="Title 7"/>
-          <p:cNvSpPr>
-            <a:spLocks noGrp="1"/>
-          </p:cNvSpPr>
-          <p:nvPr>
-            <p:ph type="title"/>
-          </p:nvPr>
-        </p:nvSpPr>
-        <p:spPr/>
-        <p:txBody>
-          <a:bodyPr rtlCol="0"/>
-          <a:lstStyle>
-            <a:extLst/>
-          </a:lstStyle>
-          <a:p>
-            <a:r>
-              <a:rPr lang="en-US" smtClean="0"/>
-              <a:t>Click to edit Master title style</a:t>
-            </a:r>
-            <a:endParaRPr lang="en-US"/>
-          </a:p>
-        </p:txBody>
-      </p:sp>
-      <p:sp>
-        <p:nvSpPr>
-          <p:cNvPr id="5" name="Date Placeholder 4"/>
-          <p:cNvSpPr>
-            <a:spLocks noGrp="1"/>
-          </p:cNvSpPr>
-          <p:nvPr>
-            <p:ph type="dt" sz="half" idx="10"/>
-          </p:nvPr>
-        </p:nvSpPr>
-        <p:spPr>
-          <a:xfrm>
-            <a:off x="6727825" y="6408738"/>
-            <a:ext cx="1919288" cy="365125"/>
-          </a:xfrm>
-          <a:prstGeom prst="rect">
-            <a:avLst/>
-          </a:prstGeom>
-        </p:spPr>
-        <p:txBody>
-          <a:bodyPr/>
-          <a:lstStyle>
-            <a:lvl1pPr>
-              <a:defRPr/>
-            </a:lvl1pPr>
-            <a:extLst/>
-          </a:lstStyle>
-          <a:p>
-            <a:pPr>
-              <a:defRPr/>
-            </a:pPr>
-            <a:endParaRPr lang="en-US"/>
-          </a:p>
-          <a:p>
-            <a:pPr>
-              <a:defRPr/>
-            </a:pPr>
-            <a:r>
-              <a:rPr lang="en-US"/>
-              <a:t>Design for Electrical and Computer Engineers (Published by McGraw Hill)</a:t>
-            </a:r>
-          </a:p>
-          <a:p>
-            <a:pPr>
-              <a:defRPr/>
-            </a:pPr>
-            <a:r>
-              <a:rPr lang="en-US"/>
-              <a:t>Not to be transmitted or reproduced without written consent of authors</a:t>
-            </a:r>
-          </a:p>
-          <a:p>
-            <a:pPr>
-              <a:defRPr/>
-            </a:pPr>
-            <a:endParaRPr lang="en-US"/>
-          </a:p>
-        </p:txBody>
-      </p:sp>
-      <p:sp>
-        <p:nvSpPr>
-          <p:cNvPr id="6" name="Footer Placeholder 5"/>
-          <p:cNvSpPr>
-            <a:spLocks noGrp="1"/>
-          </p:cNvSpPr>
-          <p:nvPr>
-            <p:ph type="ftr" sz="quarter" idx="11"/>
-          </p:nvPr>
-        </p:nvSpPr>
-        <p:spPr>
-          <a:xfrm>
-            <a:off x="4379913" y="6408738"/>
-            <a:ext cx="2351087" cy="365125"/>
-          </a:xfrm>
-          <a:prstGeom prst="rect">
-            <a:avLst/>
-          </a:prstGeom>
-        </p:spPr>
-        <p:txBody>
-          <a:bodyPr/>
-          <a:lstStyle>
-            <a:lvl1pPr>
-              <a:defRPr/>
-            </a:lvl1pPr>
-            <a:extLst/>
-          </a:lstStyle>
-          <a:p>
-            <a:pPr>
-              <a:defRPr/>
-            </a:pPr>
-            <a:r>
-              <a:rPr lang="en-US"/>
-              <a:t>Copyright 2005 </a:t>
-            </a:r>
-          </a:p>
-          <a:p>
-            <a:pPr>
-              <a:defRPr/>
-            </a:pPr>
-            <a:r>
-              <a:rPr lang="en-US"/>
-              <a:t>Ralph M. Ford and Chris Coulston</a:t>
-            </a:r>
-          </a:p>
-        </p:txBody>
-      </p:sp>
-      <p:sp>
-        <p:nvSpPr>
-          <p:cNvPr id="7" name="Slide Number Placeholder 6"/>
-          <p:cNvSpPr>
-            <a:spLocks noGrp="1"/>
-          </p:cNvSpPr>
-          <p:nvPr>
-            <p:ph type="sldNum" sz="quarter" idx="12"/>
-          </p:nvPr>
-        </p:nvSpPr>
-        <p:spPr/>
-        <p:txBody>
-          <a:bodyPr/>
-          <a:lstStyle>
-            <a:lvl1pPr>
-              <a:defRPr/>
-            </a:lvl1pPr>
-            <a:extLst/>
-          </a:lstStyle>
-          <a:p>
-            <a:pPr>
-              <a:defRPr/>
-            </a:pPr>
-            <a:fld id="{B42FC307-6053-4117-B15A-D2CA42521691}" type="slidenum">
-              <a:rPr lang="en-US"/>
-              <a:pPr>
-                <a:defRPr/>
-              </a:pPr>
-              <a:t>‹#›</a:t>
-            </a:fld>
-            <a:endParaRPr lang="en-US"/>
-          </a:p>
-        </p:txBody>
-      </p:sp>
-    </p:spTree>
-  </p:cSld>
-  <p:clrMapOvr>
-    <a:overrideClrMapping bg1="dk1" tx1="lt1" bg2="dk2" tx2="lt2" accent1="accent1" accent2="accent2" accent3="accent3" accent4="accent4" accent5="accent5" accent6="accent6" hlink="hlink" folHlink="folHlink"/>
-  </p:clrMapOvr>
-</p:sldLayout>
-</file>
-
-<file path=ppt/slideLayouts/slideLayout5.xml><?xml version="1.0" encoding="utf-8"?>
-<p:sldLayout xmlns:a="http://schemas.openxmlformats.org/drawingml/2006/main" xmlns:r="http://schemas.openxmlformats.org/officeDocument/2006/relationships" xmlns:p="http://schemas.openxmlformats.org/presentationml/2006/main" showMasterSp="0" type="twoTxTwoObj" preserve="1">
-  <p:cSld name="Comparison">
-    <p:bg>
-      <p:bgRef idx="1003">
-        <a:schemeClr val="bg1"/>
-      </p:bgRef>
-    </p:bg>
+<p:sldLayout xmlns:a="http://schemas.openxmlformats.org/drawingml/2006/main" xmlns:r="http://schemas.openxmlformats.org/officeDocument/2006/relationships" xmlns:p="http://schemas.openxmlformats.org/presentationml/2006/main" type="tbl">
+  <p:cSld name="Title and Table">
     <p:spTree>
       <p:nvGrpSpPr>
         <p:cNvPr id="1" name=""/>
@@ -4190,8 +2321,65 @@
         </p:nvSpPr>
         <p:spPr>
           <a:xfrm>
-            <a:off x="457200" y="273050"/>
-            <a:ext cx="8229600" cy="1143000"/>
+            <a:off x="762000" y="228600"/>
+            <a:ext cx="7924800" cy="685800"/>
+          </a:xfrm>
+        </p:spPr>
+        <p:txBody>
+          <a:bodyPr/>
+          <a:lstStyle/>
+          <a:p>
+            <a:r>
+              <a:rPr lang="en-US"/>
+              <a:t>Click to edit Master title style</a:t>
+            </a:r>
+          </a:p>
+        </p:txBody>
+      </p:sp>
+      <p:sp>
+        <p:nvSpPr>
+          <p:cNvPr id="3" name="Table Placeholder 2"/>
+          <p:cNvSpPr>
+            <a:spLocks noGrp="1"/>
+          </p:cNvSpPr>
+          <p:nvPr>
+            <p:ph type="tbl" idx="1"/>
+          </p:nvPr>
+        </p:nvSpPr>
+        <p:spPr>
+          <a:xfrm>
+            <a:off x="838200" y="1295400"/>
+            <a:ext cx="7693025" cy="4791075"/>
+          </a:xfrm>
+        </p:spPr>
+        <p:txBody>
+          <a:bodyPr>
+            <a:normAutofit/>
+          </a:bodyPr>
+          <a:lstStyle/>
+          <a:p>
+            <a:pPr lvl="0"/>
+            <a:r>
+              <a:rPr lang="en-US" noProof="0"/>
+              <a:t>Click icon to add table</a:t>
+            </a:r>
+          </a:p>
+        </p:txBody>
+      </p:sp>
+      <p:sp>
+        <p:nvSpPr>
+          <p:cNvPr id="6" name="Slide Number Placeholder 5"/>
+          <p:cNvSpPr>
+            <a:spLocks noGrp="1"/>
+          </p:cNvSpPr>
+          <p:nvPr>
+            <p:ph type="sldNum" sz="quarter" idx="12"/>
+          </p:nvPr>
+        </p:nvSpPr>
+        <p:spPr>
+          <a:xfrm>
+            <a:off x="84138" y="6242050"/>
+            <a:ext cx="587375" cy="488950"/>
           </a:xfrm>
         </p:spPr>
         <p:txBody>
@@ -4200,435 +2388,13 @@
             <a:lvl1pPr>
               <a:defRPr/>
             </a:lvl1pPr>
-            <a:extLst/>
-          </a:lstStyle>
-          <a:p>
-            <a:r>
-              <a:rPr lang="en-US" smtClean="0"/>
-              <a:t>Click to edit Master title style</a:t>
-            </a:r>
-            <a:endParaRPr lang="en-US"/>
-          </a:p>
-        </p:txBody>
-      </p:sp>
-      <p:sp>
-        <p:nvSpPr>
-          <p:cNvPr id="3" name="Text Placeholder 2"/>
-          <p:cNvSpPr>
-            <a:spLocks noGrp="1"/>
-          </p:cNvSpPr>
-          <p:nvPr>
-            <p:ph type="body" idx="1"/>
-          </p:nvPr>
-        </p:nvSpPr>
-        <p:spPr>
-          <a:xfrm>
-            <a:off x="457200" y="5410200"/>
-            <a:ext cx="4040188" cy="762000"/>
-          </a:xfrm>
-          <a:solidFill>
-            <a:schemeClr val="accent1"/>
-          </a:solidFill>
-          <a:ln w="9652">
-            <a:solidFill>
-              <a:schemeClr val="accent1"/>
-            </a:solidFill>
-            <a:miter lim="800000"/>
-          </a:ln>
-        </p:spPr>
-        <p:txBody>
-          <a:bodyPr lIns="182880" anchor="ctr"/>
-          <a:lstStyle>
-            <a:lvl1pPr marL="0" indent="0">
-              <a:buNone/>
-              <a:defRPr sz="2400" b="0">
-                <a:solidFill>
-                  <a:schemeClr val="bg1"/>
-                </a:solidFill>
-              </a:defRPr>
-            </a:lvl1pPr>
-            <a:lvl2pPr>
-              <a:buNone/>
-              <a:defRPr sz="2000" b="1"/>
-            </a:lvl2pPr>
-            <a:lvl3pPr>
-              <a:buNone/>
-              <a:defRPr sz="1800" b="1"/>
-            </a:lvl3pPr>
-            <a:lvl4pPr>
-              <a:buNone/>
-              <a:defRPr sz="1600" b="1"/>
-            </a:lvl4pPr>
-            <a:lvl5pPr>
-              <a:buNone/>
-              <a:defRPr sz="1600" b="1"/>
-            </a:lvl5pPr>
-            <a:extLst/>
-          </a:lstStyle>
-          <a:p>
-            <a:pPr lvl="0"/>
-            <a:r>
-              <a:rPr lang="en-US" smtClean="0"/>
-              <a:t>Click to edit Master text styles</a:t>
-            </a:r>
-          </a:p>
-        </p:txBody>
-      </p:sp>
-      <p:sp>
-        <p:nvSpPr>
-          <p:cNvPr id="4" name="Text Placeholder 3"/>
-          <p:cNvSpPr>
-            <a:spLocks noGrp="1"/>
-          </p:cNvSpPr>
-          <p:nvPr>
-            <p:ph type="body" sz="half" idx="3"/>
-          </p:nvPr>
-        </p:nvSpPr>
-        <p:spPr>
-          <a:xfrm>
-            <a:off x="4645026" y="5410200"/>
-            <a:ext cx="4041775" cy="762000"/>
-          </a:xfrm>
-          <a:solidFill>
-            <a:schemeClr val="accent1"/>
-          </a:solidFill>
-          <a:ln w="9652">
-            <a:solidFill>
-              <a:schemeClr val="accent1"/>
-            </a:solidFill>
-            <a:miter lim="800000"/>
-          </a:ln>
-        </p:spPr>
-        <p:txBody>
-          <a:bodyPr lIns="182880" anchor="ctr"/>
-          <a:lstStyle>
-            <a:lvl1pPr marL="0" indent="0">
-              <a:buNone/>
-              <a:defRPr sz="2400" b="0">
-                <a:solidFill>
-                  <a:schemeClr val="bg1"/>
-                </a:solidFill>
-              </a:defRPr>
-            </a:lvl1pPr>
-            <a:lvl2pPr>
-              <a:buNone/>
-              <a:defRPr sz="2000" b="1"/>
-            </a:lvl2pPr>
-            <a:lvl3pPr>
-              <a:buNone/>
-              <a:defRPr sz="1800" b="1"/>
-            </a:lvl3pPr>
-            <a:lvl4pPr>
-              <a:buNone/>
-              <a:defRPr sz="1600" b="1"/>
-            </a:lvl4pPr>
-            <a:lvl5pPr>
-              <a:buNone/>
-              <a:defRPr sz="1600" b="1"/>
-            </a:lvl5pPr>
-            <a:extLst/>
-          </a:lstStyle>
-          <a:p>
-            <a:pPr lvl="0"/>
-            <a:r>
-              <a:rPr lang="en-US" smtClean="0"/>
-              <a:t>Click to edit Master text styles</a:t>
-            </a:r>
-          </a:p>
-        </p:txBody>
-      </p:sp>
-      <p:sp>
-        <p:nvSpPr>
-          <p:cNvPr id="5" name="Content Placeholder 4"/>
-          <p:cNvSpPr>
-            <a:spLocks noGrp="1"/>
-          </p:cNvSpPr>
-          <p:nvPr>
-            <p:ph sz="quarter" idx="2"/>
-          </p:nvPr>
-        </p:nvSpPr>
-        <p:spPr>
-          <a:xfrm>
-            <a:off x="457200" y="1444294"/>
-            <a:ext cx="4040188" cy="3941763"/>
-          </a:xfrm>
-          <a:ln>
-            <a:noFill/>
-            <a:prstDash val="sysDash"/>
-            <a:miter lim="800000"/>
-          </a:ln>
-        </p:spPr>
-        <p:txBody>
-          <a:bodyPr/>
-          <a:lstStyle>
-            <a:lvl1pPr>
-              <a:defRPr sz="2400"/>
-            </a:lvl1pPr>
-            <a:lvl2pPr>
-              <a:defRPr sz="2000"/>
-            </a:lvl2pPr>
-            <a:lvl3pPr>
-              <a:defRPr sz="1800"/>
-            </a:lvl3pPr>
-            <a:lvl4pPr>
-              <a:defRPr sz="1600"/>
-            </a:lvl4pPr>
-            <a:lvl5pPr>
-              <a:defRPr sz="1600"/>
-            </a:lvl5pPr>
-            <a:extLst/>
-          </a:lstStyle>
-          <a:p>
-            <a:pPr lvl="0"/>
-            <a:r>
-              <a:rPr lang="en-US" smtClean="0"/>
-              <a:t>Click to edit Master text styles</a:t>
-            </a:r>
-          </a:p>
-          <a:p>
-            <a:pPr lvl="1"/>
-            <a:r>
-              <a:rPr lang="en-US" smtClean="0"/>
-              <a:t>Second level</a:t>
-            </a:r>
-          </a:p>
-          <a:p>
-            <a:pPr lvl="2"/>
-            <a:r>
-              <a:rPr lang="en-US" smtClean="0"/>
-              <a:t>Third level</a:t>
-            </a:r>
-          </a:p>
-          <a:p>
-            <a:pPr lvl="3"/>
-            <a:r>
-              <a:rPr lang="en-US" smtClean="0"/>
-              <a:t>Fourth level</a:t>
-            </a:r>
-          </a:p>
-          <a:p>
-            <a:pPr lvl="4"/>
-            <a:r>
-              <a:rPr lang="en-US" smtClean="0"/>
-              <a:t>Fifth level</a:t>
-            </a:r>
-            <a:endParaRPr lang="en-US"/>
-          </a:p>
-        </p:txBody>
-      </p:sp>
-      <p:sp>
-        <p:nvSpPr>
-          <p:cNvPr id="6" name="Content Placeholder 5"/>
-          <p:cNvSpPr>
-            <a:spLocks noGrp="1"/>
-          </p:cNvSpPr>
-          <p:nvPr>
-            <p:ph sz="quarter" idx="4"/>
-          </p:nvPr>
-        </p:nvSpPr>
-        <p:spPr>
-          <a:xfrm>
-            <a:off x="4645025" y="1444294"/>
-            <a:ext cx="4041775" cy="3941763"/>
-          </a:xfrm>
-          <a:ln>
-            <a:noFill/>
-            <a:prstDash val="sysDash"/>
-            <a:miter lim="800000"/>
-          </a:ln>
-        </p:spPr>
-        <p:txBody>
-          <a:bodyPr/>
-          <a:lstStyle>
-            <a:lvl1pPr>
-              <a:spcBef>
-                <a:spcPts val="0"/>
-              </a:spcBef>
-              <a:defRPr sz="2400"/>
-            </a:lvl1pPr>
-            <a:lvl2pPr>
-              <a:defRPr sz="2000"/>
-            </a:lvl2pPr>
-            <a:lvl3pPr>
-              <a:defRPr sz="1800"/>
-            </a:lvl3pPr>
-            <a:lvl4pPr>
-              <a:defRPr sz="1600"/>
-            </a:lvl4pPr>
-            <a:lvl5pPr>
-              <a:defRPr sz="1600"/>
-            </a:lvl5pPr>
-            <a:extLst/>
-          </a:lstStyle>
-          <a:p>
-            <a:pPr lvl="0"/>
-            <a:r>
-              <a:rPr lang="en-US" smtClean="0"/>
-              <a:t>Click to edit Master text styles</a:t>
-            </a:r>
-          </a:p>
-          <a:p>
-            <a:pPr lvl="1"/>
-            <a:r>
-              <a:rPr lang="en-US" smtClean="0"/>
-              <a:t>Second level</a:t>
-            </a:r>
-          </a:p>
-          <a:p>
-            <a:pPr lvl="2"/>
-            <a:r>
-              <a:rPr lang="en-US" smtClean="0"/>
-              <a:t>Third level</a:t>
-            </a:r>
-          </a:p>
-          <a:p>
-            <a:pPr lvl="3"/>
-            <a:r>
-              <a:rPr lang="en-US" smtClean="0"/>
-              <a:t>Fourth level</a:t>
-            </a:r>
-          </a:p>
-          <a:p>
-            <a:pPr lvl="4"/>
-            <a:r>
-              <a:rPr lang="en-US" smtClean="0"/>
-              <a:t>Fifth level</a:t>
-            </a:r>
-            <a:endParaRPr lang="en-US"/>
-          </a:p>
-        </p:txBody>
-      </p:sp>
-      <p:sp>
-        <p:nvSpPr>
-          <p:cNvPr id="7" name="Date Placeholder 6"/>
-          <p:cNvSpPr>
-            <a:spLocks noGrp="1"/>
-          </p:cNvSpPr>
-          <p:nvPr>
-            <p:ph type="dt" sz="half" idx="10"/>
-          </p:nvPr>
-        </p:nvSpPr>
-        <p:spPr>
-          <a:xfrm>
-            <a:off x="6727825" y="6408738"/>
-            <a:ext cx="1919288" cy="365125"/>
-          </a:xfrm>
-          <a:prstGeom prst="rect">
-            <a:avLst/>
-          </a:prstGeom>
-        </p:spPr>
-        <p:txBody>
-          <a:bodyPr/>
-          <a:lstStyle>
-            <a:lvl1pPr>
-              <a:defRPr/>
-            </a:lvl1pPr>
-            <a:extLst/>
           </a:lstStyle>
           <a:p>
             <a:pPr>
               <a:defRPr/>
             </a:pPr>
-            <a:endParaRPr lang="en-US"/>
-          </a:p>
-          <a:p>
-            <a:pPr>
-              <a:defRPr/>
-            </a:pPr>
-            <a:r>
-              <a:rPr lang="en-US"/>
-              <a:t>Design for Electrical and Computer Engineers (Published by McGraw Hill)</a:t>
-            </a:r>
-          </a:p>
-          <a:p>
-            <a:pPr>
-              <a:defRPr/>
-            </a:pPr>
-            <a:r>
-              <a:rPr lang="en-US"/>
-              <a:t>Not to be transmitted or reproduced without written consent of authors</a:t>
-            </a:r>
-          </a:p>
-          <a:p>
-            <a:pPr>
-              <a:defRPr/>
-            </a:pPr>
-            <a:endParaRPr lang="en-US"/>
-          </a:p>
-        </p:txBody>
-      </p:sp>
-      <p:sp>
-        <p:nvSpPr>
-          <p:cNvPr id="8" name="Footer Placeholder 7"/>
-          <p:cNvSpPr>
-            <a:spLocks noGrp="1"/>
-          </p:cNvSpPr>
-          <p:nvPr>
-            <p:ph type="ftr" sz="quarter" idx="11"/>
-          </p:nvPr>
-        </p:nvSpPr>
-        <p:spPr>
-          <a:xfrm>
-            <a:off x="4379913" y="6408738"/>
-            <a:ext cx="2351087" cy="365125"/>
-          </a:xfrm>
-          <a:prstGeom prst="rect">
-            <a:avLst/>
-          </a:prstGeom>
-        </p:spPr>
-        <p:txBody>
-          <a:bodyPr/>
-          <a:lstStyle>
-            <a:lvl1pPr>
-              <a:defRPr/>
-            </a:lvl1pPr>
-            <a:extLst/>
-          </a:lstStyle>
-          <a:p>
-            <a:pPr>
-              <a:defRPr/>
-            </a:pPr>
-            <a:r>
-              <a:rPr lang="en-US"/>
-              <a:t>Copyright 2005 </a:t>
-            </a:r>
-          </a:p>
-          <a:p>
-            <a:pPr>
-              <a:defRPr/>
-            </a:pPr>
-            <a:r>
-              <a:rPr lang="en-US"/>
-              <a:t>Ralph M. Ford and Chris Coulston</a:t>
-            </a:r>
-          </a:p>
-        </p:txBody>
-      </p:sp>
-      <p:sp>
-        <p:nvSpPr>
-          <p:cNvPr id="9" name="Slide Number Placeholder 8"/>
-          <p:cNvSpPr>
-            <a:spLocks noGrp="1"/>
-          </p:cNvSpPr>
-          <p:nvPr>
-            <p:ph type="sldNum" sz="quarter" idx="12"/>
-          </p:nvPr>
-        </p:nvSpPr>
-        <p:spPr/>
-        <p:txBody>
-          <a:bodyPr/>
-          <a:lstStyle>
-            <a:lvl1pPr>
-              <a:defRPr/>
-            </a:lvl1pPr>
-            <a:extLst/>
-          </a:lstStyle>
-          <a:p>
-            <a:pPr>
-              <a:defRPr/>
-            </a:pPr>
-            <a:fld id="{C2E23C96-D394-426B-B3CF-29AFAAAD9051}" type="slidenum">
-              <a:rPr lang="en-US"/>
+            <a:fld id="{86586E5B-28A7-42A4-8CAD-9F2297D5FB9A}" type="slidenum">
+              <a:rPr lang="en-US" smtClean="0"/>
               <a:pPr>
                 <a:defRPr/>
               </a:pPr>
@@ -4639,381 +2405,22 @@
         </p:txBody>
       </p:sp>
     </p:spTree>
-  </p:cSld>
-  <p:clrMapOvr>
-    <a:overrideClrMapping bg1="lt1" tx1="dk1" bg2="lt2" tx2="dk2" accent1="accent1" accent2="accent2" accent3="accent3" accent4="accent4" accent5="accent5" accent6="accent6" hlink="hlink" folHlink="folHlink"/>
-  </p:clrMapOvr>
-</p:sldLayout>
-</file>
-
-<file path=ppt/slideLayouts/slideLayout6.xml><?xml version="1.0" encoding="utf-8"?>
-<p:sldLayout xmlns:a="http://schemas.openxmlformats.org/drawingml/2006/main" xmlns:r="http://schemas.openxmlformats.org/officeDocument/2006/relationships" xmlns:p="http://schemas.openxmlformats.org/presentationml/2006/main" type="titleOnly" preserve="1">
-  <p:cSld name="Title Only">
-    <p:bg>
-      <p:bgRef idx="1002">
-        <a:schemeClr val="bg1"/>
-      </p:bgRef>
-    </p:bg>
-    <p:spTree>
-      <p:nvGrpSpPr>
-        <p:cNvPr id="1" name=""/>
-        <p:cNvGrpSpPr/>
-        <p:nvPr/>
-      </p:nvGrpSpPr>
-      <p:grpSpPr>
-        <a:xfrm>
-          <a:off x="0" y="0"/>
-          <a:ext cx="0" cy="0"/>
-          <a:chOff x="0" y="0"/>
-          <a:chExt cx="0" cy="0"/>
-        </a:xfrm>
-      </p:grpSpPr>
-      <p:sp>
-        <p:nvSpPr>
-          <p:cNvPr id="6" name="Title 5"/>
-          <p:cNvSpPr>
-            <a:spLocks noGrp="1"/>
-          </p:cNvSpPr>
-          <p:nvPr>
-            <p:ph type="title"/>
-          </p:nvPr>
-        </p:nvSpPr>
-        <p:spPr/>
-        <p:txBody>
-          <a:bodyPr rtlCol="0"/>
-          <a:lstStyle>
-            <a:extLst/>
-          </a:lstStyle>
-          <a:p>
-            <a:r>
-              <a:rPr lang="en-US" smtClean="0"/>
-              <a:t>Click to edit Master title style</a:t>
-            </a:r>
-            <a:endParaRPr lang="en-US"/>
-          </a:p>
-        </p:txBody>
-      </p:sp>
-      <p:sp>
-        <p:nvSpPr>
-          <p:cNvPr id="3" name="Date Placeholder 2"/>
-          <p:cNvSpPr>
-            <a:spLocks noGrp="1"/>
-          </p:cNvSpPr>
-          <p:nvPr>
-            <p:ph type="dt" sz="half" idx="10"/>
-          </p:nvPr>
-        </p:nvSpPr>
-        <p:spPr>
-          <a:xfrm>
-            <a:off x="6727825" y="6408738"/>
-            <a:ext cx="1919288" cy="365125"/>
-          </a:xfrm>
-          <a:prstGeom prst="rect">
-            <a:avLst/>
-          </a:prstGeom>
-        </p:spPr>
-        <p:txBody>
-          <a:bodyPr/>
-          <a:lstStyle>
-            <a:lvl1pPr>
-              <a:defRPr/>
-            </a:lvl1pPr>
-            <a:extLst/>
-          </a:lstStyle>
-          <a:p>
-            <a:pPr>
-              <a:defRPr/>
-            </a:pPr>
-            <a:endParaRPr lang="en-US"/>
-          </a:p>
-          <a:p>
-            <a:pPr>
-              <a:defRPr/>
-            </a:pPr>
-            <a:r>
-              <a:rPr lang="en-US"/>
-              <a:t>Design for Electrical and Computer Engineers (Published by McGraw Hill)</a:t>
-            </a:r>
-          </a:p>
-          <a:p>
-            <a:pPr>
-              <a:defRPr/>
-            </a:pPr>
-            <a:r>
-              <a:rPr lang="en-US"/>
-              <a:t>Not to be transmitted or reproduced without written consent of authors</a:t>
-            </a:r>
-          </a:p>
-          <a:p>
-            <a:pPr>
-              <a:defRPr/>
-            </a:pPr>
-            <a:endParaRPr lang="en-US"/>
-          </a:p>
-        </p:txBody>
-      </p:sp>
-      <p:sp>
-        <p:nvSpPr>
-          <p:cNvPr id="4" name="Footer Placeholder 3"/>
-          <p:cNvSpPr>
-            <a:spLocks noGrp="1"/>
-          </p:cNvSpPr>
-          <p:nvPr>
-            <p:ph type="ftr" sz="quarter" idx="11"/>
-          </p:nvPr>
-        </p:nvSpPr>
-        <p:spPr>
-          <a:xfrm>
-            <a:off x="4379913" y="6408738"/>
-            <a:ext cx="2351087" cy="365125"/>
-          </a:xfrm>
-          <a:prstGeom prst="rect">
-            <a:avLst/>
-          </a:prstGeom>
-        </p:spPr>
-        <p:txBody>
-          <a:bodyPr/>
-          <a:lstStyle>
-            <a:lvl1pPr>
-              <a:defRPr/>
-            </a:lvl1pPr>
-            <a:extLst/>
-          </a:lstStyle>
-          <a:p>
-            <a:pPr>
-              <a:defRPr/>
-            </a:pPr>
-            <a:r>
-              <a:rPr lang="en-US"/>
-              <a:t>Copyright 2005 </a:t>
-            </a:r>
-          </a:p>
-          <a:p>
-            <a:pPr>
-              <a:defRPr/>
-            </a:pPr>
-            <a:r>
-              <a:rPr lang="en-US"/>
-              <a:t>Ralph M. Ford and Chris Coulston</a:t>
-            </a:r>
-          </a:p>
-        </p:txBody>
-      </p:sp>
-      <p:sp>
-        <p:nvSpPr>
-          <p:cNvPr id="5" name="Slide Number Placeholder 4"/>
-          <p:cNvSpPr>
-            <a:spLocks noGrp="1"/>
-          </p:cNvSpPr>
-          <p:nvPr>
-            <p:ph type="sldNum" sz="quarter" idx="12"/>
-          </p:nvPr>
-        </p:nvSpPr>
-        <p:spPr/>
-        <p:txBody>
-          <a:bodyPr/>
-          <a:lstStyle>
-            <a:lvl1pPr>
-              <a:defRPr/>
-            </a:lvl1pPr>
-            <a:extLst/>
-          </a:lstStyle>
-          <a:p>
-            <a:pPr>
-              <a:defRPr/>
-            </a:pPr>
-            <a:fld id="{8F4975DD-A4FC-4B1B-B41A-AE24E479EA29}" type="slidenum">
-              <a:rPr lang="en-US"/>
-              <a:pPr>
-                <a:defRPr/>
-              </a:pPr>
-              <a:t>‹#›</a:t>
-            </a:fld>
-            <a:endParaRPr lang="en-US"/>
-          </a:p>
-        </p:txBody>
-      </p:sp>
-    </p:spTree>
-  </p:cSld>
-  <p:clrMapOvr>
-    <a:overrideClrMapping bg1="dk1" tx1="lt1" bg2="dk2" tx2="lt2" accent1="accent1" accent2="accent2" accent3="accent3" accent4="accent4" accent5="accent5" accent6="accent6" hlink="hlink" folHlink="folHlink"/>
-  </p:clrMapOvr>
-</p:sldLayout>
-</file>
-
-<file path=ppt/slideLayouts/slideLayout7.xml><?xml version="1.0" encoding="utf-8"?>
-<p:sldLayout xmlns:a="http://schemas.openxmlformats.org/drawingml/2006/main" xmlns:r="http://schemas.openxmlformats.org/officeDocument/2006/relationships" xmlns:p="http://schemas.openxmlformats.org/presentationml/2006/main" type="blank" preserve="1">
-  <p:cSld name="Blank">
-    <p:spTree>
-      <p:nvGrpSpPr>
-        <p:cNvPr id="1" name=""/>
-        <p:cNvGrpSpPr/>
-        <p:nvPr/>
-      </p:nvGrpSpPr>
-      <p:grpSpPr>
-        <a:xfrm>
-          <a:off x="0" y="0"/>
-          <a:ext cx="0" cy="0"/>
-          <a:chOff x="0" y="0"/>
-          <a:chExt cx="0" cy="0"/>
-        </a:xfrm>
-      </p:grpSpPr>
-      <p:sp>
-        <p:nvSpPr>
-          <p:cNvPr id="2" name="Date Placeholder 1"/>
-          <p:cNvSpPr>
-            <a:spLocks noGrp="1"/>
-          </p:cNvSpPr>
-          <p:nvPr>
-            <p:ph type="dt" sz="half" idx="10"/>
-          </p:nvPr>
-        </p:nvSpPr>
-        <p:spPr>
-          <a:xfrm>
-            <a:off x="6727825" y="6408738"/>
-            <a:ext cx="1919288" cy="365125"/>
-          </a:xfrm>
-          <a:prstGeom prst="rect">
-            <a:avLst/>
-          </a:prstGeom>
-        </p:spPr>
-        <p:txBody>
-          <a:bodyPr/>
-          <a:lstStyle>
-            <a:lvl1pPr>
-              <a:defRPr/>
-            </a:lvl1pPr>
-            <a:extLst/>
-          </a:lstStyle>
-          <a:p>
-            <a:pPr>
-              <a:defRPr/>
-            </a:pPr>
-            <a:endParaRPr lang="en-US"/>
-          </a:p>
-          <a:p>
-            <a:pPr>
-              <a:defRPr/>
-            </a:pPr>
-            <a:r>
-              <a:rPr lang="en-US"/>
-              <a:t>Design for Electrical and Computer Engineers (Published by McGraw Hill)</a:t>
-            </a:r>
-          </a:p>
-          <a:p>
-            <a:pPr>
-              <a:defRPr/>
-            </a:pPr>
-            <a:r>
-              <a:rPr lang="en-US"/>
-              <a:t>Not to be transmitted or reproduced without written consent of authors</a:t>
-            </a:r>
-          </a:p>
-          <a:p>
-            <a:pPr>
-              <a:defRPr/>
-            </a:pPr>
-            <a:endParaRPr lang="en-US"/>
-          </a:p>
-        </p:txBody>
-      </p:sp>
-      <p:sp>
-        <p:nvSpPr>
-          <p:cNvPr id="3" name="Footer Placeholder 2"/>
-          <p:cNvSpPr>
-            <a:spLocks noGrp="1"/>
-          </p:cNvSpPr>
-          <p:nvPr>
-            <p:ph type="ftr" sz="quarter" idx="11"/>
-          </p:nvPr>
-        </p:nvSpPr>
-        <p:spPr>
-          <a:xfrm>
-            <a:off x="4379913" y="6408738"/>
-            <a:ext cx="2351087" cy="365125"/>
-          </a:xfrm>
-          <a:prstGeom prst="rect">
-            <a:avLst/>
-          </a:prstGeom>
-        </p:spPr>
-        <p:txBody>
-          <a:bodyPr/>
-          <a:lstStyle>
-            <a:lvl1pPr>
-              <a:defRPr/>
-            </a:lvl1pPr>
-            <a:extLst/>
-          </a:lstStyle>
-          <a:p>
-            <a:pPr>
-              <a:defRPr/>
-            </a:pPr>
-            <a:r>
-              <a:rPr lang="en-US"/>
-              <a:t>Copyright 2005 </a:t>
-            </a:r>
-          </a:p>
-          <a:p>
-            <a:pPr>
-              <a:defRPr/>
-            </a:pPr>
-            <a:r>
-              <a:rPr lang="en-US"/>
-              <a:t>Ralph M. Ford and Chris Coulston</a:t>
-            </a:r>
-          </a:p>
-        </p:txBody>
-      </p:sp>
-      <p:sp>
-        <p:nvSpPr>
-          <p:cNvPr id="4" name="Slide Number Placeholder 3"/>
-          <p:cNvSpPr>
-            <a:spLocks noGrp="1"/>
-          </p:cNvSpPr>
-          <p:nvPr>
-            <p:ph type="sldNum" sz="quarter" idx="12"/>
-          </p:nvPr>
-        </p:nvSpPr>
-        <p:spPr/>
-        <p:txBody>
-          <a:bodyPr/>
-          <a:lstStyle>
-            <a:lvl1pPr>
-              <a:defRPr/>
-            </a:lvl1pPr>
-            <a:extLst/>
-          </a:lstStyle>
-          <a:p>
-            <a:pPr>
-              <a:defRPr/>
-            </a:pPr>
-            <a:fld id="{64C82792-BE1F-4E8C-BD1B-F3E7EFB06A74}" type="slidenum">
-              <a:rPr lang="en-US"/>
-              <a:pPr>
-                <a:defRPr/>
-              </a:pPr>
-              <a:t>‹#›</a:t>
-            </a:fld>
-            <a:endParaRPr lang="en-US"/>
-          </a:p>
-        </p:txBody>
-      </p:sp>
-    </p:spTree>
+    <p:extLst>
+      <p:ext uri="{BB962C8B-B14F-4D97-AF65-F5344CB8AC3E}">
+        <p14:creationId xmlns:p14="http://schemas.microsoft.com/office/powerpoint/2010/main" val="2269280208"/>
+      </p:ext>
+    </p:extLst>
   </p:cSld>
   <p:clrMapOvr>
     <a:masterClrMapping/>
   </p:clrMapOvr>
+  <p:hf hdr="0"/>
 </p:sldLayout>
 </file>
 
-<file path=ppt/slideLayouts/slideLayout8.xml><?xml version="1.0" encoding="utf-8"?>
-<p:sldLayout xmlns:a="http://schemas.openxmlformats.org/drawingml/2006/main" xmlns:r="http://schemas.openxmlformats.org/officeDocument/2006/relationships" xmlns:p="http://schemas.openxmlformats.org/presentationml/2006/main" showMasterSp="0" type="objTx" preserve="1">
-  <p:cSld name="Content with Caption">
-    <p:bg>
-      <p:bgRef idx="1003">
-        <a:schemeClr val="bg1"/>
-      </p:bgRef>
-    </p:bg>
+<file path=ppt/slideLayouts/slideLayout4.xml><?xml version="1.0" encoding="utf-8"?>
+<p:sldLayout xmlns:a="http://schemas.openxmlformats.org/drawingml/2006/main" xmlns:r="http://schemas.openxmlformats.org/officeDocument/2006/relationships" xmlns:p="http://schemas.openxmlformats.org/presentationml/2006/main" type="txAndObj">
+  <p:cSld name="Title, Text, and Content">
     <p:spTree>
       <p:nvGrpSpPr>
         <p:cNvPr id="1" name=""/>
@@ -5040,35 +2447,18 @@
         </p:nvSpPr>
         <p:spPr>
           <a:xfrm>
-            <a:off x="914400" y="4876800"/>
-            <a:ext cx="7481776" cy="457200"/>
+            <a:off x="762000" y="228600"/>
+            <a:ext cx="7924800" cy="685800"/>
           </a:xfrm>
         </p:spPr>
         <p:txBody>
-          <a:bodyPr anchor="t">
-            <a:noAutofit/>
-            <a:sp3d prstMaterial="softEdge">
-              <a:bevelT w="0" h="0"/>
-            </a:sp3d>
-          </a:bodyPr>
-          <a:lstStyle>
-            <a:lvl1pPr algn="r">
-              <a:buNone/>
-              <a:defRPr sz="2500" b="0">
-                <a:solidFill>
-                  <a:schemeClr val="accent1"/>
-                </a:solidFill>
-                <a:effectLst/>
-              </a:defRPr>
-            </a:lvl1pPr>
-            <a:extLst/>
-          </a:lstStyle>
-          <a:p>
-            <a:r>
-              <a:rPr lang="en-US" smtClean="0"/>
+          <a:bodyPr/>
+          <a:lstStyle/>
+          <a:p>
+            <a:r>
+              <a:rPr lang="en-US"/>
               <a:t>Click to edit Master title style</a:t>
             </a:r>
-            <a:endParaRPr lang="en-US"/>
           </a:p>
         </p:txBody>
       </p:sp>
@@ -5079,45 +2469,51 @@
             <a:spLocks noGrp="1"/>
           </p:cNvSpPr>
           <p:nvPr>
-            <p:ph type="body" idx="2"/>
+            <p:ph type="body" sz="half" idx="1"/>
           </p:nvPr>
         </p:nvSpPr>
         <p:spPr>
           <a:xfrm>
-            <a:off x="4419600" y="5355102"/>
-            <a:ext cx="3974592" cy="914400"/>
+            <a:off x="838200" y="1295400"/>
+            <a:ext cx="3770313" cy="4791075"/>
           </a:xfrm>
         </p:spPr>
         <p:txBody>
           <a:bodyPr/>
-          <a:lstStyle>
-            <a:lvl1pPr marL="0" indent="0" algn="r">
-              <a:buNone/>
-              <a:defRPr sz="1600"/>
-            </a:lvl1pPr>
-            <a:lvl2pPr>
-              <a:buNone/>
-              <a:defRPr sz="1200"/>
-            </a:lvl2pPr>
-            <a:lvl3pPr>
-              <a:buNone/>
-              <a:defRPr sz="1000"/>
-            </a:lvl3pPr>
-            <a:lvl4pPr>
-              <a:buNone/>
-              <a:defRPr sz="900"/>
-            </a:lvl4pPr>
-            <a:lvl5pPr>
-              <a:buNone/>
-              <a:defRPr sz="900"/>
-            </a:lvl5pPr>
-            <a:extLst/>
-          </a:lstStyle>
+          <a:lstStyle/>
           <a:p>
             <a:pPr lvl="0"/>
             <a:r>
-              <a:rPr lang="en-US" smtClean="0"/>
-              <a:t>Click to edit Master text styles</a:t>
+              <a:rPr lang="en-US"/>
+              <a:t>Edit Master text styles</a:t>
+            </a:r>
+          </a:p>
+          <a:p>
+            <a:pPr lvl="1"/>
+            <a:r>
+              <a:rPr lang="en-US"/>
+              <a:t>Second level</a:t>
+            </a:r>
+          </a:p>
+          <a:p>
+            <a:pPr lvl="2"/>
+            <a:r>
+              <a:rPr lang="en-US"/>
+              <a:t>Third level</a:t>
+            </a:r>
+          </a:p>
+          <a:p>
+            <a:pPr lvl="3"/>
+            <a:r>
+              <a:rPr lang="en-US"/>
+              <a:t>Fourth level</a:t>
+            </a:r>
+          </a:p>
+          <a:p>
+            <a:pPr lvl="4"/>
+            <a:r>
+              <a:rPr lang="en-US"/>
+              <a:t>Fifth level</a:t>
             </a:r>
           </a:p>
         </p:txBody>
@@ -5129,184 +2525,60 @@
             <a:spLocks noGrp="1"/>
           </p:cNvSpPr>
           <p:nvPr>
-            <p:ph sz="half" idx="1"/>
+            <p:ph sz="half" idx="2"/>
           </p:nvPr>
         </p:nvSpPr>
         <p:spPr>
           <a:xfrm>
-            <a:off x="914400" y="274320"/>
-            <a:ext cx="7479792" cy="4572000"/>
+            <a:off x="4760913" y="1295400"/>
+            <a:ext cx="3770312" cy="4791075"/>
           </a:xfrm>
         </p:spPr>
         <p:txBody>
           <a:bodyPr/>
-          <a:lstStyle>
-            <a:lvl1pPr>
-              <a:defRPr sz="3200"/>
-            </a:lvl1pPr>
-            <a:lvl2pPr>
-              <a:defRPr sz="2800"/>
-            </a:lvl2pPr>
-            <a:lvl3pPr>
-              <a:defRPr sz="2400"/>
-            </a:lvl3pPr>
-            <a:lvl4pPr>
-              <a:defRPr sz="2000"/>
-            </a:lvl4pPr>
-            <a:lvl5pPr>
-              <a:defRPr sz="2000"/>
-            </a:lvl5pPr>
-            <a:extLst/>
-          </a:lstStyle>
+          <a:lstStyle/>
           <a:p>
             <a:pPr lvl="0"/>
             <a:r>
-              <a:rPr lang="en-US" smtClean="0"/>
-              <a:t>Click to edit Master text styles</a:t>
+              <a:rPr lang="en-US"/>
+              <a:t>Edit Master text styles</a:t>
             </a:r>
           </a:p>
           <a:p>
             <a:pPr lvl="1"/>
             <a:r>
-              <a:rPr lang="en-US" smtClean="0"/>
+              <a:rPr lang="en-US"/>
               <a:t>Second level</a:t>
             </a:r>
           </a:p>
           <a:p>
             <a:pPr lvl="2"/>
             <a:r>
-              <a:rPr lang="en-US" smtClean="0"/>
+              <a:rPr lang="en-US"/>
               <a:t>Third level</a:t>
             </a:r>
           </a:p>
           <a:p>
             <a:pPr lvl="3"/>
             <a:r>
-              <a:rPr lang="en-US" smtClean="0"/>
+              <a:rPr lang="en-US"/>
               <a:t>Fourth level</a:t>
             </a:r>
           </a:p>
           <a:p>
             <a:pPr lvl="4"/>
             <a:r>
-              <a:rPr lang="en-US" smtClean="0"/>
+              <a:rPr lang="en-US"/>
               <a:t>Fifth level</a:t>
             </a:r>
-            <a:endParaRPr lang="en-US"/>
           </a:p>
         </p:txBody>
       </p:sp>
       <p:sp>
         <p:nvSpPr>
-          <p:cNvPr id="5" name="Date Placeholder 4"/>
+          <p:cNvPr id="7" name="Rectangle 13"/>
           <p:cNvSpPr>
-            <a:spLocks noGrp="1"/>
-          </p:cNvSpPr>
-          <p:nvPr>
-            <p:ph type="dt" sz="half" idx="10"/>
-          </p:nvPr>
-        </p:nvSpPr>
-        <p:spPr>
-          <a:xfrm>
-            <a:off x="6727825" y="6408738"/>
-            <a:ext cx="1919288" cy="365125"/>
-          </a:xfrm>
-          <a:prstGeom prst="rect">
-            <a:avLst/>
-          </a:prstGeom>
-        </p:spPr>
-        <p:txBody>
-          <a:bodyPr/>
-          <a:lstStyle>
-            <a:lvl1pPr>
-              <a:defRPr/>
-            </a:lvl1pPr>
-            <a:extLst/>
-          </a:lstStyle>
-          <a:p>
-            <a:pPr>
-              <a:defRPr/>
-            </a:pPr>
-            <a:endParaRPr lang="en-US"/>
-          </a:p>
-          <a:p>
-            <a:pPr>
-              <a:defRPr/>
-            </a:pPr>
-            <a:r>
-              <a:rPr lang="en-US"/>
-              <a:t>Design for Electrical and Computer Engineers (Published by McGraw Hill)</a:t>
-            </a:r>
-          </a:p>
-          <a:p>
-            <a:pPr>
-              <a:defRPr/>
-            </a:pPr>
-            <a:r>
-              <a:rPr lang="en-US"/>
-              <a:t>Not to be transmitted or reproduced without written consent of authors</a:t>
-            </a:r>
-          </a:p>
-          <a:p>
-            <a:pPr>
-              <a:defRPr/>
-            </a:pPr>
-            <a:endParaRPr lang="en-US"/>
-          </a:p>
-        </p:txBody>
-      </p:sp>
-      <p:sp>
-        <p:nvSpPr>
-          <p:cNvPr id="6" name="Footer Placeholder 5"/>
-          <p:cNvSpPr>
-            <a:spLocks noGrp="1"/>
-          </p:cNvSpPr>
-          <p:nvPr>
-            <p:ph type="ftr" sz="quarter" idx="11"/>
-          </p:nvPr>
-        </p:nvSpPr>
-        <p:spPr>
-          <a:xfrm>
-            <a:off x="4379913" y="6408738"/>
-            <a:ext cx="2351087" cy="365125"/>
-          </a:xfrm>
-          <a:prstGeom prst="rect">
-            <a:avLst/>
-          </a:prstGeom>
-        </p:spPr>
-        <p:txBody>
-          <a:bodyPr/>
-          <a:lstStyle>
-            <a:lvl1pPr>
-              <a:defRPr/>
-            </a:lvl1pPr>
-            <a:extLst/>
-          </a:lstStyle>
-          <a:p>
-            <a:pPr>
-              <a:defRPr/>
-            </a:pPr>
-            <a:r>
-              <a:rPr lang="en-US"/>
-              <a:t>Copyright 2005 </a:t>
-            </a:r>
-          </a:p>
-          <a:p>
-            <a:pPr>
-              <a:defRPr/>
-            </a:pPr>
-            <a:r>
-              <a:rPr lang="en-US"/>
-              <a:t>Ralph M. Ford and Chris Coulston</a:t>
-            </a:r>
-          </a:p>
-        </p:txBody>
-      </p:sp>
-      <p:sp>
-        <p:nvSpPr>
-          <p:cNvPr id="7" name="Slide Number Placeholder 6"/>
-          <p:cNvSpPr>
-            <a:spLocks noGrp="1"/>
+            <a:spLocks noGrp="1" noChangeArrowheads="1"/>
           </p:cNvSpPr>
           <p:nvPr>
             <p:ph type="sldNum" sz="quarter" idx="12"/>
@@ -5319,13 +2591,270 @@
             <a:lvl1pPr>
               <a:defRPr/>
             </a:lvl1pPr>
-            <a:extLst/>
           </a:lstStyle>
           <a:p>
             <a:pPr>
               <a:defRPr/>
             </a:pPr>
-            <a:fld id="{EAADE63A-E114-4BB3-99B0-2266EBE88501}" type="slidenum">
+            <a:fld id="{E2E9A047-387C-4B31-A911-E2213B5792CC}" type="slidenum">
+              <a:rPr lang="en-US" smtClean="0"/>
+              <a:pPr>
+                <a:defRPr/>
+              </a:pPr>
+              <a:t>‹#›</a:t>
+            </a:fld>
+            <a:endParaRPr lang="en-US"/>
+          </a:p>
+        </p:txBody>
+      </p:sp>
+    </p:spTree>
+    <p:extLst>
+      <p:ext uri="{BB962C8B-B14F-4D97-AF65-F5344CB8AC3E}">
+        <p14:creationId xmlns:p14="http://schemas.microsoft.com/office/powerpoint/2010/main" val="3591815244"/>
+      </p:ext>
+    </p:extLst>
+  </p:cSld>
+  <p:clrMapOvr>
+    <a:masterClrMapping/>
+  </p:clrMapOvr>
+</p:sldLayout>
+</file>
+
+<file path=ppt/slideLayouts/slideLayout5.xml><?xml version="1.0" encoding="utf-8"?>
+<p:sldLayout xmlns:a="http://schemas.openxmlformats.org/drawingml/2006/main" xmlns:r="http://schemas.openxmlformats.org/officeDocument/2006/relationships" xmlns:p="http://schemas.openxmlformats.org/presentationml/2006/main" type="txAndTwoObj">
+  <p:cSld name="Title, Text, and 2 Content">
+    <p:spTree>
+      <p:nvGrpSpPr>
+        <p:cNvPr id="1" name=""/>
+        <p:cNvGrpSpPr/>
+        <p:nvPr/>
+      </p:nvGrpSpPr>
+      <p:grpSpPr>
+        <a:xfrm>
+          <a:off x="0" y="0"/>
+          <a:ext cx="0" cy="0"/>
+          <a:chOff x="0" y="0"/>
+          <a:chExt cx="0" cy="0"/>
+        </a:xfrm>
+      </p:grpSpPr>
+      <p:sp>
+        <p:nvSpPr>
+          <p:cNvPr id="2" name="Title 1"/>
+          <p:cNvSpPr>
+            <a:spLocks noGrp="1"/>
+          </p:cNvSpPr>
+          <p:nvPr>
+            <p:ph type="title"/>
+          </p:nvPr>
+        </p:nvSpPr>
+        <p:spPr>
+          <a:xfrm>
+            <a:off x="762000" y="228600"/>
+            <a:ext cx="7924800" cy="685800"/>
+          </a:xfrm>
+        </p:spPr>
+        <p:txBody>
+          <a:bodyPr/>
+          <a:lstStyle/>
+          <a:p>
+            <a:r>
+              <a:rPr lang="en-US"/>
+              <a:t>Click to edit Master title style</a:t>
+            </a:r>
+          </a:p>
+        </p:txBody>
+      </p:sp>
+      <p:sp>
+        <p:nvSpPr>
+          <p:cNvPr id="3" name="Text Placeholder 2"/>
+          <p:cNvSpPr>
+            <a:spLocks noGrp="1"/>
+          </p:cNvSpPr>
+          <p:nvPr>
+            <p:ph type="body" sz="half" idx="1"/>
+          </p:nvPr>
+        </p:nvSpPr>
+        <p:spPr>
+          <a:xfrm>
+            <a:off x="838200" y="1295400"/>
+            <a:ext cx="3770313" cy="4791075"/>
+          </a:xfrm>
+        </p:spPr>
+        <p:txBody>
+          <a:bodyPr/>
+          <a:lstStyle/>
+          <a:p>
+            <a:pPr lvl="0"/>
+            <a:r>
+              <a:rPr lang="en-US"/>
+              <a:t>Click to edit Master text styles</a:t>
+            </a:r>
+          </a:p>
+          <a:p>
+            <a:pPr lvl="1"/>
+            <a:r>
+              <a:rPr lang="en-US"/>
+              <a:t>Second level</a:t>
+            </a:r>
+          </a:p>
+          <a:p>
+            <a:pPr lvl="2"/>
+            <a:r>
+              <a:rPr lang="en-US"/>
+              <a:t>Third level</a:t>
+            </a:r>
+          </a:p>
+          <a:p>
+            <a:pPr lvl="3"/>
+            <a:r>
+              <a:rPr lang="en-US"/>
+              <a:t>Fourth level</a:t>
+            </a:r>
+          </a:p>
+          <a:p>
+            <a:pPr lvl="4"/>
+            <a:r>
+              <a:rPr lang="en-US"/>
+              <a:t>Fifth level</a:t>
+            </a:r>
+          </a:p>
+        </p:txBody>
+      </p:sp>
+      <p:sp>
+        <p:nvSpPr>
+          <p:cNvPr id="4" name="Content Placeholder 3"/>
+          <p:cNvSpPr>
+            <a:spLocks noGrp="1"/>
+          </p:cNvSpPr>
+          <p:nvPr>
+            <p:ph sz="quarter" idx="2"/>
+          </p:nvPr>
+        </p:nvSpPr>
+        <p:spPr>
+          <a:xfrm>
+            <a:off x="4760913" y="1295400"/>
+            <a:ext cx="3770312" cy="2319338"/>
+          </a:xfrm>
+        </p:spPr>
+        <p:txBody>
+          <a:bodyPr/>
+          <a:lstStyle/>
+          <a:p>
+            <a:pPr lvl="0"/>
+            <a:r>
+              <a:rPr lang="en-US"/>
+              <a:t>Click to edit Master text styles</a:t>
+            </a:r>
+          </a:p>
+          <a:p>
+            <a:pPr lvl="1"/>
+            <a:r>
+              <a:rPr lang="en-US"/>
+              <a:t>Second level</a:t>
+            </a:r>
+          </a:p>
+          <a:p>
+            <a:pPr lvl="2"/>
+            <a:r>
+              <a:rPr lang="en-US"/>
+              <a:t>Third level</a:t>
+            </a:r>
+          </a:p>
+          <a:p>
+            <a:pPr lvl="3"/>
+            <a:r>
+              <a:rPr lang="en-US"/>
+              <a:t>Fourth level</a:t>
+            </a:r>
+          </a:p>
+          <a:p>
+            <a:pPr lvl="4"/>
+            <a:r>
+              <a:rPr lang="en-US"/>
+              <a:t>Fifth level</a:t>
+            </a:r>
+          </a:p>
+        </p:txBody>
+      </p:sp>
+      <p:sp>
+        <p:nvSpPr>
+          <p:cNvPr id="5" name="Content Placeholder 4"/>
+          <p:cNvSpPr>
+            <a:spLocks noGrp="1"/>
+          </p:cNvSpPr>
+          <p:nvPr>
+            <p:ph sz="quarter" idx="3"/>
+          </p:nvPr>
+        </p:nvSpPr>
+        <p:spPr>
+          <a:xfrm>
+            <a:off x="4760913" y="3767138"/>
+            <a:ext cx="3770312" cy="2319337"/>
+          </a:xfrm>
+        </p:spPr>
+        <p:txBody>
+          <a:bodyPr/>
+          <a:lstStyle/>
+          <a:p>
+            <a:pPr lvl="0"/>
+            <a:r>
+              <a:rPr lang="en-US"/>
+              <a:t>Click to edit Master text styles</a:t>
+            </a:r>
+          </a:p>
+          <a:p>
+            <a:pPr lvl="1"/>
+            <a:r>
+              <a:rPr lang="en-US"/>
+              <a:t>Second level</a:t>
+            </a:r>
+          </a:p>
+          <a:p>
+            <a:pPr lvl="2"/>
+            <a:r>
+              <a:rPr lang="en-US"/>
+              <a:t>Third level</a:t>
+            </a:r>
+          </a:p>
+          <a:p>
+            <a:pPr lvl="3"/>
+            <a:r>
+              <a:rPr lang="en-US"/>
+              <a:t>Fourth level</a:t>
+            </a:r>
+          </a:p>
+          <a:p>
+            <a:pPr lvl="4"/>
+            <a:r>
+              <a:rPr lang="en-US"/>
+              <a:t>Fifth level</a:t>
+            </a:r>
+          </a:p>
+        </p:txBody>
+      </p:sp>
+      <p:sp>
+        <p:nvSpPr>
+          <p:cNvPr id="8" name="Rectangle 13"/>
+          <p:cNvSpPr>
+            <a:spLocks noGrp="1" noChangeArrowheads="1"/>
+          </p:cNvSpPr>
+          <p:nvPr>
+            <p:ph type="sldNum" sz="quarter" idx="12"/>
+          </p:nvPr>
+        </p:nvSpPr>
+        <p:spPr/>
+        <p:txBody>
+          <a:bodyPr/>
+          <a:lstStyle>
+            <a:lvl1pPr>
+              <a:defRPr/>
+            </a:lvl1pPr>
+          </a:lstStyle>
+          <a:p>
+            <a:pPr>
+              <a:defRPr/>
+            </a:pPr>
+            <a:fld id="{F6138C8F-3434-46AF-831A-A7A20E6AC12F}" type="slidenum">
               <a:rPr lang="en-US"/>
               <a:pPr>
                 <a:defRPr/>
@@ -5337,18 +2866,23 @@
         </p:txBody>
       </p:sp>
     </p:spTree>
+    <p:extLst>
+      <p:ext uri="{BB962C8B-B14F-4D97-AF65-F5344CB8AC3E}">
+        <p14:creationId xmlns:p14="http://schemas.microsoft.com/office/powerpoint/2010/main" val="1385328364"/>
+      </p:ext>
+    </p:extLst>
   </p:cSld>
   <p:clrMapOvr>
-    <a:overrideClrMapping bg1="lt1" tx1="dk1" bg2="lt2" tx2="dk2" accent1="accent1" accent2="accent2" accent3="accent3" accent4="accent4" accent5="accent5" accent6="accent6" hlink="hlink" folHlink="folHlink"/>
+    <a:masterClrMapping/>
   </p:clrMapOvr>
 </p:sldLayout>
 </file>
 
-<file path=ppt/slideLayouts/slideLayout9.xml><?xml version="1.0" encoding="utf-8"?>
-<p:sldLayout xmlns:a="http://schemas.openxmlformats.org/drawingml/2006/main" xmlns:r="http://schemas.openxmlformats.org/officeDocument/2006/relationships" xmlns:p="http://schemas.openxmlformats.org/presentationml/2006/main" showMasterSp="0" type="picTx" preserve="1">
-  <p:cSld name="Picture with Caption">
+<file path=ppt/slideMasters/slideMaster1.xml><?xml version="1.0" encoding="utf-8"?>
+<p:sldMaster xmlns:a="http://schemas.openxmlformats.org/drawingml/2006/main" xmlns:r="http://schemas.openxmlformats.org/officeDocument/2006/relationships" xmlns:p="http://schemas.openxmlformats.org/presentationml/2006/main">
+  <p:cSld>
     <p:bg>
-      <p:bgRef idx="1002">
+      <p:bgRef idx="1001">
         <a:schemeClr val="bg1"/>
       </p:bgRef>
     </p:bg>
@@ -5368,7 +2902,7 @@
       </p:grpSpPr>
       <p:sp>
         <p:nvSpPr>
-          <p:cNvPr id="5" name="Freeform 4"/>
+          <p:cNvPr id="13" name="Freeform 12"/>
           <p:cNvSpPr>
             <a:spLocks/>
           </p:cNvSpPr>
@@ -5442,9 +2976,7 @@
         </p:spPr>
         <p:txBody>
           <a:bodyPr/>
-          <a:lstStyle>
-            <a:extLst/>
-          </a:lstStyle>
+          <a:lstStyle/>
           <a:p>
             <a:pPr>
               <a:defRPr/>
@@ -5455,7 +2987,7 @@
       </p:sp>
       <p:sp>
         <p:nvSpPr>
-          <p:cNvPr id="6" name="Freeform 5"/>
+          <p:cNvPr id="12" name="Freeform 11"/>
           <p:cNvSpPr>
             <a:spLocks/>
           </p:cNvSpPr>
@@ -5527,9 +3059,7 @@
         </p:spPr>
         <p:txBody>
           <a:bodyPr/>
-          <a:lstStyle>
-            <a:extLst/>
-          </a:lstStyle>
+          <a:lstStyle/>
           <a:p>
             <a:pPr>
               <a:defRPr/>
@@ -5540,7 +3070,7 @@
       </p:sp>
       <p:sp>
         <p:nvSpPr>
-          <p:cNvPr id="7" name="Right Triangle 6"/>
+          <p:cNvPr id="14" name="Right Triangle 13"/>
           <p:cNvSpPr>
             <a:spLocks/>
           </p:cNvSpPr>
@@ -5555,7 +3085,7 @@
             <a:avLst/>
           </a:prstGeom>
           <a:blipFill>
-            <a:blip r:embed="rId3">
+            <a:blip r:embed="rId7">
               <a:alphaModFix amt="50000"/>
             </a:blip>
             <a:tile tx="0" ty="0" sx="50000" sy="50000" flip="none" algn="t"/>
@@ -5640,874 +3170,7 @@
         </p:style>
         <p:txBody>
           <a:bodyPr anchor="ctr"/>
-          <a:lstStyle>
-            <a:extLst/>
-          </a:lstStyle>
-          <a:p>
-            <a:pPr algn="ctr" eaLnBrk="1" hangingPunct="1">
-              <a:defRPr/>
-            </a:pPr>
-            <a:endParaRPr lang="en-US"/>
-          </a:p>
-        </p:txBody>
-      </p:sp>
-      <p:cxnSp>
-        <p:nvCxnSpPr>
-          <p:cNvPr id="8" name="Straight Connector 7"/>
-          <p:cNvCxnSpPr/>
-          <p:nvPr/>
-        </p:nvCxnSpPr>
-        <p:spPr>
-          <a:xfrm>
-            <a:off x="-9237" y="5787738"/>
-            <a:ext cx="3405509" cy="1084383"/>
-          </a:xfrm>
-          <a:prstGeom prst="line">
-            <a:avLst/>
-          </a:prstGeom>
-          <a:noFill/>
-          <a:ln w="12065" cap="flat" cmpd="sng" algn="ctr">
-            <a:gradFill>
-              <a:gsLst>
-                <a:gs pos="45000">
-                  <a:schemeClr val="accent1">
-                    <a:tint val="70000"/>
-                    <a:satMod val="110000"/>
-                  </a:schemeClr>
-                </a:gs>
-                <a:gs pos="15000">
-                  <a:schemeClr val="accent1">
-                    <a:shade val="40000"/>
-                    <a:satMod val="110000"/>
-                  </a:schemeClr>
-                </a:gs>
-              </a:gsLst>
-              <a:lin ang="5400000" scaled="1"/>
-            </a:gradFill>
-            <a:prstDash val="solid"/>
-            <a:miter lim="800000"/>
-          </a:ln>
-          <a:effectLst/>
-        </p:spPr>
-        <p:style>
-          <a:lnRef idx="2">
-            <a:schemeClr val="accent1"/>
-          </a:lnRef>
-          <a:fillRef idx="0">
-            <a:schemeClr val="accent1"/>
-          </a:fillRef>
-          <a:effectRef idx="1">
-            <a:schemeClr val="accent1"/>
-          </a:effectRef>
-          <a:fontRef idx="minor">
-            <a:schemeClr val="tx1"/>
-          </a:fontRef>
-        </p:style>
-      </p:cxnSp>
-      <p:sp>
-        <p:nvSpPr>
-          <p:cNvPr id="9" name="Chevron 8"/>
-          <p:cNvSpPr/>
-          <p:nvPr/>
-        </p:nvSpPr>
-        <p:spPr>
-          <a:xfrm>
-            <a:off x="8664575" y="4987925"/>
-            <a:ext cx="182563" cy="228600"/>
-          </a:xfrm>
-          <a:prstGeom prst="chevron">
-            <a:avLst>
-              <a:gd name="adj" fmla="val 50000"/>
-            </a:avLst>
-          </a:prstGeom>
-          <a:gradFill flip="none" rotWithShape="1">
-            <a:gsLst>
-              <a:gs pos="0">
-                <a:schemeClr val="accent1">
-                  <a:shade val="60000"/>
-                  <a:satMod val="125000"/>
-                </a:schemeClr>
-              </a:gs>
-              <a:gs pos="72000">
-                <a:schemeClr val="accent1">
-                  <a:tint val="90000"/>
-                  <a:satMod val="138000"/>
-                </a:schemeClr>
-              </a:gs>
-              <a:gs pos="100000">
-                <a:schemeClr val="accent1">
-                  <a:tint val="76000"/>
-                  <a:satMod val="136000"/>
-                </a:schemeClr>
-              </a:gs>
-            </a:gsLst>
-            <a:lin ang="16200000" scaled="0"/>
-          </a:gradFill>
-          <a:ln w="3175" cap="rnd" cmpd="sng" algn="ctr">
-            <a:solidFill>
-              <a:schemeClr val="accent1">
-                <a:shade val="50000"/>
-              </a:schemeClr>
-            </a:solidFill>
-            <a:prstDash val="solid"/>
-          </a:ln>
-          <a:effectLst>
-            <a:outerShdw blurRad="50800" dist="25400" dir="5400000">
-              <a:srgbClr val="000000">
-                <a:alpha val="46000"/>
-              </a:srgbClr>
-            </a:outerShdw>
-          </a:effectLst>
-        </p:spPr>
-        <p:style>
-          <a:lnRef idx="1">
-            <a:schemeClr val="accent1"/>
-          </a:lnRef>
-          <a:fillRef idx="3">
-            <a:schemeClr val="accent1"/>
-          </a:fillRef>
-          <a:effectRef idx="2">
-            <a:schemeClr val="accent1"/>
-          </a:effectRef>
-          <a:fontRef idx="minor">
-            <a:schemeClr val="lt1"/>
-          </a:fontRef>
-        </p:style>
-        <p:txBody>
-          <a:bodyPr anchor="ctr"/>
-          <a:lstStyle>
-            <a:extLst/>
-          </a:lstStyle>
-          <a:p>
-            <a:pPr eaLnBrk="1" hangingPunct="1">
-              <a:defRPr/>
-            </a:pPr>
-            <a:endParaRPr lang="en-US"/>
-          </a:p>
-        </p:txBody>
-      </p:sp>
-      <p:sp>
-        <p:nvSpPr>
-          <p:cNvPr id="10" name="Chevron 9"/>
-          <p:cNvSpPr/>
-          <p:nvPr/>
-        </p:nvSpPr>
-        <p:spPr>
-          <a:xfrm>
-            <a:off x="8477250" y="4987925"/>
-            <a:ext cx="182563" cy="228600"/>
-          </a:xfrm>
-          <a:prstGeom prst="chevron">
-            <a:avLst>
-              <a:gd name="adj" fmla="val 50000"/>
-            </a:avLst>
-          </a:prstGeom>
-          <a:gradFill flip="none" rotWithShape="1">
-            <a:gsLst>
-              <a:gs pos="0">
-                <a:schemeClr val="accent1">
-                  <a:shade val="60000"/>
-                  <a:satMod val="125000"/>
-                </a:schemeClr>
-              </a:gs>
-              <a:gs pos="72000">
-                <a:schemeClr val="accent1">
-                  <a:tint val="90000"/>
-                  <a:satMod val="138000"/>
-                </a:schemeClr>
-              </a:gs>
-              <a:gs pos="100000">
-                <a:schemeClr val="accent1">
-                  <a:tint val="76000"/>
-                  <a:satMod val="136000"/>
-                </a:schemeClr>
-              </a:gs>
-            </a:gsLst>
-            <a:lin ang="16200000" scaled="0"/>
-          </a:gradFill>
-          <a:ln w="3175" cap="rnd" cmpd="sng" algn="ctr">
-            <a:solidFill>
-              <a:schemeClr val="accent1">
-                <a:shade val="50000"/>
-              </a:schemeClr>
-            </a:solidFill>
-            <a:prstDash val="solid"/>
-          </a:ln>
-          <a:effectLst>
-            <a:outerShdw blurRad="50800" dist="25400" dir="5400000">
-              <a:srgbClr val="000000">
-                <a:alpha val="46000"/>
-              </a:srgbClr>
-            </a:outerShdw>
-          </a:effectLst>
-        </p:spPr>
-        <p:style>
-          <a:lnRef idx="1">
-            <a:schemeClr val="accent1"/>
-          </a:lnRef>
-          <a:fillRef idx="3">
-            <a:schemeClr val="accent1"/>
-          </a:fillRef>
-          <a:effectRef idx="2">
-            <a:schemeClr val="accent1"/>
-          </a:effectRef>
-          <a:fontRef idx="minor">
-            <a:schemeClr val="lt1"/>
-          </a:fontRef>
-        </p:style>
-        <p:txBody>
-          <a:bodyPr anchor="ctr"/>
-          <a:lstStyle>
-            <a:extLst/>
-          </a:lstStyle>
-          <a:p>
-            <a:pPr eaLnBrk="1" hangingPunct="1">
-              <a:defRPr/>
-            </a:pPr>
-            <a:endParaRPr lang="en-US"/>
-          </a:p>
-        </p:txBody>
-      </p:sp>
-      <p:sp>
-        <p:nvSpPr>
-          <p:cNvPr id="4" name="Text Placeholder 3"/>
-          <p:cNvSpPr>
-            <a:spLocks noGrp="1"/>
-          </p:cNvSpPr>
-          <p:nvPr>
-            <p:ph type="body" sz="half" idx="2"/>
-          </p:nvPr>
-        </p:nvSpPr>
-        <p:spPr>
-          <a:xfrm>
-            <a:off x="1141232" y="5443402"/>
-            <a:ext cx="7162800" cy="648232"/>
-          </a:xfrm>
-          <a:noFill/>
-        </p:spPr>
-        <p:txBody>
-          <a:bodyPr tIns="0"/>
-          <a:lstStyle>
-            <a:lvl1pPr marL="0" marR="18288" indent="0" algn="r">
-              <a:buNone/>
-              <a:defRPr sz="1400"/>
-            </a:lvl1pPr>
-            <a:lvl2pPr>
-              <a:defRPr sz="1200"/>
-            </a:lvl2pPr>
-            <a:lvl3pPr>
-              <a:defRPr sz="1000"/>
-            </a:lvl3pPr>
-            <a:lvl4pPr>
-              <a:defRPr sz="900"/>
-            </a:lvl4pPr>
-            <a:lvl5pPr>
-              <a:defRPr sz="900"/>
-            </a:lvl5pPr>
-            <a:extLst/>
-          </a:lstStyle>
-          <a:p>
-            <a:pPr lvl="0"/>
-            <a:r>
-              <a:rPr lang="en-US" smtClean="0"/>
-              <a:t>Click to edit Master text styles</a:t>
-            </a:r>
-          </a:p>
-        </p:txBody>
-      </p:sp>
-      <p:sp>
-        <p:nvSpPr>
-          <p:cNvPr id="3" name="Picture Placeholder 2"/>
-          <p:cNvSpPr>
-            <a:spLocks noGrp="1"/>
-          </p:cNvSpPr>
-          <p:nvPr>
-            <p:ph type="pic" idx="1"/>
-          </p:nvPr>
-        </p:nvSpPr>
-        <p:spPr>
-          <a:xfrm>
-            <a:off x="228600" y="189968"/>
-            <a:ext cx="8686800" cy="4389120"/>
-          </a:xfrm>
-          <a:prstGeom prst="rect">
-            <a:avLst/>
-          </a:prstGeom>
-          <a:solidFill>
-            <a:schemeClr val="bg2"/>
-          </a:solidFill>
-          <a:ln>
-            <a:solidFill>
-              <a:schemeClr val="bg1"/>
-            </a:solidFill>
-          </a:ln>
-          <a:effectLst>
-            <a:innerShdw blurRad="95250">
-              <a:srgbClr val="000000"/>
-            </a:innerShdw>
-          </a:effectLst>
-        </p:spPr>
-        <p:txBody>
-          <a:bodyPr>
-            <a:normAutofit/>
-          </a:bodyPr>
-          <a:lstStyle>
-            <a:lvl1pPr marL="0" indent="0">
-              <a:buNone/>
-              <a:defRPr sz="3200"/>
-            </a:lvl1pPr>
-            <a:extLst/>
-          </a:lstStyle>
-          <a:p>
-            <a:pPr lvl="0"/>
-            <a:r>
-              <a:rPr lang="en-US" noProof="0" smtClean="0"/>
-              <a:t>Click icon to add picture</a:t>
-            </a:r>
-            <a:endParaRPr lang="en-US" noProof="0" dirty="0"/>
-          </a:p>
-        </p:txBody>
-      </p:sp>
-      <p:sp>
-        <p:nvSpPr>
-          <p:cNvPr id="2" name="Title 1"/>
-          <p:cNvSpPr>
-            <a:spLocks noGrp="1"/>
-          </p:cNvSpPr>
-          <p:nvPr>
-            <p:ph type="title"/>
-          </p:nvPr>
-        </p:nvSpPr>
-        <p:spPr>
-          <a:xfrm>
-            <a:off x="228600" y="4865122"/>
-            <a:ext cx="8075432" cy="562672"/>
-          </a:xfrm>
-          <a:noFill/>
-        </p:spPr>
-        <p:txBody>
-          <a:bodyPr anchor="t">
-            <a:sp3d prstMaterial="softEdge"/>
-          </a:bodyPr>
-          <a:lstStyle>
-            <a:lvl1pPr marR="0" algn="r">
-              <a:buNone/>
-              <a:defRPr sz="3000" b="0">
-                <a:solidFill>
-                  <a:schemeClr val="accent1"/>
-                </a:solidFill>
-                <a:effectLst>
-                  <a:outerShdw blurRad="50800" dist="25000" dir="5400000" algn="t" rotWithShape="0">
-                    <a:prstClr val="black">
-                      <a:alpha val="45000"/>
-                    </a:prstClr>
-                  </a:outerShdw>
-                </a:effectLst>
-              </a:defRPr>
-            </a:lvl1pPr>
-            <a:extLst/>
-          </a:lstStyle>
-          <a:p>
-            <a:r>
-              <a:rPr lang="en-US" smtClean="0"/>
-              <a:t>Click to edit Master title style</a:t>
-            </a:r>
-            <a:endParaRPr lang="en-US"/>
-          </a:p>
-        </p:txBody>
-      </p:sp>
-      <p:sp>
-        <p:nvSpPr>
-          <p:cNvPr id="11" name="Date Placeholder 4"/>
-          <p:cNvSpPr>
-            <a:spLocks noGrp="1"/>
-          </p:cNvSpPr>
-          <p:nvPr>
-            <p:ph type="dt" sz="half" idx="10"/>
-          </p:nvPr>
-        </p:nvSpPr>
-        <p:spPr>
-          <a:xfrm>
-            <a:off x="6727825" y="6408738"/>
-            <a:ext cx="1919288" cy="365125"/>
-          </a:xfrm>
-          <a:prstGeom prst="rect">
-            <a:avLst/>
-          </a:prstGeom>
-        </p:spPr>
-        <p:txBody>
-          <a:bodyPr/>
-          <a:lstStyle>
-            <a:lvl1pPr>
-              <a:defRPr smtClean="0">
-                <a:solidFill>
-                  <a:schemeClr val="tx1"/>
-                </a:solidFill>
-              </a:defRPr>
-            </a:lvl1pPr>
-            <a:extLst/>
-          </a:lstStyle>
-          <a:p>
-            <a:pPr>
-              <a:defRPr/>
-            </a:pPr>
-            <a:endParaRPr lang="en-US"/>
-          </a:p>
-          <a:p>
-            <a:pPr>
-              <a:defRPr/>
-            </a:pPr>
-            <a:r>
-              <a:rPr lang="en-US"/>
-              <a:t>Design for Electrical and Computer Engineers (Published by McGraw Hill)</a:t>
-            </a:r>
-          </a:p>
-          <a:p>
-            <a:pPr>
-              <a:defRPr/>
-            </a:pPr>
-            <a:r>
-              <a:rPr lang="en-US"/>
-              <a:t>Not to be transmitted or reproduced without written consent of authors</a:t>
-            </a:r>
-          </a:p>
-          <a:p>
-            <a:pPr>
-              <a:defRPr/>
-            </a:pPr>
-            <a:endParaRPr lang="en-US"/>
-          </a:p>
-        </p:txBody>
-      </p:sp>
-      <p:sp>
-        <p:nvSpPr>
-          <p:cNvPr id="12" name="Footer Placeholder 5"/>
-          <p:cNvSpPr>
-            <a:spLocks noGrp="1"/>
-          </p:cNvSpPr>
-          <p:nvPr>
-            <p:ph type="ftr" sz="quarter" idx="11"/>
-          </p:nvPr>
-        </p:nvSpPr>
-        <p:spPr>
-          <a:xfrm>
-            <a:off x="4379913" y="6408738"/>
-            <a:ext cx="2351087" cy="365125"/>
-          </a:xfrm>
-          <a:prstGeom prst="rect">
-            <a:avLst/>
-          </a:prstGeom>
-        </p:spPr>
-        <p:txBody>
-          <a:bodyPr/>
-          <a:lstStyle>
-            <a:lvl1pPr>
-              <a:defRPr smtClean="0">
-                <a:solidFill>
-                  <a:schemeClr val="tx1"/>
-                </a:solidFill>
-              </a:defRPr>
-            </a:lvl1pPr>
-            <a:extLst/>
-          </a:lstStyle>
-          <a:p>
-            <a:pPr>
-              <a:defRPr/>
-            </a:pPr>
-            <a:r>
-              <a:rPr lang="en-US"/>
-              <a:t>Copyright 2005 </a:t>
-            </a:r>
-          </a:p>
-          <a:p>
-            <a:pPr>
-              <a:defRPr/>
-            </a:pPr>
-            <a:r>
-              <a:rPr lang="en-US"/>
-              <a:t>Ralph M. Ford and Chris Coulston</a:t>
-            </a:r>
-            <a:endParaRPr lang="en-US"/>
-          </a:p>
-        </p:txBody>
-      </p:sp>
-      <p:sp>
-        <p:nvSpPr>
-          <p:cNvPr id="13" name="Slide Number Placeholder 6"/>
-          <p:cNvSpPr>
-            <a:spLocks noGrp="1"/>
-          </p:cNvSpPr>
-          <p:nvPr>
-            <p:ph type="sldNum" sz="quarter" idx="12"/>
-          </p:nvPr>
-        </p:nvSpPr>
-        <p:spPr/>
-        <p:txBody>
-          <a:bodyPr/>
-          <a:lstStyle>
-            <a:lvl1pPr>
-              <a:defRPr smtClean="0">
-                <a:solidFill>
-                  <a:schemeClr val="tx1"/>
-                </a:solidFill>
-              </a:defRPr>
-            </a:lvl1pPr>
-            <a:extLst/>
-          </a:lstStyle>
-          <a:p>
-            <a:pPr>
-              <a:defRPr/>
-            </a:pPr>
-            <a:fld id="{5BEAAFC9-B1E5-4205-B67B-5D4A6D69FE54}" type="slidenum">
-              <a:rPr lang="en-US"/>
-              <a:pPr>
-                <a:defRPr/>
-              </a:pPr>
-              <a:t>‹#›</a:t>
-            </a:fld>
-            <a:endParaRPr lang="en-US"/>
-          </a:p>
-        </p:txBody>
-      </p:sp>
-    </p:spTree>
-  </p:cSld>
-  <p:clrMapOvr>
-    <a:overrideClrMapping bg1="dk1" tx1="lt1" bg2="dk2" tx2="lt2" accent1="accent1" accent2="accent2" accent3="accent3" accent4="accent4" accent5="accent5" accent6="accent6" hlink="hlink" folHlink="folHlink"/>
-  </p:clrMapOvr>
-</p:sldLayout>
-</file>
-
-<file path=ppt/slideMasters/slideMaster1.xml><?xml version="1.0" encoding="utf-8"?>
-<p:sldMaster xmlns:a="http://schemas.openxmlformats.org/drawingml/2006/main" xmlns:r="http://schemas.openxmlformats.org/officeDocument/2006/relationships" xmlns:p="http://schemas.openxmlformats.org/presentationml/2006/main">
-  <p:cSld>
-    <p:bg>
-      <p:bgRef idx="1001">
-        <a:schemeClr val="bg1"/>
-      </p:bgRef>
-    </p:bg>
-    <p:spTree>
-      <p:nvGrpSpPr>
-        <p:cNvPr id="1" name=""/>
-        <p:cNvGrpSpPr/>
-        <p:nvPr/>
-      </p:nvGrpSpPr>
-      <p:grpSpPr>
-        <a:xfrm>
-          <a:off x="0" y="0"/>
-          <a:ext cx="0" cy="0"/>
-          <a:chOff x="0" y="0"/>
-          <a:chExt cx="0" cy="0"/>
-        </a:xfrm>
-      </p:grpSpPr>
-      <p:pic>
-        <p:nvPicPr>
-          <p:cNvPr id="1026" name="Picture 16" descr="copyright.gif"/>
-          <p:cNvPicPr>
-            <a:picLocks noChangeAspect="1"/>
-          </p:cNvPicPr>
-          <p:nvPr userDrawn="1"/>
-        </p:nvPicPr>
-        <p:blipFill>
-          <a:blip r:embed="rId15"/>
-          <a:srcRect/>
-          <a:stretch>
-            <a:fillRect/>
-          </a:stretch>
-        </p:blipFill>
-        <p:spPr bwMode="auto">
-          <a:xfrm>
-            <a:off x="4638675" y="6334125"/>
-            <a:ext cx="4048125" cy="523875"/>
-          </a:xfrm>
-          <a:prstGeom prst="rect">
-            <a:avLst/>
-          </a:prstGeom>
-          <a:noFill/>
-          <a:ln w="9525">
-            <a:noFill/>
-            <a:miter lim="800000"/>
-            <a:headEnd/>
-            <a:tailEnd/>
-          </a:ln>
-        </p:spPr>
-      </p:pic>
-      <p:sp>
-        <p:nvSpPr>
-          <p:cNvPr id="13" name="Freeform 12"/>
-          <p:cNvSpPr>
-            <a:spLocks/>
-          </p:cNvSpPr>
-          <p:nvPr/>
-        </p:nvSpPr>
-        <p:spPr bwMode="auto">
-          <a:xfrm>
-            <a:off x="715963" y="5002213"/>
-            <a:ext cx="3802062" cy="1443037"/>
-          </a:xfrm>
-          <a:custGeom>
-            <a:avLst>
-              <a:gd name="A1" fmla="val 0"/>
-              <a:gd name="A2" fmla="val 0"/>
-              <a:gd name="A3" fmla="val 0"/>
-              <a:gd name="A4" fmla="val 0"/>
-              <a:gd name="A5" fmla="val 0"/>
-              <a:gd name="A6" fmla="val 0"/>
-              <a:gd name="A7" fmla="val 0"/>
-              <a:gd name="A8" fmla="val 0"/>
-            </a:avLst>
-            <a:gdLst/>
-            <a:ahLst/>
-            <a:cxnLst>
-              <a:cxn ang="0">
-                <a:pos x="0" y="0"/>
-              </a:cxn>
-              <a:cxn ang="0">
-                <a:pos x="5760" y="0"/>
-              </a:cxn>
-              <a:cxn ang="0">
-                <a:pos x="5760" y="528"/>
-              </a:cxn>
-              <a:cxn ang="0">
-                <a:pos x="48" y="0"/>
-              </a:cxn>
-            </a:cxnLst>
-            <a:rect l="0" t="0" r="0" b="0"/>
-            <a:pathLst>
-              <a:path w="5760" h="528">
-                <a:moveTo>
-                  <a:pt x="-329" y="347"/>
-                </a:moveTo>
-                <a:lnTo>
-                  <a:pt x="7156" y="682"/>
-                </a:lnTo>
-                <a:lnTo>
-                  <a:pt x="5229" y="682"/>
-                </a:lnTo>
-                <a:lnTo>
-                  <a:pt x="-328" y="345"/>
-                </a:lnTo>
-              </a:path>
-            </a:pathLst>
-          </a:custGeom>
-          <a:solidFill>
-            <a:schemeClr val="accent1">
-              <a:tint val="65000"/>
-              <a:satMod val="115000"/>
-              <a:alpha val="40000"/>
-            </a:schemeClr>
-          </a:solidFill>
-          <a:ln w="9525" cap="flat" cmpd="sng" algn="ctr">
-            <a:noFill/>
-            <a:prstDash val="solid"/>
-            <a:round/>
-            <a:headEnd type="none" w="med" len="med"/>
-            <a:tailEnd type="none" w="med" len="med"/>
-          </a:ln>
-          <a:effectLst/>
-        </p:spPr>
-        <p:txBody>
-          <a:bodyPr/>
-          <a:lstStyle>
-            <a:extLst/>
-          </a:lstStyle>
-          <a:p>
-            <a:pPr>
-              <a:defRPr/>
-            </a:pPr>
-            <a:endParaRPr lang="en-US"/>
-          </a:p>
-        </p:txBody>
-      </p:sp>
-      <p:sp>
-        <p:nvSpPr>
-          <p:cNvPr id="12" name="Freeform 11"/>
-          <p:cNvSpPr>
-            <a:spLocks/>
-          </p:cNvSpPr>
-          <p:nvPr/>
-        </p:nvSpPr>
-        <p:spPr bwMode="auto">
-          <a:xfrm>
-            <a:off x="-53975" y="5784850"/>
-            <a:ext cx="3802063" cy="838200"/>
-          </a:xfrm>
-          <a:custGeom>
-            <a:avLst>
-              <a:gd name="A1" fmla="val 0"/>
-              <a:gd name="A2" fmla="val 0"/>
-              <a:gd name="A3" fmla="val 0"/>
-              <a:gd name="A4" fmla="val 0"/>
-              <a:gd name="A5" fmla="val 0"/>
-              <a:gd name="A6" fmla="val 0"/>
-              <a:gd name="A7" fmla="val 0"/>
-              <a:gd name="A8" fmla="val 0"/>
-            </a:avLst>
-            <a:gdLst/>
-            <a:ahLst/>
-            <a:cxnLst>
-              <a:cxn ang="0">
-                <a:pos x="0" y="0"/>
-              </a:cxn>
-              <a:cxn ang="0">
-                <a:pos x="5760" y="0"/>
-              </a:cxn>
-              <a:cxn ang="0">
-                <a:pos x="5760" y="528"/>
-              </a:cxn>
-              <a:cxn ang="0">
-                <a:pos x="48" y="0"/>
-              </a:cxn>
-            </a:cxnLst>
-            <a:rect l="0" t="0" r="0" b="0"/>
-            <a:pathLst>
-              <a:path w="5760" h="528">
-                <a:moveTo>
-                  <a:pt x="817" y="97"/>
-                </a:moveTo>
-                <a:lnTo>
-                  <a:pt x="6408" y="682"/>
-                </a:lnTo>
-                <a:lnTo>
-                  <a:pt x="5232" y="685"/>
-                </a:lnTo>
-                <a:lnTo>
-                  <a:pt x="829" y="101"/>
-                </a:lnTo>
-              </a:path>
-            </a:pathLst>
-          </a:custGeom>
-          <a:solidFill>
-            <a:srgbClr val="000000">
-              <a:alpha val="100000"/>
-            </a:srgbClr>
-          </a:solidFill>
-          <a:ln w="9525" cap="flat" cmpd="sng" algn="ctr">
-            <a:noFill/>
-            <a:prstDash val="solid"/>
-            <a:round/>
-            <a:headEnd type="none" w="med" len="med"/>
-            <a:tailEnd type="none" w="med" len="med"/>
-          </a:ln>
-          <a:effectLst/>
-        </p:spPr>
-        <p:txBody>
-          <a:bodyPr/>
-          <a:lstStyle>
-            <a:extLst/>
-          </a:lstStyle>
-          <a:p>
-            <a:pPr>
-              <a:defRPr/>
-            </a:pPr>
-            <a:endParaRPr lang="en-US"/>
-          </a:p>
-        </p:txBody>
-      </p:sp>
-      <p:sp>
-        <p:nvSpPr>
-          <p:cNvPr id="14" name="Right Triangle 13"/>
-          <p:cNvSpPr>
-            <a:spLocks/>
-          </p:cNvSpPr>
-          <p:nvPr/>
-        </p:nvSpPr>
-        <p:spPr bwMode="auto">
-          <a:xfrm>
-            <a:off x="-6042" y="5791253"/>
-            <a:ext cx="3402314" cy="1080868"/>
-          </a:xfrm>
-          <a:prstGeom prst="rtTriangle">
-            <a:avLst/>
-          </a:prstGeom>
-          <a:blipFill>
-            <a:blip r:embed="rId16">
-              <a:alphaModFix amt="50000"/>
-            </a:blip>
-            <a:tile tx="0" ty="0" sx="50000" sy="50000" flip="none" algn="t"/>
-          </a:blipFill>
-          <a:ln w="12700" cap="rnd" cmpd="thickThin" algn="ctr">
-            <a:noFill/>
-            <a:prstDash val="solid"/>
-          </a:ln>
-          <a:effectLst>
-            <a:fillOverlay blend="mult">
-              <a:gradFill flip="none" rotWithShape="1">
-                <a:gsLst>
-                  <a:gs pos="0">
-                    <a:schemeClr val="accent1">
-                      <a:shade val="20000"/>
-                      <a:satMod val="176000"/>
-                      <a:alpha val="100000"/>
-                    </a:schemeClr>
-                  </a:gs>
-                  <a:gs pos="18000">
-                    <a:schemeClr val="accent1">
-                      <a:shade val="48000"/>
-                      <a:satMod val="153000"/>
-                      <a:alpha val="100000"/>
-                    </a:schemeClr>
-                  </a:gs>
-                  <a:gs pos="43000">
-                    <a:schemeClr val="accent1">
-                      <a:tint val="86000"/>
-                      <a:satMod val="149000"/>
-                      <a:alpha val="100000"/>
-                    </a:schemeClr>
-                  </a:gs>
-                  <a:gs pos="45000">
-                    <a:schemeClr val="accent1">
-                      <a:tint val="85000"/>
-                      <a:satMod val="150000"/>
-                      <a:alpha val="100000"/>
-                    </a:schemeClr>
-                  </a:gs>
-                  <a:gs pos="50000">
-                    <a:schemeClr val="accent1">
-                      <a:tint val="86000"/>
-                      <a:satMod val="149000"/>
-                      <a:alpha val="100000"/>
-                    </a:schemeClr>
-                  </a:gs>
-                  <a:gs pos="79000">
-                    <a:schemeClr val="accent1">
-                      <a:shade val="53000"/>
-                      <a:satMod val="150000"/>
-                      <a:alpha val="100000"/>
-                    </a:schemeClr>
-                  </a:gs>
-                  <a:gs pos="100000">
-                    <a:schemeClr val="accent1">
-                      <a:shade val="25000"/>
-                      <a:satMod val="170000"/>
-                      <a:alpha val="100000"/>
-                    </a:schemeClr>
-                  </a:gs>
-                </a:gsLst>
-                <a:lin ang="450000" scaled="1"/>
-                <a:tileRect/>
-              </a:gradFill>
-            </a:fillOverlay>
-          </a:effectLst>
-        </p:spPr>
-        <p:style>
-          <a:lnRef idx="3">
-            <a:schemeClr val="lt1"/>
-          </a:lnRef>
-          <a:fillRef idx="1">
-            <a:schemeClr val="accent1"/>
-          </a:fillRef>
-          <a:effectRef idx="1">
-            <a:schemeClr val="accent1"/>
-          </a:effectRef>
-          <a:fontRef idx="minor">
-            <a:schemeClr val="lt1"/>
-          </a:fontRef>
-        </p:style>
-        <p:txBody>
-          <a:bodyPr anchor="ctr"/>
-          <a:lstStyle>
-            <a:extLst/>
-          </a:lstStyle>
+          <a:lstStyle/>
           <a:p>
             <a:pPr algn="ctr" eaLnBrk="1" hangingPunct="1">
               <a:defRPr/>
@@ -6599,15 +3262,12 @@
               <a:bevelT w="25400" h="25400"/>
             </a:sp3d>
           </a:bodyPr>
-          <a:lstStyle>
-            <a:extLst/>
-          </a:lstStyle>
-          <a:p>
-            <a:r>
-              <a:rPr lang="en-US" smtClean="0"/>
+          <a:lstStyle/>
+          <a:p>
+            <a:r>
+              <a:rPr lang="en-US"/>
               <a:t>Click to edit Master title style</a:t>
             </a:r>
-            <a:endParaRPr lang="en-US"/>
           </a:p>
         </p:txBody>
       </p:sp>
@@ -6647,35 +3307,35 @@
           <a:p>
             <a:pPr lvl="0"/>
             <a:r>
-              <a:rPr lang="en-US" smtClean="0"/>
-              <a:t>Click to edit Master text styles</a:t>
+              <a:rPr lang="en-US"/>
+              <a:t>Edit Master text styles</a:t>
             </a:r>
           </a:p>
           <a:p>
             <a:pPr lvl="1"/>
             <a:r>
-              <a:rPr lang="en-US" smtClean="0"/>
+              <a:rPr lang="en-US"/>
               <a:t>Second level</a:t>
             </a:r>
           </a:p>
           <a:p>
             <a:pPr lvl="2"/>
             <a:r>
-              <a:rPr lang="en-US" smtClean="0"/>
+              <a:rPr lang="en-US"/>
               <a:t>Third level</a:t>
             </a:r>
           </a:p>
           <a:p>
             <a:pPr lvl="3"/>
             <a:r>
-              <a:rPr lang="en-US" smtClean="0"/>
+              <a:rPr lang="en-US"/>
               <a:t>Fourth level</a:t>
             </a:r>
           </a:p>
           <a:p>
             <a:pPr lvl="4"/>
             <a:r>
-              <a:rPr lang="en-US" smtClean="0"/>
+              <a:rPr lang="en-US"/>
               <a:t>Fifth level</a:t>
             </a:r>
           </a:p>
@@ -6704,7 +3364,7 @@
           <a:bodyPr vert="horz" anchor="b"/>
           <a:lstStyle>
             <a:lvl1pPr algn="r" eaLnBrk="1" latinLnBrk="0" hangingPunct="1">
-              <a:defRPr kumimoji="0" sz="1000" b="0" smtClean="0">
+              <a:defRPr kumimoji="0" sz="1000" b="0">
                 <a:solidFill>
                   <a:schemeClr val="tx1"/>
                 </a:solidFill>
@@ -6717,7 +3377,7 @@
               <a:defRPr/>
             </a:pPr>
             <a:fld id="{86586E5B-28A7-42A4-8CAD-9F2297D5FB9A}" type="slidenum">
-              <a:rPr lang="en-US"/>
+              <a:rPr lang="en-US" smtClean="0"/>
               <a:pPr>
                 <a:defRPr/>
               </a:pPr>
@@ -6727,60 +3387,25 @@
           </a:p>
         </p:txBody>
       </p:sp>
-      <p:pic>
-        <p:nvPicPr>
-          <p:cNvPr id="1036" name="Picture 4" descr="cover"/>
-          <p:cNvPicPr>
-            <a:picLocks noChangeAspect="1" noChangeArrowheads="1"/>
-          </p:cNvPicPr>
-          <p:nvPr userDrawn="1"/>
-        </p:nvPicPr>
-        <p:blipFill>
-          <a:blip r:embed="rId17"/>
-          <a:srcRect/>
-          <a:stretch>
-            <a:fillRect/>
-          </a:stretch>
-        </p:blipFill>
-        <p:spPr bwMode="auto">
-          <a:xfrm>
-            <a:off x="8397875" y="0"/>
-            <a:ext cx="746125" cy="917575"/>
-          </a:xfrm>
-          <a:prstGeom prst="rect">
-            <a:avLst/>
-          </a:prstGeom>
-          <a:noFill/>
-          <a:ln w="76200">
-            <a:noFill/>
-            <a:miter lim="800000"/>
-            <a:headEnd/>
-            <a:tailEnd/>
-          </a:ln>
-        </p:spPr>
-      </p:pic>
     </p:spTree>
+    <p:extLst>
+      <p:ext uri="{BB962C8B-B14F-4D97-AF65-F5344CB8AC3E}">
+        <p14:creationId xmlns:p14="http://schemas.microsoft.com/office/powerpoint/2010/main" val="3564268448"/>
+      </p:ext>
+    </p:extLst>
   </p:cSld>
   <p:clrMap bg1="lt1" tx1="dk1" bg2="lt2" tx2="dk2" accent1="accent1" accent2="accent2" accent3="accent3" accent4="accent4" accent5="accent5" accent6="accent6" hlink="hlink" folHlink="folHlink"/>
   <p:sldLayoutIdLst>
-    <p:sldLayoutId id="2147483706" r:id="rId1"/>
-    <p:sldLayoutId id="2147483707" r:id="rId2"/>
-    <p:sldLayoutId id="2147483708" r:id="rId3"/>
-    <p:sldLayoutId id="2147483709" r:id="rId4"/>
-    <p:sldLayoutId id="2147483710" r:id="rId5"/>
-    <p:sldLayoutId id="2147483711" r:id="rId6"/>
-    <p:sldLayoutId id="2147483712" r:id="rId7"/>
-    <p:sldLayoutId id="2147483713" r:id="rId8"/>
-    <p:sldLayoutId id="2147483714" r:id="rId9"/>
-    <p:sldLayoutId id="2147483715" r:id="rId10"/>
-    <p:sldLayoutId id="2147483716" r:id="rId11"/>
-    <p:sldLayoutId id="2147483717" r:id="rId12"/>
-    <p:sldLayoutId id="2147483718" r:id="rId13"/>
+    <p:sldLayoutId id="2147483720" r:id="rId1"/>
+    <p:sldLayoutId id="2147483721" r:id="rId2"/>
+    <p:sldLayoutId id="2147483722" r:id="rId3"/>
+    <p:sldLayoutId id="2147483723" r:id="rId4"/>
+    <p:sldLayoutId id="2147483724" r:id="rId5"/>
   </p:sldLayoutIdLst>
   <p:hf hdr="0"/>
   <p:txStyles>
     <p:titleStyle>
-      <a:lvl1pPr algn="l" rtl="0" fontAlgn="base">
+      <a:lvl1pPr algn="l" rtl="0" eaLnBrk="1" fontAlgn="base" hangingPunct="1">
         <a:spcBef>
           <a:spcPct val="0"/>
         </a:spcBef>
@@ -6803,7 +3428,7 @@
           <a:cs typeface="+mj-cs"/>
         </a:defRPr>
       </a:lvl1pPr>
-      <a:lvl2pPr algn="l" rtl="0" fontAlgn="base">
+      <a:lvl2pPr algn="l" rtl="0" eaLnBrk="1" fontAlgn="base" hangingPunct="1">
         <a:spcBef>
           <a:spcPct val="0"/>
         </a:spcBef>
@@ -6817,7 +3442,7 @@
           <a:latin typeface="Lucida Sans Unicode" pitchFamily="34" charset="0"/>
         </a:defRPr>
       </a:lvl2pPr>
-      <a:lvl3pPr algn="l" rtl="0" fontAlgn="base">
+      <a:lvl3pPr algn="l" rtl="0" eaLnBrk="1" fontAlgn="base" hangingPunct="1">
         <a:spcBef>
           <a:spcPct val="0"/>
         </a:spcBef>
@@ -6831,7 +3456,7 @@
           <a:latin typeface="Lucida Sans Unicode" pitchFamily="34" charset="0"/>
         </a:defRPr>
       </a:lvl3pPr>
-      <a:lvl4pPr algn="l" rtl="0" fontAlgn="base">
+      <a:lvl4pPr algn="l" rtl="0" eaLnBrk="1" fontAlgn="base" hangingPunct="1">
         <a:spcBef>
           <a:spcPct val="0"/>
         </a:spcBef>
@@ -6845,7 +3470,7 @@
           <a:latin typeface="Lucida Sans Unicode" pitchFamily="34" charset="0"/>
         </a:defRPr>
       </a:lvl4pPr>
-      <a:lvl5pPr algn="l" rtl="0" fontAlgn="base">
+      <a:lvl5pPr algn="l" rtl="0" eaLnBrk="1" fontAlgn="base" hangingPunct="1">
         <a:spcBef>
           <a:spcPct val="0"/>
         </a:spcBef>
@@ -6859,7 +3484,7 @@
           <a:latin typeface="Lucida Sans Unicode" pitchFamily="34" charset="0"/>
         </a:defRPr>
       </a:lvl5pPr>
-      <a:lvl6pPr marL="457200" algn="l" rtl="0" fontAlgn="base">
+      <a:lvl6pPr marL="457200" algn="l" rtl="0" eaLnBrk="1" fontAlgn="base" hangingPunct="1">
         <a:spcBef>
           <a:spcPct val="0"/>
         </a:spcBef>
@@ -6873,7 +3498,7 @@
           <a:latin typeface="Lucida Sans Unicode" pitchFamily="34" charset="0"/>
         </a:defRPr>
       </a:lvl6pPr>
-      <a:lvl7pPr marL="914400" algn="l" rtl="0" fontAlgn="base">
+      <a:lvl7pPr marL="914400" algn="l" rtl="0" eaLnBrk="1" fontAlgn="base" hangingPunct="1">
         <a:spcBef>
           <a:spcPct val="0"/>
         </a:spcBef>
@@ -6887,7 +3512,7 @@
           <a:latin typeface="Lucida Sans Unicode" pitchFamily="34" charset="0"/>
         </a:defRPr>
       </a:lvl7pPr>
-      <a:lvl8pPr marL="1371600" algn="l" rtl="0" fontAlgn="base">
+      <a:lvl8pPr marL="1371600" algn="l" rtl="0" eaLnBrk="1" fontAlgn="base" hangingPunct="1">
         <a:spcBef>
           <a:spcPct val="0"/>
         </a:spcBef>
@@ -6901,7 +3526,7 @@
           <a:latin typeface="Lucida Sans Unicode" pitchFamily="34" charset="0"/>
         </a:defRPr>
       </a:lvl8pPr>
-      <a:lvl9pPr marL="1828800" algn="l" rtl="0" fontAlgn="base">
+      <a:lvl9pPr marL="1828800" algn="l" rtl="0" eaLnBrk="1" fontAlgn="base" hangingPunct="1">
         <a:spcBef>
           <a:spcPct val="0"/>
         </a:spcBef>
@@ -6918,7 +3543,7 @@
       <a:extLst/>
     </p:titleStyle>
     <p:bodyStyle>
-      <a:lvl1pPr marL="365125" indent="-255588" algn="l" rtl="0" fontAlgn="base">
+      <a:lvl1pPr marL="365125" indent="-255588" algn="l" rtl="0" eaLnBrk="1" fontAlgn="base" hangingPunct="1">
         <a:spcBef>
           <a:spcPts val="400"/>
         </a:spcBef>
@@ -6940,7 +3565,7 @@
           <a:cs typeface="+mn-cs"/>
         </a:defRPr>
       </a:lvl1pPr>
-      <a:lvl2pPr marL="620713" indent="-228600" algn="l" rtl="0" fontAlgn="base">
+      <a:lvl2pPr marL="620713" indent="-228600" algn="l" rtl="0" eaLnBrk="1" fontAlgn="base" hangingPunct="1">
         <a:spcBef>
           <a:spcPts val="325"/>
         </a:spcBef>
@@ -6961,7 +3586,7 @@
           <a:cs typeface="+mn-cs"/>
         </a:defRPr>
       </a:lvl2pPr>
-      <a:lvl3pPr marL="858838" indent="-228600" algn="l" rtl="0" fontAlgn="base">
+      <a:lvl3pPr marL="858838" indent="-228600" algn="l" rtl="0" eaLnBrk="1" fontAlgn="base" hangingPunct="1">
         <a:spcBef>
           <a:spcPts val="350"/>
         </a:spcBef>
@@ -6983,7 +3608,7 @@
           <a:cs typeface="+mn-cs"/>
         </a:defRPr>
       </a:lvl3pPr>
-      <a:lvl4pPr marL="1143000" indent="-228600" algn="l" rtl="0" fontAlgn="base">
+      <a:lvl4pPr marL="1143000" indent="-228600" algn="l" rtl="0" eaLnBrk="1" fontAlgn="base" hangingPunct="1">
         <a:spcBef>
           <a:spcPts val="350"/>
         </a:spcBef>
@@ -7004,7 +3629,7 @@
           <a:cs typeface="+mn-cs"/>
         </a:defRPr>
       </a:lvl4pPr>
-      <a:lvl5pPr marL="1371600" indent="-228600" algn="l" rtl="0" fontAlgn="base">
+      <a:lvl5pPr marL="1371600" indent="-228600" algn="l" rtl="0" eaLnBrk="1" fontAlgn="base" hangingPunct="1">
         <a:spcBef>
           <a:spcPts val="350"/>
         </a:spcBef>
@@ -7016,7 +3641,7 @@
         </a:buClr>
         <a:buFont typeface="Wingdings 2" pitchFamily="18" charset="2"/>
         <a:buChar char=""/>
-        <a:defRPr kern="1200">
+        <a:defRPr sz="2000" kern="1200">
           <a:solidFill>
             <a:schemeClr val="tx1"/>
           </a:solidFill>
@@ -7241,70 +3866,16 @@
             </a:pPr>
             <a:r>
               <a:rPr lang="en-US" dirty="0"/>
-              <a:t>Chapter </a:t>
-            </a:r>
-            <a:r>
-              <a:rPr lang="en-US" dirty="0" smtClean="0"/>
-              <a:t>12 </a:t>
-            </a:r>
-            <a:r>
-              <a:rPr lang="en-US" dirty="0"/>
-              <a:t>– </a:t>
-            </a:r>
-            <a:r>
-              <a:rPr lang="en-US" dirty="0" smtClean="0"/>
-              <a:t>Oral Presentations</a:t>
-            </a:r>
-            <a:endParaRPr lang="en-US" dirty="0"/>
+              <a:t>Chapter 12 – Oral Presentations</a:t>
+            </a:r>
           </a:p>
         </p:txBody>
       </p:sp>
-      <p:pic>
-        <p:nvPicPr>
-          <p:cNvPr id="15363" name="Picture 4" descr="cover"/>
-          <p:cNvPicPr>
-            <a:picLocks noChangeAspect="1" noChangeArrowheads="1"/>
-          </p:cNvPicPr>
-          <p:nvPr/>
-        </p:nvPicPr>
-        <p:blipFill>
-          <a:blip r:embed="rId3"/>
-          <a:srcRect/>
-          <a:stretch>
-            <a:fillRect/>
-          </a:stretch>
-        </p:blipFill>
-        <p:spPr bwMode="auto">
-          <a:xfrm>
-            <a:off x="990600" y="2743200"/>
-            <a:ext cx="2974975" cy="3657600"/>
-          </a:xfrm>
-          <a:prstGeom prst="rect">
-            <a:avLst/>
-          </a:prstGeom>
-          <a:noFill/>
-          <a:ln w="76200">
-            <a:solidFill>
-              <a:srgbClr val="000000"/>
-            </a:solidFill>
-            <a:miter lim="800000"/>
-            <a:headEnd/>
-            <a:tailEnd/>
-          </a:ln>
-        </p:spPr>
-      </p:pic>
     </p:spTree>
   </p:cSld>
   <p:clrMapOvr>
     <a:masterClrMapping/>
   </p:clrMapOvr>
-  <p:timing>
-    <p:tnLst>
-      <p:par>
-        <p:cTn id="1" dur="indefinite" restart="never" nodeType="tmRoot"/>
-      </p:par>
-    </p:tnLst>
-  </p:timing>
 </p:sld>
 </file>
 
@@ -7349,7 +3920,7 @@
               <a:defRPr/>
             </a:pPr>
             <a:r>
-              <a:rPr lang="en-US" smtClean="0"/>
+              <a:rPr lang="en-US"/>
               <a:t>Audience</a:t>
             </a:r>
           </a:p>
@@ -7392,7 +3963,7 @@
               <a:defRPr/>
             </a:pPr>
             <a:r>
-              <a:rPr lang="en-US" dirty="0" smtClean="0"/>
+              <a:rPr lang="en-US" dirty="0"/>
               <a:t>It's the audience stupid!</a:t>
             </a:r>
           </a:p>
@@ -7412,7 +3983,7 @@
               <a:defRPr/>
             </a:pPr>
             <a:r>
-              <a:rPr lang="en-US" dirty="0" smtClean="0"/>
+              <a:rPr lang="en-US" dirty="0"/>
               <a:t>Analyze your audience</a:t>
             </a:r>
           </a:p>
@@ -7432,7 +4003,7 @@
               <a:defRPr/>
             </a:pPr>
             <a:r>
-              <a:rPr lang="en-US" sz="2800" dirty="0" smtClean="0"/>
+              <a:rPr lang="en-US" sz="2800" dirty="0"/>
               <a:t>What are they interested in?</a:t>
             </a:r>
           </a:p>
@@ -7452,7 +4023,7 @@
               <a:defRPr/>
             </a:pPr>
             <a:r>
-              <a:rPr lang="en-US" sz="2800" dirty="0" smtClean="0"/>
+              <a:rPr lang="en-US" sz="2800" dirty="0"/>
               <a:t>What do they want from your talk?</a:t>
             </a:r>
           </a:p>
@@ -7472,7 +4043,7 @@
               <a:defRPr/>
             </a:pPr>
             <a:r>
-              <a:rPr lang="en-US" sz="2800" dirty="0" smtClean="0"/>
+              <a:rPr lang="en-US" sz="2800" dirty="0"/>
               <a:t>What does the audience already know about my talk?  </a:t>
             </a:r>
           </a:p>
@@ -7492,7 +4063,7 @@
               <a:defRPr/>
             </a:pPr>
             <a:r>
-              <a:rPr lang="en-US" sz="2800" dirty="0" smtClean="0"/>
+              <a:rPr lang="en-US" sz="2800" dirty="0"/>
               <a:t>What don't they know?</a:t>
             </a:r>
           </a:p>
@@ -7512,7 +4083,7 @@
               <a:defRPr/>
             </a:pPr>
             <a:r>
-              <a:rPr lang="en-US" sz="2800" dirty="0" smtClean="0"/>
+              <a:rPr lang="en-US" sz="2800" dirty="0"/>
               <a:t>What is the attitude of the audience towards me and my subject?</a:t>
             </a:r>
           </a:p>
@@ -7532,7 +4103,7 @@
               <a:defRPr/>
             </a:pPr>
             <a:r>
-              <a:rPr lang="en-US" sz="2800" dirty="0" smtClean="0"/>
+              <a:rPr lang="en-US" sz="2800" dirty="0"/>
               <a:t>What are the values of my audience?</a:t>
             </a:r>
           </a:p>
@@ -7552,15 +4123,15 @@
               <a:defRPr/>
             </a:pPr>
             <a:r>
-              <a:rPr lang="en-US" dirty="0" smtClean="0"/>
+              <a:rPr lang="en-US" dirty="0"/>
               <a:t>Remember </a:t>
             </a:r>
             <a:r>
-              <a:rPr lang="en-US" b="1" i="1" dirty="0" smtClean="0"/>
+              <a:rPr lang="en-US" b="1" i="1" dirty="0"/>
               <a:t>credibility</a:t>
             </a:r>
             <a:r>
-              <a:rPr lang="en-US" dirty="0" smtClean="0"/>
+              <a:rPr lang="en-US" dirty="0"/>
               <a:t> - you must have their interest at heart - not yours!</a:t>
             </a:r>
           </a:p>
@@ -7579,7 +4150,7 @@
               <a:buChar char=""/>
               <a:defRPr/>
             </a:pPr>
-            <a:endParaRPr lang="en-US" dirty="0" smtClean="0"/>
+            <a:endParaRPr lang="en-US" dirty="0"/>
           </a:p>
         </p:txBody>
       </p:sp>
@@ -7639,7 +4210,7 @@
               <a:pPr/>
               <a:t>10</a:t>
             </a:fld>
-            <a:endParaRPr lang="en-US" smtClean="0"/>
+            <a:endParaRPr lang="en-US"/>
           </a:p>
         </p:txBody>
       </p:sp>
@@ -8058,7 +4629,7 @@
               </a:spcAft>
             </a:pPr>
             <a:r>
-              <a:rPr lang="en-US" smtClean="0"/>
+              <a:rPr lang="en-US"/>
               <a:t>Identify the main points in that you want to get across.  </a:t>
             </a:r>
           </a:p>
@@ -8072,7 +4643,7 @@
               </a:spcAft>
             </a:pPr>
             <a:r>
-              <a:rPr lang="en-US" smtClean="0">
+              <a:rPr lang="en-US">
                 <a:solidFill>
                   <a:srgbClr val="CC0000"/>
                 </a:solidFill>
@@ -8090,15 +4661,15 @@
               </a:spcAft>
             </a:pPr>
             <a:r>
-              <a:rPr lang="en-US" smtClean="0"/>
+              <a:rPr lang="en-US"/>
               <a:t>Emphasize </a:t>
             </a:r>
             <a:r>
-              <a:rPr lang="en-US" b="1" i="1" smtClean="0"/>
+              <a:rPr lang="en-US" b="1" i="1"/>
               <a:t>3 main points</a:t>
             </a:r>
             <a:r>
-              <a:rPr lang="en-US" smtClean="0"/>
+              <a:rPr lang="en-US"/>
               <a:t> in your talk.  Research supports that people forget more than that.</a:t>
             </a:r>
           </a:p>
@@ -8112,7 +4683,7 @@
               </a:spcAft>
             </a:pPr>
             <a:r>
-              <a:rPr lang="en-US" smtClean="0"/>
+              <a:rPr lang="en-US"/>
               <a:t>Structure your presentation to support these points.</a:t>
             </a:r>
           </a:p>
@@ -8126,8 +4697,36 @@
               </a:spcAft>
             </a:pPr>
             <a:r>
-              <a:rPr lang="en-US" smtClean="0"/>
+              <a:rPr lang="en-US"/>
               <a:t>OK, OK, maybe 4 or 5 points.</a:t>
+            </a:r>
+          </a:p>
+        </p:txBody>
+      </p:sp>
+      <p:sp>
+        <p:nvSpPr>
+          <p:cNvPr id="13317" name="AutoShape 2"/>
+          <p:cNvSpPr>
+            <a:spLocks noGrp="1" noChangeArrowheads="1"/>
+          </p:cNvSpPr>
+          <p:nvPr>
+            <p:ph type="title"/>
+          </p:nvPr>
+        </p:nvSpPr>
+        <p:spPr/>
+        <p:txBody>
+          <a:bodyPr/>
+          <a:lstStyle/>
+          <a:p>
+            <a:pPr fontAlgn="auto">
+              <a:spcAft>
+                <a:spcPts val="0"/>
+              </a:spcAft>
+              <a:defRPr/>
+            </a:pPr>
+            <a:r>
+              <a:rPr lang="en-US" sz="3200"/>
+              <a:t>Determine Main Points</a:t>
             </a:r>
           </a:p>
         </p:txBody>
@@ -8164,34 +4763,6 @@
               <a:t>11</a:t>
             </a:fld>
             <a:endParaRPr lang="en-US"/>
-          </a:p>
-        </p:txBody>
-      </p:sp>
-      <p:sp>
-        <p:nvSpPr>
-          <p:cNvPr id="13317" name="AutoShape 2"/>
-          <p:cNvSpPr>
-            <a:spLocks noGrp="1" noChangeArrowheads="1"/>
-          </p:cNvSpPr>
-          <p:nvPr>
-            <p:ph type="title"/>
-          </p:nvPr>
-        </p:nvSpPr>
-        <p:spPr/>
-        <p:txBody>
-          <a:bodyPr/>
-          <a:lstStyle/>
-          <a:p>
-            <a:pPr fontAlgn="auto">
-              <a:spcAft>
-                <a:spcPts val="0"/>
-              </a:spcAft>
-              <a:defRPr/>
-            </a:pPr>
-            <a:r>
-              <a:rPr lang="en-US" sz="3200" smtClean="0"/>
-              <a:t>Determine Main Points</a:t>
-            </a:r>
           </a:p>
         </p:txBody>
       </p:sp>
@@ -8521,10 +5092,10 @@
               <a:buNone/>
             </a:pPr>
             <a:r>
-              <a:rPr lang="en-US" b="1" i="1" u="sng" smtClean="0"/>
+              <a:rPr lang="en-US" b="1" i="1" u="sng"/>
               <a:t>A Formula for Successful Presentation</a:t>
             </a:r>
-            <a:endParaRPr lang="en-US" smtClean="0"/>
+            <a:endParaRPr lang="en-US"/>
           </a:p>
           <a:p>
             <a:pPr>
@@ -8533,7 +5104,7 @@
               </a:lnSpc>
             </a:pPr>
             <a:r>
-              <a:rPr lang="en-US" smtClean="0"/>
+              <a:rPr lang="en-US"/>
               <a:t>Know the subject (substance does matter!)</a:t>
             </a:r>
           </a:p>
@@ -8544,7 +5115,7 @@
               </a:lnSpc>
             </a:pPr>
             <a:r>
-              <a:rPr lang="en-US" smtClean="0"/>
+              <a:rPr lang="en-US"/>
               <a:t>Know the audience</a:t>
             </a:r>
           </a:p>
@@ -8555,7 +5126,7 @@
               </a:lnSpc>
             </a:pPr>
             <a:r>
-              <a:rPr lang="en-US" smtClean="0"/>
+              <a:rPr lang="en-US"/>
               <a:t>Prepare</a:t>
             </a:r>
           </a:p>
@@ -8567,7 +5138,7 @@
               <a:buFont typeface="Wingdings" pitchFamily="2" charset="2"/>
               <a:buNone/>
             </a:pPr>
-            <a:endParaRPr lang="en-US" b="1" i="1" u="sng" smtClean="0"/>
+            <a:endParaRPr lang="en-US" b="1" i="1" u="sng"/>
           </a:p>
           <a:p>
             <a:pPr>
@@ -8578,10 +5149,10 @@
               <a:buNone/>
             </a:pPr>
             <a:r>
-              <a:rPr lang="en-US" b="1" i="1" u="sng" smtClean="0"/>
+              <a:rPr lang="en-US" b="1" i="1" u="sng"/>
               <a:t>The Conventional Wisdom</a:t>
             </a:r>
-            <a:endParaRPr lang="en-US" smtClean="0"/>
+            <a:endParaRPr lang="en-US"/>
           </a:p>
           <a:p>
             <a:pPr>
@@ -8590,7 +5161,7 @@
               </a:lnSpc>
             </a:pPr>
             <a:r>
-              <a:rPr lang="en-US" smtClean="0"/>
+              <a:rPr lang="en-US"/>
               <a:t>Tell them what you are going to tell them.</a:t>
             </a:r>
           </a:p>
@@ -8601,7 +5172,7 @@
               </a:lnSpc>
             </a:pPr>
             <a:r>
-              <a:rPr lang="en-US" smtClean="0"/>
+              <a:rPr lang="en-US"/>
               <a:t>Tell it to them.</a:t>
             </a:r>
           </a:p>
@@ -8612,8 +5183,36 @@
               </a:lnSpc>
             </a:pPr>
             <a:r>
-              <a:rPr lang="en-US" smtClean="0"/>
+              <a:rPr lang="en-US"/>
               <a:t>Conclude by telling them what you just told them.</a:t>
+            </a:r>
+          </a:p>
+        </p:txBody>
+      </p:sp>
+      <p:sp>
+        <p:nvSpPr>
+          <p:cNvPr id="15365" name="AutoShape 2"/>
+          <p:cNvSpPr>
+            <a:spLocks noGrp="1" noChangeArrowheads="1"/>
+          </p:cNvSpPr>
+          <p:nvPr>
+            <p:ph type="title"/>
+          </p:nvPr>
+        </p:nvSpPr>
+        <p:spPr/>
+        <p:txBody>
+          <a:bodyPr/>
+          <a:lstStyle/>
+          <a:p>
+            <a:pPr fontAlgn="auto">
+              <a:spcAft>
+                <a:spcPts val="0"/>
+              </a:spcAft>
+              <a:defRPr/>
+            </a:pPr>
+            <a:r>
+              <a:rPr lang="en-US"/>
+              <a:t>Formula for Success</a:t>
             </a:r>
           </a:p>
         </p:txBody>
@@ -8653,46 +5252,11 @@
           </a:p>
         </p:txBody>
       </p:sp>
-      <p:sp>
-        <p:nvSpPr>
-          <p:cNvPr id="15365" name="AutoShape 2"/>
-          <p:cNvSpPr>
-            <a:spLocks noGrp="1" noChangeArrowheads="1"/>
-          </p:cNvSpPr>
-          <p:nvPr>
-            <p:ph type="title"/>
-          </p:nvPr>
-        </p:nvSpPr>
-        <p:spPr/>
-        <p:txBody>
-          <a:bodyPr/>
-          <a:lstStyle/>
-          <a:p>
-            <a:pPr fontAlgn="auto">
-              <a:spcAft>
-                <a:spcPts val="0"/>
-              </a:spcAft>
-              <a:defRPr/>
-            </a:pPr>
-            <a:r>
-              <a:rPr lang="en-US" smtClean="0"/>
-              <a:t>Formula for Success</a:t>
-            </a:r>
-          </a:p>
-        </p:txBody>
-      </p:sp>
     </p:spTree>
   </p:cSld>
   <p:clrMapOvr>
     <a:masterClrMapping/>
   </p:clrMapOvr>
-  <p:timing>
-    <p:tnLst>
-      <p:par>
-        <p:cTn id="1" dur="indefinite" restart="never" nodeType="tmRoot"/>
-      </p:par>
-    </p:tnLst>
-  </p:timing>
 </p:sld>
 </file>
 
@@ -8739,7 +5303,7 @@
               <a:buNone/>
             </a:pPr>
             <a:r>
-              <a:rPr lang="en-US" sz="2800" smtClean="0"/>
+              <a:rPr lang="en-US" sz="2800"/>
               <a:t>Absolutely critical that your introduce the material well:</a:t>
             </a:r>
           </a:p>
@@ -8753,11 +5317,11 @@
               </a:spcAft>
             </a:pPr>
             <a:r>
-              <a:rPr lang="en-US" sz="2800" i="1" smtClean="0"/>
+              <a:rPr lang="en-US" sz="2800" i="1"/>
               <a:t>"Nothing should be explained in such a way that it cannot be understood by an intelligent 12 year old",</a:t>
             </a:r>
             <a:r>
-              <a:rPr lang="en-US" sz="2800" smtClean="0"/>
+              <a:rPr lang="en-US" sz="2800"/>
               <a:t> Albert Einstein.</a:t>
             </a:r>
           </a:p>
@@ -8771,15 +5335,15 @@
               </a:spcAft>
             </a:pPr>
             <a:r>
-              <a:rPr lang="en-US" sz="2800" smtClean="0"/>
+              <a:rPr lang="en-US" sz="2800"/>
               <a:t>Einstein's statement is especially important in the </a:t>
             </a:r>
             <a:r>
-              <a:rPr lang="en-US" sz="2800" u="sng" smtClean="0"/>
+              <a:rPr lang="en-US" sz="2800" u="sng"/>
               <a:t>Introduction</a:t>
             </a:r>
             <a:r>
-              <a:rPr lang="en-US" sz="2800" smtClean="0"/>
+              <a:rPr lang="en-US" sz="2800"/>
               <a:t>.  Take time to explain the problem in simple terms.</a:t>
             </a:r>
           </a:p>
@@ -8793,8 +5357,36 @@
               </a:spcAft>
             </a:pPr>
             <a:r>
-              <a:rPr lang="en-US" sz="2800" smtClean="0"/>
+              <a:rPr lang="en-US" sz="2800"/>
               <a:t>If the audience does not understand it from the beginning, they tune you out!</a:t>
+            </a:r>
+          </a:p>
+        </p:txBody>
+      </p:sp>
+      <p:sp>
+        <p:nvSpPr>
+          <p:cNvPr id="16389" name="AutoShape 2"/>
+          <p:cNvSpPr>
+            <a:spLocks noGrp="1" noChangeArrowheads="1"/>
+          </p:cNvSpPr>
+          <p:nvPr>
+            <p:ph type="title"/>
+          </p:nvPr>
+        </p:nvSpPr>
+        <p:spPr/>
+        <p:txBody>
+          <a:bodyPr/>
+          <a:lstStyle/>
+          <a:p>
+            <a:pPr fontAlgn="auto">
+              <a:spcAft>
+                <a:spcPts val="0"/>
+              </a:spcAft>
+              <a:defRPr/>
+            </a:pPr>
+            <a:r>
+              <a:rPr lang="en-US"/>
+              <a:t>The Introduction</a:t>
             </a:r>
           </a:p>
         </p:txBody>
@@ -8831,34 +5423,6 @@
               <a:t>13</a:t>
             </a:fld>
             <a:endParaRPr lang="en-US"/>
-          </a:p>
-        </p:txBody>
-      </p:sp>
-      <p:sp>
-        <p:nvSpPr>
-          <p:cNvPr id="16389" name="AutoShape 2"/>
-          <p:cNvSpPr>
-            <a:spLocks noGrp="1" noChangeArrowheads="1"/>
-          </p:cNvSpPr>
-          <p:nvPr>
-            <p:ph type="title"/>
-          </p:nvPr>
-        </p:nvSpPr>
-        <p:spPr/>
-        <p:txBody>
-          <a:bodyPr/>
-          <a:lstStyle/>
-          <a:p>
-            <a:pPr fontAlgn="auto">
-              <a:spcAft>
-                <a:spcPts val="0"/>
-              </a:spcAft>
-              <a:defRPr/>
-            </a:pPr>
-            <a:r>
-              <a:rPr lang="en-US" smtClean="0"/>
-              <a:t>The Introduction</a:t>
-            </a:r>
           </a:p>
         </p:txBody>
       </p:sp>
@@ -9142,7 +5706,7 @@
               <a:buNone/>
             </a:pPr>
             <a:r>
-              <a:rPr lang="en-US" sz="3200" smtClean="0"/>
+              <a:rPr lang="en-US" sz="3200"/>
               <a:t>Goal: Interest the audience</a:t>
             </a:r>
           </a:p>
@@ -9156,7 +5720,7 @@
               </a:spcAft>
             </a:pPr>
             <a:r>
-              <a:rPr lang="en-US" smtClean="0"/>
+              <a:rPr lang="en-US"/>
               <a:t>Rhetorical questions</a:t>
             </a:r>
           </a:p>
@@ -9170,7 +5734,7 @@
               </a:spcAft>
             </a:pPr>
             <a:r>
-              <a:rPr lang="en-US" smtClean="0"/>
+              <a:rPr lang="en-US"/>
               <a:t>Narrate an experience the audience can relate to</a:t>
             </a:r>
           </a:p>
@@ -9184,7 +5748,7 @@
               </a:spcAft>
             </a:pPr>
             <a:r>
-              <a:rPr lang="en-US" smtClean="0"/>
+              <a:rPr lang="en-US"/>
               <a:t>Motivate them to listen</a:t>
             </a:r>
           </a:p>
@@ -9198,7 +5762,7 @@
               </a:spcAft>
             </a:pPr>
             <a:r>
-              <a:rPr lang="en-US" smtClean="0"/>
+              <a:rPr lang="en-US"/>
               <a:t>Answer the what? Why? And why person should listen?</a:t>
             </a:r>
           </a:p>
@@ -9212,8 +5776,38 @@
               </a:spcAft>
             </a:pPr>
             <a:r>
-              <a:rPr lang="en-US" smtClean="0"/>
+              <a:rPr lang="en-US"/>
               <a:t>Use a joke (if you are good – and brave)</a:t>
+            </a:r>
+          </a:p>
+        </p:txBody>
+      </p:sp>
+      <p:sp>
+        <p:nvSpPr>
+          <p:cNvPr id="17413" name="AutoShape 2"/>
+          <p:cNvSpPr>
+            <a:spLocks noGrp="1" noChangeArrowheads="1"/>
+          </p:cNvSpPr>
+          <p:nvPr>
+            <p:ph type="title"/>
+          </p:nvPr>
+        </p:nvSpPr>
+        <p:spPr/>
+        <p:txBody>
+          <a:bodyPr>
+            <a:normAutofit fontScale="90000"/>
+          </a:bodyPr>
+          <a:lstStyle/>
+          <a:p>
+            <a:pPr fontAlgn="auto">
+              <a:spcAft>
+                <a:spcPts val="0"/>
+              </a:spcAft>
+              <a:defRPr/>
+            </a:pPr>
+            <a:r>
+              <a:rPr lang="en-US"/>
+              <a:t>Keys to an Effective Introduction</a:t>
             </a:r>
           </a:p>
         </p:txBody>
@@ -9253,48 +5847,11 @@
           </a:p>
         </p:txBody>
       </p:sp>
-      <p:sp>
-        <p:nvSpPr>
-          <p:cNvPr id="17413" name="AutoShape 2"/>
-          <p:cNvSpPr>
-            <a:spLocks noGrp="1" noChangeArrowheads="1"/>
-          </p:cNvSpPr>
-          <p:nvPr>
-            <p:ph type="title"/>
-          </p:nvPr>
-        </p:nvSpPr>
-        <p:spPr/>
-        <p:txBody>
-          <a:bodyPr>
-            <a:normAutofit fontScale="90000"/>
-          </a:bodyPr>
-          <a:lstStyle/>
-          <a:p>
-            <a:pPr fontAlgn="auto">
-              <a:spcAft>
-                <a:spcPts val="0"/>
-              </a:spcAft>
-              <a:defRPr/>
-            </a:pPr>
-            <a:r>
-              <a:rPr lang="en-US" smtClean="0"/>
-              <a:t>Keys to an Effective Introduction</a:t>
-            </a:r>
-          </a:p>
-        </p:txBody>
-      </p:sp>
     </p:spTree>
   </p:cSld>
   <p:clrMapOvr>
     <a:masterClrMapping/>
   </p:clrMapOvr>
-  <p:timing>
-    <p:tnLst>
-      <p:par>
-        <p:cTn id="1" dur="indefinite" restart="never" nodeType="tmRoot"/>
-      </p:par>
-    </p:tnLst>
-  </p:timing>
 </p:sld>
 </file>
 
@@ -9347,7 +5904,7 @@
               <a:defRPr/>
             </a:pPr>
             <a:r>
-              <a:rPr lang="en-US" dirty="0" smtClean="0"/>
+              <a:rPr lang="en-US" dirty="0"/>
               <a:t>Organize it to support those main points.</a:t>
             </a:r>
           </a:p>
@@ -9367,7 +5924,7 @@
               <a:defRPr/>
             </a:pPr>
             <a:r>
-              <a:rPr lang="en-US" dirty="0" smtClean="0"/>
+              <a:rPr lang="en-US" dirty="0"/>
               <a:t>2-4 slides that support each point.</a:t>
             </a:r>
           </a:p>
@@ -9387,15 +5944,15 @@
               <a:defRPr/>
             </a:pPr>
             <a:r>
-              <a:rPr lang="en-US" dirty="0" smtClean="0"/>
+              <a:rPr lang="en-US" dirty="0"/>
               <a:t>1</a:t>
             </a:r>
             <a:r>
-              <a:rPr lang="en-US" baseline="30000" dirty="0" smtClean="0"/>
+              <a:rPr lang="en-US" baseline="30000" dirty="0"/>
               <a:t>st</a:t>
             </a:r>
             <a:r>
-              <a:rPr lang="en-US" dirty="0" smtClean="0"/>
+              <a:rPr lang="en-US" dirty="0"/>
               <a:t> of the group provides key ideas.</a:t>
             </a:r>
           </a:p>
@@ -9415,7 +5972,7 @@
               <a:defRPr/>
             </a:pPr>
             <a:r>
-              <a:rPr lang="en-US" dirty="0" smtClean="0"/>
+              <a:rPr lang="en-US" dirty="0"/>
               <a:t>The remainder give more of the detail.</a:t>
             </a:r>
           </a:p>
@@ -9435,7 +5992,7 @@
               <a:defRPr/>
             </a:pPr>
             <a:r>
-              <a:rPr lang="en-US" dirty="0" smtClean="0"/>
+              <a:rPr lang="en-US" dirty="0"/>
               <a:t>Increase level of complexity as talk proceeds (12 year old -&gt; expert).  EVERYBODY LEAVES HAPPY!</a:t>
             </a:r>
           </a:p>
@@ -9455,7 +6012,7 @@
               <a:defRPr/>
             </a:pPr>
             <a:r>
-              <a:rPr lang="en-US" dirty="0" smtClean="0"/>
+              <a:rPr lang="en-US" dirty="0"/>
               <a:t>Don’t be overly technical ??? !!!</a:t>
             </a:r>
           </a:p>
@@ -9475,7 +6032,7 @@
               <a:defRPr/>
             </a:pPr>
             <a:r>
-              <a:rPr lang="en-US" dirty="0" smtClean="0"/>
+              <a:rPr lang="en-US" dirty="0"/>
               <a:t>Watch out for acronyms and jargon.</a:t>
             </a:r>
           </a:p>
@@ -9495,7 +6052,7 @@
               <a:defRPr/>
             </a:pPr>
             <a:r>
-              <a:rPr lang="en-US" dirty="0" smtClean="0"/>
+              <a:rPr lang="en-US" dirty="0"/>
               <a:t>Hit the right level.</a:t>
             </a:r>
           </a:p>
@@ -9515,8 +6072,36 @@
               <a:defRPr/>
             </a:pPr>
             <a:r>
-              <a:rPr lang="en-US" dirty="0" smtClean="0"/>
+              <a:rPr lang="en-US" dirty="0"/>
               <a:t>Use analogies for complex material.</a:t>
+            </a:r>
+          </a:p>
+        </p:txBody>
+      </p:sp>
+      <p:sp>
+        <p:nvSpPr>
+          <p:cNvPr id="18437" name="AutoShape 2"/>
+          <p:cNvSpPr>
+            <a:spLocks noGrp="1" noChangeArrowheads="1"/>
+          </p:cNvSpPr>
+          <p:nvPr>
+            <p:ph type="title"/>
+          </p:nvPr>
+        </p:nvSpPr>
+        <p:spPr/>
+        <p:txBody>
+          <a:bodyPr/>
+          <a:lstStyle/>
+          <a:p>
+            <a:pPr fontAlgn="auto">
+              <a:spcAft>
+                <a:spcPts val="0"/>
+              </a:spcAft>
+              <a:defRPr/>
+            </a:pPr>
+            <a:r>
+              <a:rPr lang="en-US"/>
+              <a:t>The Body</a:t>
             </a:r>
           </a:p>
         </p:txBody>
@@ -9553,34 +6138,6 @@
               <a:t>15</a:t>
             </a:fld>
             <a:endParaRPr lang="en-US"/>
-          </a:p>
-        </p:txBody>
-      </p:sp>
-      <p:sp>
-        <p:nvSpPr>
-          <p:cNvPr id="18437" name="AutoShape 2"/>
-          <p:cNvSpPr>
-            <a:spLocks noGrp="1" noChangeArrowheads="1"/>
-          </p:cNvSpPr>
-          <p:nvPr>
-            <p:ph type="title"/>
-          </p:nvPr>
-        </p:nvSpPr>
-        <p:spPr/>
-        <p:txBody>
-          <a:bodyPr/>
-          <a:lstStyle/>
-          <a:p>
-            <a:pPr fontAlgn="auto">
-              <a:spcAft>
-                <a:spcPts val="0"/>
-              </a:spcAft>
-              <a:defRPr/>
-            </a:pPr>
-            <a:r>
-              <a:rPr lang="en-US" smtClean="0"/>
-              <a:t>The Body</a:t>
-            </a:r>
           </a:p>
         </p:txBody>
       </p:sp>
@@ -9996,7 +6553,7 @@
               </a:spcAft>
             </a:pPr>
             <a:r>
-              <a:rPr lang="en-US" sz="2800" smtClean="0"/>
+              <a:rPr lang="en-US" sz="2800"/>
               <a:t>As important as the good introduction.</a:t>
             </a:r>
           </a:p>
@@ -10007,7 +6564,7 @@
               </a:spcAft>
             </a:pPr>
             <a:r>
-              <a:rPr lang="en-US" sz="2800" smtClean="0"/>
+              <a:rPr lang="en-US" sz="2800"/>
               <a:t>Tell them what you told them - summarize the main points.</a:t>
             </a:r>
           </a:p>
@@ -10018,7 +6575,7 @@
               </a:spcAft>
             </a:pPr>
             <a:r>
-              <a:rPr lang="en-US" sz="2800" smtClean="0"/>
+              <a:rPr lang="en-US" sz="2800"/>
               <a:t>Motivate people to action -i.e. we better implement this!</a:t>
             </a:r>
           </a:p>
@@ -10029,7 +6586,7 @@
               </a:spcAft>
             </a:pPr>
             <a:r>
-              <a:rPr lang="en-US" sz="2800" smtClean="0"/>
+              <a:rPr lang="en-US" sz="2800"/>
               <a:t>OR motivate them to future research.</a:t>
             </a:r>
           </a:p>
@@ -10040,8 +6597,36 @@
               </a:spcAft>
             </a:pPr>
             <a:r>
-              <a:rPr lang="en-US" sz="2800" smtClean="0"/>
+              <a:rPr lang="en-US" sz="2800"/>
               <a:t>OR explain to them what the next things you are going to address are.</a:t>
+            </a:r>
+          </a:p>
+        </p:txBody>
+      </p:sp>
+      <p:sp>
+        <p:nvSpPr>
+          <p:cNvPr id="19461" name="AutoShape 2"/>
+          <p:cNvSpPr>
+            <a:spLocks noGrp="1" noChangeArrowheads="1"/>
+          </p:cNvSpPr>
+          <p:nvPr>
+            <p:ph type="title"/>
+          </p:nvPr>
+        </p:nvSpPr>
+        <p:spPr/>
+        <p:txBody>
+          <a:bodyPr/>
+          <a:lstStyle/>
+          <a:p>
+            <a:pPr fontAlgn="auto">
+              <a:spcAft>
+                <a:spcPts val="0"/>
+              </a:spcAft>
+              <a:defRPr/>
+            </a:pPr>
+            <a:r>
+              <a:rPr lang="en-US"/>
+              <a:t>The Conclusion</a:t>
             </a:r>
           </a:p>
         </p:txBody>
@@ -10078,34 +6663,6 @@
               <a:t>16</a:t>
             </a:fld>
             <a:endParaRPr lang="en-US"/>
-          </a:p>
-        </p:txBody>
-      </p:sp>
-      <p:sp>
-        <p:nvSpPr>
-          <p:cNvPr id="19461" name="AutoShape 2"/>
-          <p:cNvSpPr>
-            <a:spLocks noGrp="1" noChangeArrowheads="1"/>
-          </p:cNvSpPr>
-          <p:nvPr>
-            <p:ph type="title"/>
-          </p:nvPr>
-        </p:nvSpPr>
-        <p:spPr/>
-        <p:txBody>
-          <a:bodyPr/>
-          <a:lstStyle/>
-          <a:p>
-            <a:pPr fontAlgn="auto">
-              <a:spcAft>
-                <a:spcPts val="0"/>
-              </a:spcAft>
-              <a:defRPr/>
-            </a:pPr>
-            <a:r>
-              <a:rPr lang="en-US" smtClean="0"/>
-              <a:t>The Conclusion</a:t>
-            </a:r>
           </a:p>
         </p:txBody>
       </p:sp>
@@ -10435,7 +6992,7 @@
               </a:spcAft>
               <a:defRPr/>
             </a:pPr>
-            <a:endParaRPr lang="en-US" smtClean="0"/>
+            <a:endParaRPr lang="en-US"/>
           </a:p>
         </p:txBody>
       </p:sp>
@@ -10463,21 +7020,21 @@
               <a:buFont typeface="Wingdings" pitchFamily="2" charset="2"/>
               <a:buNone/>
             </a:pPr>
-            <a:endParaRPr lang="en-US" sz="3200" smtClean="0"/>
+            <a:endParaRPr lang="en-US" sz="3200"/>
           </a:p>
           <a:p>
             <a:pPr>
               <a:buFont typeface="Wingdings" pitchFamily="2" charset="2"/>
               <a:buNone/>
             </a:pPr>
-            <a:endParaRPr lang="en-US" sz="3200" smtClean="0"/>
+            <a:endParaRPr lang="en-US" sz="3200"/>
           </a:p>
           <a:p>
             <a:pPr>
               <a:buFont typeface="Wingdings" pitchFamily="2" charset="2"/>
               <a:buNone/>
             </a:pPr>
-            <a:endParaRPr lang="en-US" sz="3200" smtClean="0"/>
+            <a:endParaRPr lang="en-US" sz="3200"/>
           </a:p>
           <a:p>
             <a:pPr>
@@ -10485,7 +7042,7 @@
               <a:buNone/>
             </a:pPr>
             <a:r>
-              <a:rPr lang="en-US" sz="3200" smtClean="0"/>
+              <a:rPr lang="en-US" sz="3200"/>
               <a:t>Dr. Ford’s Random Bucket of Advice</a:t>
             </a:r>
           </a:p>
@@ -10503,15 +7060,14 @@
         </p:nvPicPr>
         <p:blipFill>
           <a:blip r:embed="rId2"/>
-          <a:srcRect/>
           <a:stretch>
             <a:fillRect/>
           </a:stretch>
         </p:blipFill>
         <p:spPr>
           <a:xfrm>
-            <a:off x="4760913" y="2070100"/>
-            <a:ext cx="3770312" cy="3241675"/>
+            <a:off x="4760913" y="2070334"/>
+            <a:ext cx="3770312" cy="3241207"/>
           </a:xfrm>
           <a:noFill/>
         </p:spPr>
@@ -10547,7 +7103,7 @@
               <a:pPr/>
               <a:t>17</a:t>
             </a:fld>
-            <a:endParaRPr lang="en-US" smtClean="0"/>
+            <a:endParaRPr lang="en-US"/>
           </a:p>
         </p:txBody>
       </p:sp>
@@ -10588,13 +7144,6 @@
   <p:clrMapOvr>
     <a:masterClrMapping/>
   </p:clrMapOvr>
-  <p:timing>
-    <p:tnLst>
-      <p:par>
-        <p:cTn id="1" dur="indefinite" restart="never" nodeType="tmRoot"/>
-      </p:par>
-    </p:tnLst>
-  </p:timing>
 </p:sld>
 </file>
 
@@ -10636,7 +7185,7 @@
               </a:lnSpc>
             </a:pPr>
             <a:r>
-              <a:rPr lang="en-US" sz="1100" smtClean="0"/>
+              <a:rPr lang="en-US" sz="1100"/>
               <a:t>Use 24 point font or greater!  They need to see it in the back of the room.</a:t>
             </a:r>
           </a:p>
@@ -10647,22 +7196,22 @@
               </a:lnSpc>
             </a:pPr>
             <a:r>
-              <a:rPr lang="en-US" sz="1100" smtClean="0"/>
+              <a:rPr lang="en-US" sz="1100"/>
               <a:t>Use </a:t>
             </a:r>
             <a:r>
-              <a:rPr lang="en-US" sz="1100" b="1" i="1" smtClean="0"/>
+              <a:rPr lang="en-US" sz="1100" b="1" i="1"/>
               <a:t>landscape mode </a:t>
             </a:r>
             <a:r>
-              <a:rPr lang="en-US" sz="1100" smtClean="0"/>
+              <a:rPr lang="en-US" sz="1100"/>
               <a:t>not </a:t>
             </a:r>
             <a:r>
-              <a:rPr lang="en-US" sz="1100" b="1" i="1" smtClean="0"/>
+              <a:rPr lang="en-US" sz="1100" b="1" i="1"/>
               <a:t>portrait</a:t>
             </a:r>
-            <a:endParaRPr lang="en-US" sz="1100" smtClean="0"/>
+            <a:endParaRPr lang="en-US" sz="1100"/>
           </a:p>
           <a:p>
             <a:pPr>
@@ -10671,7 +7220,7 @@
               </a:lnSpc>
             </a:pPr>
             <a:r>
-              <a:rPr lang="en-US" sz="1100" smtClean="0"/>
+              <a:rPr lang="en-US" sz="1100"/>
               <a:t>Use color and fancy graphic graphics sparingly.</a:t>
             </a:r>
           </a:p>
@@ -10682,7 +7231,7 @@
               </a:lnSpc>
             </a:pPr>
             <a:r>
-              <a:rPr lang="en-US" sz="1100" smtClean="0"/>
+              <a:rPr lang="en-US" sz="1100"/>
               <a:t>Do not use PowerPoint "CPU Wasters". For example the spiraling text and other frivolous visuals.</a:t>
             </a:r>
           </a:p>
@@ -10693,7 +7242,7 @@
               </a:lnSpc>
             </a:pPr>
             <a:r>
-              <a:rPr lang="en-US" sz="1100" smtClean="0"/>
+              <a:rPr lang="en-US" sz="1100"/>
               <a:t>5-7 bullet items per page maximum.</a:t>
             </a:r>
           </a:p>
@@ -10704,7 +7253,7 @@
               </a:lnSpc>
             </a:pPr>
             <a:r>
-              <a:rPr lang="en-US" sz="1100" smtClean="0"/>
+              <a:rPr lang="en-US" sz="1100"/>
               <a:t>Do use PowerPoint to introduce bullet items one at a time.  This helps keep you on track with your discussion.</a:t>
             </a:r>
           </a:p>
@@ -10715,7 +7264,7 @@
               </a:lnSpc>
             </a:pPr>
             <a:r>
-              <a:rPr lang="en-US" sz="1100" smtClean="0"/>
+              <a:rPr lang="en-US" sz="1100"/>
               <a:t>Use 24 point font or greater!  They need to see it in the back of the room.</a:t>
             </a:r>
           </a:p>
@@ -10726,22 +7275,22 @@
               </a:lnSpc>
             </a:pPr>
             <a:r>
-              <a:rPr lang="en-US" sz="1100" smtClean="0"/>
+              <a:rPr lang="en-US" sz="1100"/>
               <a:t>Use </a:t>
             </a:r>
             <a:r>
-              <a:rPr lang="en-US" sz="1100" b="1" i="1" smtClean="0"/>
+              <a:rPr lang="en-US" sz="1100" b="1" i="1"/>
               <a:t>landscape mode </a:t>
             </a:r>
             <a:r>
-              <a:rPr lang="en-US" sz="1100" smtClean="0"/>
+              <a:rPr lang="en-US" sz="1100"/>
               <a:t>not </a:t>
             </a:r>
             <a:r>
-              <a:rPr lang="en-US" sz="1100" b="1" i="1" smtClean="0"/>
+              <a:rPr lang="en-US" sz="1100" b="1" i="1"/>
               <a:t>portrait</a:t>
             </a:r>
-            <a:endParaRPr lang="en-US" sz="1100" smtClean="0"/>
+            <a:endParaRPr lang="en-US" sz="1100"/>
           </a:p>
           <a:p>
             <a:pPr>
@@ -10750,7 +7299,7 @@
               </a:lnSpc>
             </a:pPr>
             <a:r>
-              <a:rPr lang="en-US" sz="1100" smtClean="0"/>
+              <a:rPr lang="en-US" sz="1100"/>
               <a:t>Use color and fancy graphic graphics sparingly.</a:t>
             </a:r>
           </a:p>
@@ -10761,7 +7310,7 @@
               </a:lnSpc>
             </a:pPr>
             <a:r>
-              <a:rPr lang="en-US" sz="1100" smtClean="0"/>
+              <a:rPr lang="en-US" sz="1100"/>
               <a:t>Do not use PowerPoint "CPU Wasters". For example the spiraling text and other frivolous visuals.</a:t>
             </a:r>
           </a:p>
@@ -10772,7 +7321,7 @@
               </a:lnSpc>
             </a:pPr>
             <a:r>
-              <a:rPr lang="en-US" sz="1100" smtClean="0"/>
+              <a:rPr lang="en-US" sz="1100"/>
               <a:t>5-7 bullet items per page maximum.</a:t>
             </a:r>
           </a:p>
@@ -10783,7 +7332,7 @@
               </a:lnSpc>
             </a:pPr>
             <a:r>
-              <a:rPr lang="en-US" sz="1100" smtClean="0"/>
+              <a:rPr lang="en-US" sz="1100"/>
               <a:t>Do use PowerPoint to introduce bullet items one at a time.  This helps keep you on track with your discussion.</a:t>
             </a:r>
           </a:p>
@@ -10794,7 +7343,7 @@
               </a:lnSpc>
             </a:pPr>
             <a:r>
-              <a:rPr lang="en-US" sz="1100" smtClean="0"/>
+              <a:rPr lang="en-US" sz="1100"/>
               <a:t>Use 24 point font or greater!  They need to see it in the back of the room.</a:t>
             </a:r>
           </a:p>
@@ -10805,22 +7354,22 @@
               </a:lnSpc>
             </a:pPr>
             <a:r>
-              <a:rPr lang="en-US" sz="1100" smtClean="0"/>
+              <a:rPr lang="en-US" sz="1100"/>
               <a:t>Use </a:t>
             </a:r>
             <a:r>
-              <a:rPr lang="en-US" sz="1100" b="1" i="1" smtClean="0"/>
+              <a:rPr lang="en-US" sz="1100" b="1" i="1"/>
               <a:t>landscape mode </a:t>
             </a:r>
             <a:r>
-              <a:rPr lang="en-US" sz="1100" smtClean="0"/>
+              <a:rPr lang="en-US" sz="1100"/>
               <a:t>not </a:t>
             </a:r>
             <a:r>
-              <a:rPr lang="en-US" sz="1100" b="1" i="1" smtClean="0"/>
+              <a:rPr lang="en-US" sz="1100" b="1" i="1"/>
               <a:t>portrait</a:t>
             </a:r>
-            <a:endParaRPr lang="en-US" sz="1100" smtClean="0"/>
+            <a:endParaRPr lang="en-US" sz="1100"/>
           </a:p>
           <a:p>
             <a:pPr>
@@ -10829,7 +7378,7 @@
               </a:lnSpc>
             </a:pPr>
             <a:r>
-              <a:rPr lang="en-US" sz="1100" smtClean="0"/>
+              <a:rPr lang="en-US" sz="1100"/>
               <a:t>Use color and fancy graphic graphics sparingly.</a:t>
             </a:r>
           </a:p>
@@ -10840,7 +7389,7 @@
               </a:lnSpc>
             </a:pPr>
             <a:r>
-              <a:rPr lang="en-US" sz="1100" smtClean="0"/>
+              <a:rPr lang="en-US" sz="1100"/>
               <a:t>Do not use PowerPoint "CPU Wasters". For example the spiraling text and other frivolous visuals.</a:t>
             </a:r>
           </a:p>
@@ -10851,7 +7400,7 @@
               </a:lnSpc>
             </a:pPr>
             <a:r>
-              <a:rPr lang="en-US" sz="1100" smtClean="0"/>
+              <a:rPr lang="en-US" sz="1100"/>
               <a:t>5-7 bullet items per page maximum.</a:t>
             </a:r>
           </a:p>
@@ -10862,7 +7411,7 @@
               </a:lnSpc>
             </a:pPr>
             <a:r>
-              <a:rPr lang="en-US" sz="1100" smtClean="0"/>
+              <a:rPr lang="en-US" sz="1100"/>
               <a:t>Do use PowerPoint to introduce bullet items one at a time.  This helps keep you on track with your discussion.\Use 24 point font or greater!  They need to see it in the back of the room.</a:t>
             </a:r>
           </a:p>
@@ -10873,22 +7422,22 @@
               </a:lnSpc>
             </a:pPr>
             <a:r>
-              <a:rPr lang="en-US" sz="1100" smtClean="0"/>
+              <a:rPr lang="en-US" sz="1100"/>
               <a:t>Use </a:t>
             </a:r>
             <a:r>
-              <a:rPr lang="en-US" sz="1100" b="1" i="1" smtClean="0"/>
+              <a:rPr lang="en-US" sz="1100" b="1" i="1"/>
               <a:t>landscape mode </a:t>
             </a:r>
             <a:r>
-              <a:rPr lang="en-US" sz="1100" smtClean="0"/>
+              <a:rPr lang="en-US" sz="1100"/>
               <a:t>not </a:t>
             </a:r>
             <a:r>
-              <a:rPr lang="en-US" sz="1100" b="1" i="1" smtClean="0"/>
+              <a:rPr lang="en-US" sz="1100" b="1" i="1"/>
               <a:t>portrait</a:t>
             </a:r>
-            <a:endParaRPr lang="en-US" sz="1100" smtClean="0"/>
+            <a:endParaRPr lang="en-US" sz="1100"/>
           </a:p>
           <a:p>
             <a:pPr>
@@ -10897,7 +7446,7 @@
               </a:lnSpc>
             </a:pPr>
             <a:r>
-              <a:rPr lang="en-US" sz="1100" smtClean="0"/>
+              <a:rPr lang="en-US" sz="1100"/>
               <a:t>Use color and fancy graphic graphics sparingly.</a:t>
             </a:r>
           </a:p>
@@ -10908,7 +7457,7 @@
               </a:lnSpc>
             </a:pPr>
             <a:r>
-              <a:rPr lang="en-US" sz="1100" smtClean="0"/>
+              <a:rPr lang="en-US" sz="1100"/>
               <a:t>Do not use PowerPoint "CPU Wasters". For example the spiraling text and other frivolous visuals.</a:t>
             </a:r>
           </a:p>
@@ -10919,7 +7468,7 @@
               </a:lnSpc>
             </a:pPr>
             <a:r>
-              <a:rPr lang="en-US" sz="1100" smtClean="0"/>
+              <a:rPr lang="en-US" sz="1100"/>
               <a:t>5-7 bullet items per page maximum.</a:t>
             </a:r>
           </a:p>
@@ -10930,7 +7479,7 @@
               </a:lnSpc>
             </a:pPr>
             <a:r>
-              <a:rPr lang="en-US" sz="1100" smtClean="0"/>
+              <a:rPr lang="en-US" sz="1100"/>
               <a:t>Do use PowerPoint to introduce bullet items one at a time.  This helps keep you on track with your discussion.</a:t>
             </a:r>
           </a:p>
@@ -10942,7 +7491,7 @@
               <a:buFont typeface="Wingdings" pitchFamily="2" charset="2"/>
               <a:buNone/>
             </a:pPr>
-            <a:endParaRPr lang="en-US" sz="1100" smtClean="0"/>
+            <a:endParaRPr lang="en-US" sz="1100"/>
           </a:p>
           <a:p>
             <a:pPr>
@@ -10952,7 +7501,35 @@
               <a:buFont typeface="Wingdings" pitchFamily="2" charset="2"/>
               <a:buNone/>
             </a:pPr>
-            <a:endParaRPr lang="en-US" sz="1100" smtClean="0"/>
+            <a:endParaRPr lang="en-US" sz="1100"/>
+          </a:p>
+        </p:txBody>
+      </p:sp>
+      <p:sp>
+        <p:nvSpPr>
+          <p:cNvPr id="21509" name="AutoShape 2"/>
+          <p:cNvSpPr>
+            <a:spLocks noGrp="1" noChangeArrowheads="1"/>
+          </p:cNvSpPr>
+          <p:nvPr>
+            <p:ph type="title"/>
+          </p:nvPr>
+        </p:nvSpPr>
+        <p:spPr/>
+        <p:txBody>
+          <a:bodyPr/>
+          <a:lstStyle/>
+          <a:p>
+            <a:pPr fontAlgn="auto">
+              <a:spcAft>
+                <a:spcPts val="0"/>
+              </a:spcAft>
+              <a:defRPr/>
+            </a:pPr>
+            <a:r>
+              <a:rPr lang="en-US"/>
+              <a:t>Visual Appearance Counts</a:t>
+            </a:r>
           </a:p>
         </p:txBody>
       </p:sp>
@@ -10988,34 +7565,6 @@
               <a:t>18</a:t>
             </a:fld>
             <a:endParaRPr lang="en-US"/>
-          </a:p>
-        </p:txBody>
-      </p:sp>
-      <p:sp>
-        <p:nvSpPr>
-          <p:cNvPr id="21509" name="AutoShape 2"/>
-          <p:cNvSpPr>
-            <a:spLocks noGrp="1" noChangeArrowheads="1"/>
-          </p:cNvSpPr>
-          <p:nvPr>
-            <p:ph type="title"/>
-          </p:nvPr>
-        </p:nvSpPr>
-        <p:spPr/>
-        <p:txBody>
-          <a:bodyPr/>
-          <a:lstStyle/>
-          <a:p>
-            <a:pPr fontAlgn="auto">
-              <a:spcAft>
-                <a:spcPts val="0"/>
-              </a:spcAft>
-              <a:defRPr/>
-            </a:pPr>
-            <a:r>
-              <a:rPr lang="en-US" smtClean="0"/>
-              <a:t>Visual Appearance Counts</a:t>
-            </a:r>
           </a:p>
         </p:txBody>
       </p:sp>
@@ -11084,7 +7633,7 @@
                                           </p:endCondLst>
                                         </p:cTn>
                                         <p:tgtEl>
-                                          <p:sndTgt r:embed="rId2" name="bomb.wav" builtIn="1"/>
+                                          <p:sndTgt r:embed="rId2" name="bomb.wav"/>
                                         </p:tgtEl>
                                       </p:cMediaNode>
                                     </p:audio>
@@ -11210,7 +7759,7 @@
                                           </p:endCondLst>
                                         </p:cTn>
                                         <p:tgtEl>
-                                          <p:sndTgt r:embed="rId3" name="explode.wav" builtIn="1"/>
+                                          <p:sndTgt r:embed="rId3" name="explode.wav"/>
                                         </p:tgtEl>
                                       </p:cMediaNode>
                                     </p:audio>
@@ -11336,7 +7885,7 @@
                                           </p:endCondLst>
                                         </p:cTn>
                                         <p:tgtEl>
-                                          <p:sndTgt r:embed="rId4" name="voltage.wav" builtIn="1"/>
+                                          <p:sndTgt r:embed="rId4" name="voltage.wav"/>
                                         </p:tgtEl>
                                       </p:cMediaNode>
                                     </p:audio>
@@ -11487,7 +8036,7 @@
                                           </p:endCondLst>
                                         </p:cTn>
                                         <p:tgtEl>
-                                          <p:sndTgt r:embed="rId2" name="bomb.wav" builtIn="1"/>
+                                          <p:sndTgt r:embed="rId2" name="bomb.wav"/>
                                         </p:tgtEl>
                                       </p:cMediaNode>
                                     </p:audio>
@@ -11866,7 +8415,7 @@
                                           </p:endCondLst>
                                         </p:cTn>
                                         <p:tgtEl>
-                                          <p:sndTgt r:embed="rId2" name="bomb.wav" builtIn="1"/>
+                                          <p:sndTgt r:embed="rId2" name="bomb.wav"/>
                                         </p:tgtEl>
                                       </p:cMediaNode>
                                     </p:audio>
@@ -12245,7 +8794,7 @@
                                           </p:endCondLst>
                                         </p:cTn>
                                         <p:tgtEl>
-                                          <p:sndTgt r:embed="rId2" name="bomb.wav" builtIn="1"/>
+                                          <p:sndTgt r:embed="rId2" name="bomb.wav"/>
                                         </p:tgtEl>
                                       </p:cMediaNode>
                                     </p:audio>
@@ -12624,7 +9173,7 @@
                                           </p:endCondLst>
                                         </p:cTn>
                                         <p:tgtEl>
-                                          <p:sndTgt r:embed="rId2" name="bomb.wav" builtIn="1"/>
+                                          <p:sndTgt r:embed="rId2" name="bomb.wav"/>
                                         </p:tgtEl>
                                       </p:cMediaNode>
                                     </p:audio>
@@ -13003,7 +9552,7 @@
                                           </p:endCondLst>
                                         </p:cTn>
                                         <p:tgtEl>
-                                          <p:sndTgt r:embed="rId2" name="bomb.wav" builtIn="1"/>
+                                          <p:sndTgt r:embed="rId2" name="bomb.wav"/>
                                         </p:tgtEl>
                                       </p:cMediaNode>
                                     </p:audio>
@@ -13382,7 +9931,7 @@
                                           </p:endCondLst>
                                         </p:cTn>
                                         <p:tgtEl>
-                                          <p:sndTgt r:embed="rId2" name="bomb.wav" builtIn="1"/>
+                                          <p:sndTgt r:embed="rId2" name="bomb.wav"/>
                                         </p:tgtEl>
                                       </p:cMediaNode>
                                     </p:audio>
@@ -13761,7 +10310,7 @@
                                           </p:endCondLst>
                                         </p:cTn>
                                         <p:tgtEl>
-                                          <p:sndTgt r:embed="rId2" name="bomb.wav" builtIn="1"/>
+                                          <p:sndTgt r:embed="rId2" name="bomb.wav"/>
                                         </p:tgtEl>
                                       </p:cMediaNode>
                                     </p:audio>
@@ -14140,7 +10689,7 @@
                                           </p:endCondLst>
                                         </p:cTn>
                                         <p:tgtEl>
-                                          <p:sndTgt r:embed="rId2" name="bomb.wav" builtIn="1"/>
+                                          <p:sndTgt r:embed="rId2" name="bomb.wav"/>
                                         </p:tgtEl>
                                       </p:cMediaNode>
                                     </p:audio>
@@ -14519,7 +11068,7 @@
                                           </p:endCondLst>
                                         </p:cTn>
                                         <p:tgtEl>
-                                          <p:sndTgt r:embed="rId2" name="bomb.wav" builtIn="1"/>
+                                          <p:sndTgt r:embed="rId2" name="bomb.wav"/>
                                         </p:tgtEl>
                                       </p:cMediaNode>
                                     </p:audio>
@@ -14898,7 +11447,7 @@
                                           </p:endCondLst>
                                         </p:cTn>
                                         <p:tgtEl>
-                                          <p:sndTgt r:embed="rId2" name="bomb.wav" builtIn="1"/>
+                                          <p:sndTgt r:embed="rId2" name="bomb.wav"/>
                                         </p:tgtEl>
                                       </p:cMediaNode>
                                     </p:audio>
@@ -15277,7 +11826,7 @@
                                           </p:endCondLst>
                                         </p:cTn>
                                         <p:tgtEl>
-                                          <p:sndTgt r:embed="rId2" name="bomb.wav" builtIn="1"/>
+                                          <p:sndTgt r:embed="rId2" name="bomb.wav"/>
                                         </p:tgtEl>
                                       </p:cMediaNode>
                                     </p:audio>
@@ -15656,7 +12205,7 @@
                                           </p:endCondLst>
                                         </p:cTn>
                                         <p:tgtEl>
-                                          <p:sndTgt r:embed="rId2" name="bomb.wav" builtIn="1"/>
+                                          <p:sndTgt r:embed="rId2" name="bomb.wav"/>
                                         </p:tgtEl>
                                       </p:cMediaNode>
                                     </p:audio>
@@ -16035,7 +12584,7 @@
                                           </p:endCondLst>
                                         </p:cTn>
                                         <p:tgtEl>
-                                          <p:sndTgt r:embed="rId2" name="bomb.wav" builtIn="1"/>
+                                          <p:sndTgt r:embed="rId2" name="bomb.wav"/>
                                         </p:tgtEl>
                                       </p:cMediaNode>
                                     </p:audio>
@@ -16414,7 +12963,7 @@
                                           </p:endCondLst>
                                         </p:cTn>
                                         <p:tgtEl>
-                                          <p:sndTgt r:embed="rId2" name="bomb.wav" builtIn="1"/>
+                                          <p:sndTgt r:embed="rId2" name="bomb.wav"/>
                                         </p:tgtEl>
                                       </p:cMediaNode>
                                     </p:audio>
@@ -16793,7 +13342,7 @@
                                           </p:endCondLst>
                                         </p:cTn>
                                         <p:tgtEl>
-                                          <p:sndTgt r:embed="rId2" name="bomb.wav" builtIn="1"/>
+                                          <p:sndTgt r:embed="rId2" name="bomb.wav"/>
                                         </p:tgtEl>
                                       </p:cMediaNode>
                                     </p:audio>
@@ -17172,7 +13721,7 @@
                                           </p:endCondLst>
                                         </p:cTn>
                                         <p:tgtEl>
-                                          <p:sndTgt r:embed="rId2" name="bomb.wav" builtIn="1"/>
+                                          <p:sndTgt r:embed="rId2" name="bomb.wav"/>
                                         </p:tgtEl>
                                       </p:cMediaNode>
                                     </p:audio>
@@ -17551,7 +14100,7 @@
                                           </p:endCondLst>
                                         </p:cTn>
                                         <p:tgtEl>
-                                          <p:sndTgt r:embed="rId2" name="bomb.wav" builtIn="1"/>
+                                          <p:sndTgt r:embed="rId2" name="bomb.wav"/>
                                         </p:tgtEl>
                                       </p:cMediaNode>
                                     </p:audio>
@@ -17930,7 +14479,7 @@
                                           </p:endCondLst>
                                         </p:cTn>
                                         <p:tgtEl>
-                                          <p:sndTgt r:embed="rId2" name="bomb.wav" builtIn="1"/>
+                                          <p:sndTgt r:embed="rId2" name="bomb.wav"/>
                                         </p:tgtEl>
                                       </p:cMediaNode>
                                     </p:audio>
@@ -18309,7 +14858,7 @@
                                           </p:endCondLst>
                                         </p:cTn>
                                         <p:tgtEl>
-                                          <p:sndTgt r:embed="rId2" name="bomb.wav" builtIn="1"/>
+                                          <p:sndTgt r:embed="rId2" name="bomb.wav"/>
                                         </p:tgtEl>
                                       </p:cMediaNode>
                                     </p:audio>
@@ -18383,14 +14932,14 @@
               <a:buFont typeface="Wingdings" pitchFamily="2" charset="2"/>
               <a:buNone/>
             </a:pPr>
-            <a:endParaRPr lang="en-US" smtClean="0"/>
+            <a:endParaRPr lang="en-US"/>
           </a:p>
           <a:p>
             <a:pPr>
               <a:buFont typeface="Wingdings" pitchFamily="2" charset="2"/>
               <a:buNone/>
             </a:pPr>
-            <a:endParaRPr lang="en-US" smtClean="0"/>
+            <a:endParaRPr lang="en-US"/>
           </a:p>
           <a:p>
             <a:pPr algn="ctr">
@@ -18398,7 +14947,7 @@
               <a:buNone/>
             </a:pPr>
             <a:r>
-              <a:rPr lang="en-US" sz="4000" i="1" smtClean="0"/>
+              <a:rPr lang="en-US" sz="4000" i="1"/>
               <a:t>“Power Corrupts</a:t>
             </a:r>
           </a:p>
@@ -18408,7 +14957,7 @@
               <a:buNone/>
             </a:pPr>
             <a:r>
-              <a:rPr lang="en-US" sz="4000" i="1" smtClean="0"/>
+              <a:rPr lang="en-US" sz="4000" i="1"/>
               <a:t>PowerPoint Corrupts Absolutely!”</a:t>
             </a:r>
           </a:p>
@@ -18418,9 +14967,34 @@
               <a:buNone/>
             </a:pPr>
             <a:r>
-              <a:rPr lang="en-US" sz="4000" smtClean="0"/>
+              <a:rPr lang="en-US" sz="4000"/>
               <a:t>Edward Tuft (Yale Professor)</a:t>
             </a:r>
+          </a:p>
+        </p:txBody>
+      </p:sp>
+      <p:sp>
+        <p:nvSpPr>
+          <p:cNvPr id="22533" name="Rectangle 2"/>
+          <p:cNvSpPr>
+            <a:spLocks noGrp="1" noChangeArrowheads="1"/>
+          </p:cNvSpPr>
+          <p:nvPr>
+            <p:ph type="title"/>
+          </p:nvPr>
+        </p:nvSpPr>
+        <p:spPr/>
+        <p:txBody>
+          <a:bodyPr/>
+          <a:lstStyle/>
+          <a:p>
+            <a:pPr fontAlgn="auto">
+              <a:spcAft>
+                <a:spcPts val="0"/>
+              </a:spcAft>
+              <a:defRPr/>
+            </a:pPr>
+            <a:endParaRPr lang="en-US"/>
           </a:p>
         </p:txBody>
       </p:sp>
@@ -18459,43 +15033,11 @@
           </a:p>
         </p:txBody>
       </p:sp>
-      <p:sp>
-        <p:nvSpPr>
-          <p:cNvPr id="22533" name="Rectangle 2"/>
-          <p:cNvSpPr>
-            <a:spLocks noGrp="1" noChangeArrowheads="1"/>
-          </p:cNvSpPr>
-          <p:nvPr>
-            <p:ph type="title"/>
-          </p:nvPr>
-        </p:nvSpPr>
-        <p:spPr/>
-        <p:txBody>
-          <a:bodyPr/>
-          <a:lstStyle/>
-          <a:p>
-            <a:pPr fontAlgn="auto">
-              <a:spcAft>
-                <a:spcPts val="0"/>
-              </a:spcAft>
-              <a:defRPr/>
-            </a:pPr>
-            <a:endParaRPr lang="en-US" smtClean="0"/>
-          </a:p>
-        </p:txBody>
-      </p:sp>
     </p:spTree>
   </p:cSld>
   <p:clrMapOvr>
     <a:masterClrMapping/>
   </p:clrMapOvr>
-  <p:timing>
-    <p:tnLst>
-      <p:par>
-        <p:cTn id="1" dur="indefinite" restart="never" nodeType="tmRoot"/>
-      </p:par>
-    </p:tnLst>
-  </p:timing>
 </p:sld>
 </file>
 
@@ -18518,6 +15060,33 @@
       </p:grpSpPr>
       <p:sp>
         <p:nvSpPr>
+          <p:cNvPr id="8" name="Title 7"/>
+          <p:cNvSpPr>
+            <a:spLocks noGrp="1"/>
+          </p:cNvSpPr>
+          <p:nvPr>
+            <p:ph type="title"/>
+          </p:nvPr>
+        </p:nvSpPr>
+        <p:spPr/>
+        <p:txBody>
+          <a:bodyPr>
+            <a:normAutofit fontScale="90000"/>
+          </a:bodyPr>
+          <a:lstStyle/>
+          <a:p>
+            <a:pPr fontAlgn="auto">
+              <a:spcAft>
+                <a:spcPts val="0"/>
+              </a:spcAft>
+              <a:defRPr/>
+            </a:pPr>
+            <a:endParaRPr lang="en-US"/>
+          </a:p>
+        </p:txBody>
+      </p:sp>
+      <p:sp>
+        <p:nvSpPr>
           <p:cNvPr id="167939" name="Rectangle 3"/>
           <p:cNvSpPr>
             <a:spLocks noGrp="1" noChangeArrowheads="1"/>
@@ -18541,7 +15110,7 @@
               <a:buNone/>
             </a:pPr>
             <a:r>
-              <a:rPr lang="en-US" smtClean="0"/>
+              <a:rPr lang="en-US"/>
               <a:t>Public Speaking is the number one fear of Americans!  They are less afraid of death than public speaking.</a:t>
             </a:r>
           </a:p>
@@ -18550,7 +15119,7 @@
               <a:buFont typeface="Wingdings" pitchFamily="2" charset="2"/>
               <a:buNone/>
             </a:pPr>
-            <a:endParaRPr lang="en-US" smtClean="0"/>
+            <a:endParaRPr lang="en-US"/>
           </a:p>
           <a:p>
             <a:pPr>
@@ -18558,15 +15127,15 @@
               <a:buNone/>
             </a:pPr>
             <a:r>
-              <a:rPr lang="en-US" smtClean="0"/>
+              <a:rPr lang="en-US"/>
               <a:t> </a:t>
             </a:r>
             <a:r>
-              <a:rPr lang="en-US" i="1" smtClean="0"/>
+              <a:rPr lang="en-US" i="1"/>
               <a:t>"Nothing should be explained in such a way that it cannot be understood by an intelligent 12 year old",</a:t>
             </a:r>
             <a:r>
-              <a:rPr lang="en-US" smtClean="0"/>
+              <a:rPr lang="en-US"/>
               <a:t> Albert Einstein.</a:t>
             </a:r>
           </a:p>
@@ -18628,33 +15197,6 @@
               <a:pPr/>
               <a:t>2</a:t>
             </a:fld>
-            <a:endParaRPr lang="en-US" smtClean="0"/>
-          </a:p>
-        </p:txBody>
-      </p:sp>
-      <p:sp>
-        <p:nvSpPr>
-          <p:cNvPr id="8" name="Title 7"/>
-          <p:cNvSpPr>
-            <a:spLocks noGrp="1"/>
-          </p:cNvSpPr>
-          <p:nvPr>
-            <p:ph type="title"/>
-          </p:nvPr>
-        </p:nvSpPr>
-        <p:spPr/>
-        <p:txBody>
-          <a:bodyPr>
-            <a:normAutofit fontScale="90000"/>
-          </a:bodyPr>
-          <a:lstStyle/>
-          <a:p>
-            <a:pPr fontAlgn="auto">
-              <a:spcAft>
-                <a:spcPts val="0"/>
-              </a:spcAft>
-              <a:defRPr/>
-            </a:pPr>
             <a:endParaRPr lang="en-US"/>
           </a:p>
         </p:txBody>
@@ -18868,7 +15410,7 @@
               <a:defRPr/>
             </a:pPr>
             <a:r>
-              <a:rPr lang="en-US" dirty="0" smtClean="0"/>
+              <a:rPr lang="en-US" dirty="0"/>
               <a:t>Use 24 point font or greater!  They need to see it in the back of the room.</a:t>
             </a:r>
           </a:p>
@@ -18885,7 +15427,7 @@
               <a:defRPr/>
             </a:pPr>
             <a:r>
-              <a:rPr lang="en-US" dirty="0" smtClean="0"/>
+              <a:rPr lang="en-US" dirty="0"/>
               <a:t>Use color and fancy graphic graphics sparingly.</a:t>
             </a:r>
           </a:p>
@@ -18902,7 +15444,7 @@
               <a:defRPr/>
             </a:pPr>
             <a:r>
-              <a:rPr lang="en-US" dirty="0" smtClean="0"/>
+              <a:rPr lang="en-US" dirty="0"/>
               <a:t>Do not use PowerPoint "CPU Wasters". For example the spiraling text and other frivolous visuals.</a:t>
             </a:r>
           </a:p>
@@ -18919,7 +15461,7 @@
               <a:defRPr/>
             </a:pPr>
             <a:r>
-              <a:rPr lang="en-US" dirty="0" smtClean="0"/>
+              <a:rPr lang="en-US" dirty="0"/>
               <a:t>5-7 bullet items per page maximum.</a:t>
             </a:r>
           </a:p>
@@ -18936,7 +15478,7 @@
               <a:defRPr/>
             </a:pPr>
             <a:r>
-              <a:rPr lang="en-US" dirty="0" smtClean="0"/>
+              <a:rPr lang="en-US" dirty="0"/>
               <a:t>Do use PowerPoint to introduce bullet items one at a time.  This helps keep you on track with your discussion.</a:t>
             </a:r>
           </a:p>
@@ -18952,7 +15494,7 @@
               <a:buNone/>
               <a:defRPr/>
             </a:pPr>
-            <a:endParaRPr lang="en-US" dirty="0" smtClean="0"/>
+            <a:endParaRPr lang="en-US" dirty="0"/>
           </a:p>
           <a:p>
             <a:pPr marL="365760" indent="-256032" fontAlgn="auto">
@@ -18966,7 +15508,37 @@
               <a:buNone/>
               <a:defRPr/>
             </a:pPr>
-            <a:endParaRPr lang="en-US" dirty="0" smtClean="0"/>
+            <a:endParaRPr lang="en-US" dirty="0"/>
+          </a:p>
+        </p:txBody>
+      </p:sp>
+      <p:sp>
+        <p:nvSpPr>
+          <p:cNvPr id="23557" name="AutoShape 2"/>
+          <p:cNvSpPr>
+            <a:spLocks noGrp="1" noChangeArrowheads="1"/>
+          </p:cNvSpPr>
+          <p:nvPr>
+            <p:ph type="title"/>
+          </p:nvPr>
+        </p:nvSpPr>
+        <p:spPr/>
+        <p:txBody>
+          <a:bodyPr>
+            <a:normAutofit fontScale="90000"/>
+          </a:bodyPr>
+          <a:lstStyle/>
+          <a:p>
+            <a:pPr fontAlgn="auto">
+              <a:spcAft>
+                <a:spcPts val="0"/>
+              </a:spcAft>
+              <a:defRPr/>
+            </a:pPr>
+            <a:r>
+              <a:rPr lang="en-US"/>
+              <a:t>Visual Appearance Counts (again)</a:t>
+            </a:r>
           </a:p>
         </p:txBody>
       </p:sp>
@@ -19002,36 +15574,6 @@
               <a:t>20</a:t>
             </a:fld>
             <a:endParaRPr lang="en-US"/>
-          </a:p>
-        </p:txBody>
-      </p:sp>
-      <p:sp>
-        <p:nvSpPr>
-          <p:cNvPr id="23557" name="AutoShape 2"/>
-          <p:cNvSpPr>
-            <a:spLocks noGrp="1" noChangeArrowheads="1"/>
-          </p:cNvSpPr>
-          <p:nvPr>
-            <p:ph type="title"/>
-          </p:nvPr>
-        </p:nvSpPr>
-        <p:spPr/>
-        <p:txBody>
-          <a:bodyPr>
-            <a:normAutofit fontScale="90000"/>
-          </a:bodyPr>
-          <a:lstStyle/>
-          <a:p>
-            <a:pPr fontAlgn="auto">
-              <a:spcAft>
-                <a:spcPts val="0"/>
-              </a:spcAft>
-              <a:defRPr/>
-            </a:pPr>
-            <a:r>
-              <a:rPr lang="en-US" smtClean="0"/>
-              <a:t>Visual Appearance Counts (again)</a:t>
-            </a:r>
           </a:p>
         </p:txBody>
       </p:sp>
@@ -19367,7 +15909,7 @@
               <a:defRPr/>
             </a:pPr>
             <a:r>
-              <a:rPr lang="en-US" sz="2600" dirty="0" smtClean="0"/>
+              <a:rPr lang="en-US" sz="2600" dirty="0"/>
               <a:t>Use sparingly.  Academia teaches us to go through lots of steps on equations, but the goals of a typical classroom lecture are very different.</a:t>
             </a:r>
           </a:p>
@@ -19384,15 +15926,15 @@
               <a:defRPr/>
             </a:pPr>
             <a:r>
-              <a:rPr lang="en-US" sz="2600" dirty="0" smtClean="0"/>
+              <a:rPr lang="en-US" sz="2600" dirty="0"/>
               <a:t>Don't derive or give too many intermediate steps, </a:t>
             </a:r>
             <a:r>
-              <a:rPr lang="en-US" sz="2600" u="sng" dirty="0" smtClean="0"/>
+              <a:rPr lang="en-US" sz="2600" u="sng" dirty="0"/>
               <a:t>unless</a:t>
             </a:r>
             <a:r>
-              <a:rPr lang="en-US" sz="2600" dirty="0" smtClean="0"/>
+              <a:rPr lang="en-US" sz="2600" dirty="0"/>
               <a:t> that is the point of your presentation (say a math conference). </a:t>
             </a:r>
           </a:p>
@@ -19409,7 +15951,7 @@
               <a:defRPr/>
             </a:pPr>
             <a:r>
-              <a:rPr lang="en-US" sz="2600" dirty="0" smtClean="0"/>
+              <a:rPr lang="en-US" sz="2600" dirty="0"/>
               <a:t>Give assumptions, important intermediates, and results.</a:t>
             </a:r>
           </a:p>
@@ -19426,7 +15968,7 @@
               <a:defRPr/>
             </a:pPr>
             <a:r>
-              <a:rPr lang="en-US" sz="2600" dirty="0" smtClean="0"/>
+              <a:rPr lang="en-US" sz="2600" dirty="0"/>
               <a:t>People assume you have done your homework and derived the equation properly.</a:t>
             </a:r>
           </a:p>
@@ -19443,7 +15985,7 @@
               <a:defRPr/>
             </a:pPr>
             <a:r>
-              <a:rPr lang="en-US" sz="2600" dirty="0" smtClean="0"/>
+              <a:rPr lang="en-US" sz="2600" dirty="0"/>
               <a:t>If you show an equation talk about it!  </a:t>
             </a:r>
           </a:p>
@@ -19460,8 +16002,36 @@
               <a:defRPr/>
             </a:pPr>
             <a:r>
-              <a:rPr lang="en-US" sz="2600" dirty="0" smtClean="0"/>
+              <a:rPr lang="en-US" sz="2600" dirty="0"/>
               <a:t>Every equation has it's own story, it is your job to tell it's story.</a:t>
+            </a:r>
+          </a:p>
+        </p:txBody>
+      </p:sp>
+      <p:sp>
+        <p:nvSpPr>
+          <p:cNvPr id="24581" name="AutoShape 2"/>
+          <p:cNvSpPr>
+            <a:spLocks noGrp="1" noChangeArrowheads="1"/>
+          </p:cNvSpPr>
+          <p:nvPr>
+            <p:ph type="title"/>
+          </p:nvPr>
+        </p:nvSpPr>
+        <p:spPr/>
+        <p:txBody>
+          <a:bodyPr/>
+          <a:lstStyle/>
+          <a:p>
+            <a:pPr fontAlgn="auto">
+              <a:spcAft>
+                <a:spcPts val="0"/>
+              </a:spcAft>
+              <a:defRPr/>
+            </a:pPr>
+            <a:r>
+              <a:rPr lang="en-US"/>
+              <a:t>Equations &amp; Derivations</a:t>
             </a:r>
           </a:p>
         </p:txBody>
@@ -19498,34 +16068,6 @@
               <a:t>21</a:t>
             </a:fld>
             <a:endParaRPr lang="en-US"/>
-          </a:p>
-        </p:txBody>
-      </p:sp>
-      <p:sp>
-        <p:nvSpPr>
-          <p:cNvPr id="24581" name="AutoShape 2"/>
-          <p:cNvSpPr>
-            <a:spLocks noGrp="1" noChangeArrowheads="1"/>
-          </p:cNvSpPr>
-          <p:nvPr>
-            <p:ph type="title"/>
-          </p:nvPr>
-        </p:nvSpPr>
-        <p:spPr/>
-        <p:txBody>
-          <a:bodyPr/>
-          <a:lstStyle/>
-          <a:p>
-            <a:pPr fontAlgn="auto">
-              <a:spcAft>
-                <a:spcPts val="0"/>
-              </a:spcAft>
-              <a:defRPr/>
-            </a:pPr>
-            <a:r>
-              <a:rPr lang="en-US" smtClean="0"/>
-              <a:t>Equations &amp; Derivations</a:t>
-            </a:r>
           </a:p>
         </p:txBody>
       </p:sp>
@@ -19915,68 +16457,6 @@
       </p:grpSpPr>
       <p:sp>
         <p:nvSpPr>
-          <p:cNvPr id="6" name="Date Placeholder 5"/>
-          <p:cNvSpPr>
-            <a:spLocks noGrp="1"/>
-          </p:cNvSpPr>
-          <p:nvPr>
-            <p:ph type="dt" sz="half" idx="10"/>
-          </p:nvPr>
-        </p:nvSpPr>
-        <p:spPr/>
-        <p:txBody>
-          <a:bodyPr/>
-          <a:lstStyle/>
-          <a:p>
-            <a:endParaRPr lang="en-US"/>
-          </a:p>
-          <a:p>
-            <a:r>
-              <a:rPr lang="en-US"/>
-              <a:t>Design for Electrical and Computer Engineers </a:t>
-            </a:r>
-          </a:p>
-          <a:p>
-            <a:r>
-              <a:rPr lang="en-US"/>
-              <a:t>Not to be transmitted or reproduced without written consent of authors</a:t>
-            </a:r>
-          </a:p>
-          <a:p>
-            <a:endParaRPr lang="en-US"/>
-          </a:p>
-        </p:txBody>
-      </p:sp>
-      <p:sp>
-        <p:nvSpPr>
-          <p:cNvPr id="7" name="Footer Placeholder 6"/>
-          <p:cNvSpPr>
-            <a:spLocks noGrp="1"/>
-          </p:cNvSpPr>
-          <p:nvPr>
-            <p:ph type="ftr" sz="quarter" idx="11"/>
-          </p:nvPr>
-        </p:nvSpPr>
-        <p:spPr/>
-        <p:txBody>
-          <a:bodyPr/>
-          <a:lstStyle/>
-          <a:p>
-            <a:r>
-              <a:rPr lang="en-US"/>
-              <a:t>Copyright 2005 </a:t>
-            </a:r>
-          </a:p>
-          <a:p>
-            <a:r>
-              <a:rPr lang="en-US"/>
-              <a:t>Ralph M. Ford and Chris Coulston</a:t>
-            </a:r>
-          </a:p>
-        </p:txBody>
-      </p:sp>
-      <p:sp>
-        <p:nvSpPr>
           <p:cNvPr id="194562" name="AutoShape 2"/>
           <p:cNvSpPr>
             <a:spLocks noGrp="1" noChangeArrowheads="1"/>
@@ -20071,7 +16551,7 @@
         <p:nvPicPr>
           <p:cNvPr id="194564" name="Picture 4" descr="speedy banned!"/>
           <p:cNvPicPr>
-            <a:picLocks noChangeAspect="1" noChangeArrowheads="1"/>
+            <a:picLocks noGrp="1" noChangeAspect="1" noChangeArrowheads="1"/>
           </p:cNvPicPr>
           <p:nvPr>
             <p:ph sz="quarter" idx="2"/>
@@ -20097,7 +16577,7 @@
         <p:nvPicPr>
           <p:cNvPr id="194565" name="Picture 5" descr="rodriguez"/>
           <p:cNvPicPr>
-            <a:picLocks noChangeAspect="1" noChangeArrowheads="1"/>
+            <a:picLocks noGrp="1" noChangeAspect="1" noChangeArrowheads="1"/>
           </p:cNvPicPr>
           <p:nvPr>
             <p:ph sz="quarter" idx="3"/>
@@ -20105,20 +16585,64 @@
         </p:nvPicPr>
         <p:blipFill>
           <a:blip r:embed="rId3"/>
-          <a:srcRect/>
           <a:stretch>
             <a:fillRect/>
           </a:stretch>
         </p:blipFill>
         <p:spPr>
           <a:xfrm>
-            <a:off x="6019800" y="4152900"/>
-            <a:ext cx="2514600" cy="2087563"/>
+            <a:off x="5871877" y="4283678"/>
+            <a:ext cx="1548384" cy="1286256"/>
           </a:xfrm>
           <a:noFill/>
           <a:ln/>
         </p:spPr>
       </p:pic>
+      <p:sp>
+        <p:nvSpPr>
+          <p:cNvPr id="8" name="Slide Number Placeholder 5">
+            <a:extLst>
+              <a:ext uri="{FF2B5EF4-FFF2-40B4-BE49-F238E27FC236}">
+                <a16:creationId xmlns:a16="http://schemas.microsoft.com/office/drawing/2014/main" id="{463241BD-6D30-43E3-872D-DC13CC9B7A79}"/>
+              </a:ext>
+            </a:extLst>
+          </p:cNvPr>
+          <p:cNvSpPr>
+            <a:spLocks noGrp="1"/>
+          </p:cNvSpPr>
+          <p:nvPr>
+            <p:ph type="sldNum" sz="quarter" idx="12"/>
+          </p:nvPr>
+        </p:nvSpPr>
+        <p:spPr bwMode="auto">
+          <a:xfrm>
+            <a:off x="8647113" y="6408738"/>
+            <a:ext cx="366712" cy="365125"/>
+          </a:xfrm>
+          <a:noFill/>
+          <a:ln>
+            <a:miter lim="800000"/>
+            <a:headEnd/>
+            <a:tailEnd/>
+          </a:ln>
+        </p:spPr>
+        <p:txBody>
+          <a:bodyPr wrap="square" lIns="91440" tIns="45720" rIns="91440" bIns="45720" numCol="1" anchorCtr="0" compatLnSpc="1">
+            <a:prstTxWarp prst="textNoShape">
+              <a:avLst/>
+            </a:prstTxWarp>
+          </a:bodyPr>
+          <a:lstStyle/>
+          <a:p>
+            <a:fld id="{C85BCF0E-D1F3-4B09-9FDE-37CF58BEEF92}" type="slidenum">
+              <a:rPr lang="en-US"/>
+              <a:pPr/>
+              <a:t>22</a:t>
+            </a:fld>
+            <a:endParaRPr lang="en-US" dirty="0"/>
+          </a:p>
+        </p:txBody>
+      </p:sp>
     </p:spTree>
   </p:cSld>
   <p:clrMapOvr>
@@ -20522,7 +17046,7 @@
               </a:spcAft>
             </a:pPr>
             <a:r>
-              <a:rPr lang="en-US" smtClean="0"/>
+              <a:rPr lang="en-US"/>
               <a:t>Rule-of-thumb:  take the length of time in minutes that you have and divide it by 2.  That is a rough estimate of how long you have.</a:t>
             </a:r>
           </a:p>
@@ -20533,8 +17057,36 @@
               </a:spcAft>
             </a:pPr>
             <a:r>
-              <a:rPr lang="en-US" smtClean="0"/>
+              <a:rPr lang="en-US"/>
               <a:t>How would you describe all of the material you know about Physics or Marketing Theory you know in 10 minutes or 2 hours?</a:t>
+            </a:r>
+          </a:p>
+        </p:txBody>
+      </p:sp>
+      <p:sp>
+        <p:nvSpPr>
+          <p:cNvPr id="26629" name="AutoShape 2"/>
+          <p:cNvSpPr>
+            <a:spLocks noGrp="1" noChangeArrowheads="1"/>
+          </p:cNvSpPr>
+          <p:nvPr>
+            <p:ph type="title"/>
+          </p:nvPr>
+        </p:nvSpPr>
+        <p:spPr/>
+        <p:txBody>
+          <a:bodyPr/>
+          <a:lstStyle/>
+          <a:p>
+            <a:pPr fontAlgn="auto">
+              <a:spcAft>
+                <a:spcPts val="0"/>
+              </a:spcAft>
+              <a:defRPr/>
+            </a:pPr>
+            <a:r>
+              <a:rPr lang="en-US"/>
+              <a:t>Time Constraints, cont’d</a:t>
             </a:r>
           </a:p>
         </p:txBody>
@@ -20571,34 +17123,6 @@
               <a:t>23</a:t>
             </a:fld>
             <a:endParaRPr lang="en-US"/>
-          </a:p>
-        </p:txBody>
-      </p:sp>
-      <p:sp>
-        <p:nvSpPr>
-          <p:cNvPr id="26629" name="AutoShape 2"/>
-          <p:cNvSpPr>
-            <a:spLocks noGrp="1" noChangeArrowheads="1"/>
-          </p:cNvSpPr>
-          <p:nvPr>
-            <p:ph type="title"/>
-          </p:nvPr>
-        </p:nvSpPr>
-        <p:spPr/>
-        <p:txBody>
-          <a:bodyPr/>
-          <a:lstStyle/>
-          <a:p>
-            <a:pPr fontAlgn="auto">
-              <a:spcAft>
-                <a:spcPts val="0"/>
-              </a:spcAft>
-              <a:defRPr/>
-            </a:pPr>
-            <a:r>
-              <a:rPr lang="en-US" smtClean="0"/>
-              <a:t>Time Constraints, cont’d</a:t>
-            </a:r>
           </a:p>
         </p:txBody>
       </p:sp>
@@ -20782,7 +17306,7 @@
               </a:spcAft>
             </a:pPr>
             <a:r>
-              <a:rPr lang="en-US" smtClean="0"/>
+              <a:rPr lang="en-US"/>
               <a:t>Experience counts: practice, practice, practice.</a:t>
             </a:r>
           </a:p>
@@ -20796,7 +17320,7 @@
               </a:spcAft>
             </a:pPr>
             <a:r>
-              <a:rPr lang="en-US" smtClean="0"/>
+              <a:rPr lang="en-US"/>
               <a:t>Good idea to practice your talk on boyfriend, girlfriend, mother, pet rock, or anyone else who will listen.  </a:t>
             </a:r>
           </a:p>
@@ -20810,7 +17334,7 @@
               </a:spcAft>
             </a:pPr>
             <a:r>
-              <a:rPr lang="en-US" smtClean="0"/>
+              <a:rPr lang="en-US"/>
               <a:t>BUT do not over-prepare to the point of becoming scripted.  Then you sound like the dreaded "canned talk".</a:t>
             </a:r>
           </a:p>
@@ -20824,8 +17348,36 @@
               </a:spcAft>
             </a:pPr>
             <a:r>
-              <a:rPr lang="en-US" smtClean="0"/>
+              <a:rPr lang="en-US"/>
               <a:t>Practice talk the night before the presentation, not right before the talk.  Only do a brief review of them right before the talk.</a:t>
+            </a:r>
+          </a:p>
+        </p:txBody>
+      </p:sp>
+      <p:sp>
+        <p:nvSpPr>
+          <p:cNvPr id="27653" name="AutoShape 2"/>
+          <p:cNvSpPr>
+            <a:spLocks noGrp="1" noChangeArrowheads="1"/>
+          </p:cNvSpPr>
+          <p:nvPr>
+            <p:ph type="title"/>
+          </p:nvPr>
+        </p:nvSpPr>
+        <p:spPr/>
+        <p:txBody>
+          <a:bodyPr/>
+          <a:lstStyle/>
+          <a:p>
+            <a:pPr fontAlgn="auto">
+              <a:spcAft>
+                <a:spcPts val="0"/>
+              </a:spcAft>
+              <a:defRPr/>
+            </a:pPr>
+            <a:r>
+              <a:rPr lang="en-US"/>
+              <a:t>Preparation</a:t>
             </a:r>
           </a:p>
         </p:txBody>
@@ -20862,34 +17414,6 @@
               <a:t>24</a:t>
             </a:fld>
             <a:endParaRPr lang="en-US"/>
-          </a:p>
-        </p:txBody>
-      </p:sp>
-      <p:sp>
-        <p:nvSpPr>
-          <p:cNvPr id="27653" name="AutoShape 2"/>
-          <p:cNvSpPr>
-            <a:spLocks noGrp="1" noChangeArrowheads="1"/>
-          </p:cNvSpPr>
-          <p:nvPr>
-            <p:ph type="title"/>
-          </p:nvPr>
-        </p:nvSpPr>
-        <p:spPr/>
-        <p:txBody>
-          <a:bodyPr/>
-          <a:lstStyle/>
-          <a:p>
-            <a:pPr fontAlgn="auto">
-              <a:spcAft>
-                <a:spcPts val="0"/>
-              </a:spcAft>
-              <a:defRPr/>
-            </a:pPr>
-            <a:r>
-              <a:rPr lang="en-US" smtClean="0"/>
-              <a:t>Preparation</a:t>
-            </a:r>
           </a:p>
         </p:txBody>
       </p:sp>
@@ -21176,7 +17700,7 @@
               <a:defRPr/>
             </a:pPr>
             <a:r>
-              <a:rPr lang="en-US" dirty="0" smtClean="0"/>
+              <a:rPr lang="en-US" dirty="0"/>
               <a:t>Handling Aggressive Questioners</a:t>
             </a:r>
           </a:p>
@@ -21213,15 +17737,15 @@
               <a:defRPr/>
             </a:pPr>
             <a:r>
-              <a:rPr lang="en-US" sz="2600" i="1" dirty="0" smtClean="0"/>
+              <a:rPr lang="en-US" sz="2600" i="1" dirty="0"/>
               <a:t>"Are you familiar with the work of Bozo and Bozo from 1984 in which they proposed the exact same idea as yours" </a:t>
             </a:r>
             <a:r>
-              <a:rPr lang="en-US" sz="2600" b="1" dirty="0" smtClean="0"/>
+              <a:rPr lang="en-US" sz="2600" b="1" dirty="0"/>
               <a:t> </a:t>
             </a:r>
             <a:r>
-              <a:rPr lang="en-US" sz="2600" dirty="0" smtClean="0"/>
+              <a:rPr lang="en-US" sz="2600" dirty="0"/>
               <a:t>GULP! </a:t>
             </a:r>
           </a:p>
@@ -21235,7 +17759,7 @@
               <a:defRPr/>
             </a:pPr>
             <a:r>
-              <a:rPr lang="en-US" sz="2600" dirty="0" smtClean="0"/>
+              <a:rPr lang="en-US" sz="2600" dirty="0"/>
               <a:t>Everyone fears the QUESTIONS at the end.</a:t>
             </a:r>
           </a:p>
@@ -21249,10 +17773,10 @@
               <a:defRPr/>
             </a:pPr>
             <a:r>
-              <a:rPr lang="en-US" sz="2600" dirty="0" smtClean="0"/>
+              <a:rPr lang="en-US" sz="2600" dirty="0"/>
               <a:t>Possibly shows what you don't know!</a:t>
             </a:r>
-            <a:endParaRPr lang="en-US" sz="2600" i="1" dirty="0" smtClean="0"/>
+            <a:endParaRPr lang="en-US" sz="2600" i="1" dirty="0"/>
           </a:p>
           <a:p>
             <a:pPr marL="365760" indent="-256032" fontAlgn="auto">
@@ -21264,7 +17788,7 @@
               <a:defRPr/>
             </a:pPr>
             <a:r>
-              <a:rPr lang="en-US" sz="2600" dirty="0" smtClean="0"/>
+              <a:rPr lang="en-US" sz="2600" dirty="0"/>
               <a:t>Don't let that happen by being knowledgeable about your subject.</a:t>
             </a:r>
           </a:p>
@@ -21278,7 +17802,7 @@
               <a:defRPr/>
             </a:pPr>
             <a:r>
-              <a:rPr lang="en-US" sz="2600" b="1" dirty="0" smtClean="0"/>
+              <a:rPr lang="en-US" sz="2600" b="1" dirty="0"/>
               <a:t>We live in a world of ideas - TOUGH QUESTIONING IS ULTIMATELY GOOD FOR YOU AND THE FIELD.</a:t>
             </a:r>
           </a:p>
@@ -21340,7 +17864,7 @@
               <a:pPr/>
               <a:t>25</a:t>
             </a:fld>
-            <a:endParaRPr lang="en-US" smtClean="0"/>
+            <a:endParaRPr lang="en-US"/>
           </a:p>
         </p:txBody>
       </p:sp>
@@ -21660,7 +18184,7 @@
         <p:spPr/>
         <p:txBody>
           <a:bodyPr>
-            <a:normAutofit fontScale="92500"/>
+            <a:normAutofit fontScale="92500" lnSpcReduction="10000"/>
           </a:bodyPr>
           <a:lstStyle/>
           <a:p>
@@ -21679,7 +18203,7 @@
               <a:defRPr/>
             </a:pPr>
             <a:r>
-              <a:rPr lang="en-US" sz="2500" dirty="0" smtClean="0"/>
+              <a:rPr lang="en-US" sz="2500" dirty="0"/>
               <a:t>Rephrase the question for audience and ask the person if that is what they meant. </a:t>
             </a:r>
           </a:p>
@@ -21699,7 +18223,7 @@
               <a:defRPr/>
             </a:pPr>
             <a:r>
-              <a:rPr lang="en-US" sz="2500" dirty="0" smtClean="0"/>
+              <a:rPr lang="en-US" sz="2500" dirty="0"/>
               <a:t>it gives you time to think.</a:t>
             </a:r>
           </a:p>
@@ -21719,7 +18243,7 @@
               <a:defRPr/>
             </a:pPr>
             <a:r>
-              <a:rPr lang="en-US" sz="2500" dirty="0" smtClean="0"/>
+              <a:rPr lang="en-US" sz="2500" dirty="0"/>
               <a:t>you answer the correct question. </a:t>
             </a:r>
           </a:p>
@@ -21739,7 +18263,7 @@
               <a:defRPr/>
             </a:pPr>
             <a:r>
-              <a:rPr lang="en-US" sz="2500" dirty="0" smtClean="0"/>
+              <a:rPr lang="en-US" sz="2500" dirty="0"/>
               <a:t>ask the questions in a positive light if it is hostile.</a:t>
             </a:r>
           </a:p>
@@ -21759,15 +18283,15 @@
               <a:defRPr/>
             </a:pPr>
             <a:r>
-              <a:rPr lang="en-US" sz="2500" dirty="0" smtClean="0"/>
+              <a:rPr lang="en-US" sz="2500" dirty="0"/>
               <a:t>Look that questioner right in the eye! Prolonged </a:t>
             </a:r>
             <a:r>
-              <a:rPr lang="en-US" sz="2500" dirty="0" err="1" smtClean="0"/>
+              <a:rPr lang="en-US" sz="2500" dirty="0" err="1"/>
               <a:t>emphathetic</a:t>
             </a:r>
             <a:r>
-              <a:rPr lang="en-US" sz="2500" dirty="0" smtClean="0"/>
+              <a:rPr lang="en-US" sz="2500" dirty="0"/>
               <a:t> eye contact.  </a:t>
             </a:r>
           </a:p>
@@ -21787,11 +18311,11 @@
               <a:defRPr/>
             </a:pPr>
             <a:r>
-              <a:rPr lang="en-US" sz="2500" dirty="0" smtClean="0"/>
+              <a:rPr lang="en-US" sz="2500" dirty="0"/>
               <a:t>DO NOT get angry or put the person down - you're in power position.</a:t>
             </a:r>
             <a:r>
-              <a:rPr lang="en-US" sz="2600" dirty="0" smtClean="0"/>
+              <a:rPr lang="en-US" sz="2600" dirty="0"/>
               <a:t> </a:t>
             </a:r>
           </a:p>
@@ -21811,7 +18335,7 @@
               <a:defRPr/>
             </a:pPr>
             <a:r>
-              <a:rPr lang="en-US" sz="2400" dirty="0" smtClean="0"/>
+              <a:rPr lang="en-US" sz="2400" dirty="0"/>
               <a:t>If you can't answer, admit it - don't B.S.</a:t>
             </a:r>
           </a:p>
@@ -21831,12 +18355,42 @@
               <a:defRPr/>
             </a:pPr>
             <a:r>
-              <a:rPr lang="en-US" sz="2400" dirty="0" smtClean="0"/>
+              <a:rPr lang="en-US" sz="2400" dirty="0"/>
               <a:t>Offer to discuss it after presentation if you just can't answer it.</a:t>
             </a:r>
             <a:r>
-              <a:rPr lang="en-US" sz="2600" dirty="0" smtClean="0"/>
+              <a:rPr lang="en-US" sz="2600" dirty="0"/>
               <a:t> </a:t>
+            </a:r>
+          </a:p>
+        </p:txBody>
+      </p:sp>
+      <p:sp>
+        <p:nvSpPr>
+          <p:cNvPr id="29701" name="AutoShape 2"/>
+          <p:cNvSpPr>
+            <a:spLocks noGrp="1" noChangeArrowheads="1"/>
+          </p:cNvSpPr>
+          <p:nvPr>
+            <p:ph type="title"/>
+          </p:nvPr>
+        </p:nvSpPr>
+        <p:spPr/>
+        <p:txBody>
+          <a:bodyPr>
+            <a:normAutofit fontScale="90000"/>
+          </a:bodyPr>
+          <a:lstStyle/>
+          <a:p>
+            <a:pPr fontAlgn="auto">
+              <a:spcAft>
+                <a:spcPts val="0"/>
+              </a:spcAft>
+              <a:defRPr/>
+            </a:pPr>
+            <a:r>
+              <a:rPr lang="en-US"/>
+              <a:t>Aggressive Questioners, cont’d</a:t>
             </a:r>
           </a:p>
         </p:txBody>
@@ -21873,34 +18427,6 @@
               <a:t>26</a:t>
             </a:fld>
             <a:endParaRPr lang="en-US"/>
-          </a:p>
-        </p:txBody>
-      </p:sp>
-      <p:sp>
-        <p:nvSpPr>
-          <p:cNvPr id="29701" name="AutoShape 2"/>
-          <p:cNvSpPr>
-            <a:spLocks noGrp="1" noChangeArrowheads="1"/>
-          </p:cNvSpPr>
-          <p:nvPr>
-            <p:ph type="title"/>
-          </p:nvPr>
-        </p:nvSpPr>
-        <p:spPr/>
-        <p:txBody>
-          <a:bodyPr/>
-          <a:lstStyle/>
-          <a:p>
-            <a:pPr fontAlgn="auto">
-              <a:spcAft>
-                <a:spcPts val="0"/>
-              </a:spcAft>
-              <a:defRPr/>
-            </a:pPr>
-            <a:r>
-              <a:rPr lang="en-US" smtClean="0"/>
-              <a:t>Aggressive Questioners, cont’d</a:t>
-            </a:r>
           </a:p>
         </p:txBody>
       </p:sp>
@@ -22322,7 +18848,7 @@
               <a:defRPr/>
             </a:pPr>
             <a:r>
-              <a:rPr lang="en-US" sz="2800" smtClean="0"/>
+              <a:rPr lang="en-US" sz="2800"/>
               <a:t>Even More Random Advice for the Bucket</a:t>
             </a:r>
           </a:p>
@@ -22359,11 +18885,11 @@
               <a:defRPr/>
             </a:pPr>
             <a:r>
-              <a:rPr lang="en-US" sz="2400" i="1" dirty="0" smtClean="0"/>
+              <a:rPr lang="en-US" sz="2400" i="1" dirty="0"/>
               <a:t>"An ounce of application is worth a ton of theory"</a:t>
             </a:r>
             <a:r>
-              <a:rPr lang="en-US" sz="2400" dirty="0" smtClean="0"/>
+              <a:rPr lang="en-US" sz="2400" dirty="0"/>
               <a:t> (George Washington Carver). People like to know how you applied it and what the tangible results are.</a:t>
             </a:r>
           </a:p>
@@ -22377,7 +18903,7 @@
               <a:defRPr/>
             </a:pPr>
             <a:r>
-              <a:rPr lang="en-US" sz="2400" dirty="0" smtClean="0"/>
+              <a:rPr lang="en-US" sz="2400" dirty="0"/>
               <a:t>Watch out for chalkboard.</a:t>
             </a:r>
           </a:p>
@@ -22391,7 +18917,7 @@
               <a:defRPr/>
             </a:pPr>
             <a:r>
-              <a:rPr lang="en-US" sz="2400" dirty="0" smtClean="0"/>
+              <a:rPr lang="en-US" sz="2400" dirty="0"/>
               <a:t>Alternative: put some of it on a transparency and then add the exciting stuff with a transparency marker. </a:t>
             </a:r>
           </a:p>
@@ -22405,7 +18931,7 @@
               <a:defRPr/>
             </a:pPr>
             <a:r>
-              <a:rPr lang="en-US" sz="2400" dirty="0" smtClean="0"/>
+              <a:rPr lang="en-US" sz="2400" dirty="0"/>
               <a:t>Chalkboard is great in response to an "unexpected question".  Bonus points for knowing the material so well that you can go to the board and answer the question.</a:t>
             </a:r>
           </a:p>
@@ -22418,7 +18944,7 @@
               <a:buChar char=""/>
               <a:defRPr/>
             </a:pPr>
-            <a:endParaRPr lang="en-US" sz="2400" dirty="0" smtClean="0"/>
+            <a:endParaRPr lang="en-US" sz="2400" dirty="0"/>
           </a:p>
         </p:txBody>
       </p:sp>
@@ -22478,7 +19004,7 @@
               <a:pPr/>
               <a:t>27</a:t>
             </a:fld>
-            <a:endParaRPr lang="en-US" smtClean="0"/>
+            <a:endParaRPr lang="en-US"/>
           </a:p>
         </p:txBody>
       </p:sp>
@@ -22756,7 +19282,7 @@
                 <a:spcPct val="80000"/>
               </a:lnSpc>
             </a:pPr>
-            <a:endParaRPr lang="en-US" sz="2000" smtClean="0"/>
+            <a:endParaRPr lang="en-US" sz="2000"/>
           </a:p>
           <a:p>
             <a:pPr algn="ctr">
@@ -22767,15 +19293,15 @@
               <a:buNone/>
             </a:pPr>
             <a:r>
-              <a:rPr lang="en-US" sz="3600" smtClean="0"/>
+              <a:rPr lang="en-US" sz="3600"/>
               <a:t>Sincerity:  Don’t use </a:t>
             </a:r>
             <a:r>
-              <a:rPr lang="en-US" sz="3600" u="sng" smtClean="0"/>
+              <a:rPr lang="en-US" sz="3600" u="sng"/>
               <a:t>the secrets</a:t>
             </a:r>
             <a:r>
-              <a:rPr lang="en-US" sz="3600" smtClean="0"/>
+              <a:rPr lang="en-US" sz="3600"/>
               <a:t> in a phony manner. It may help in some situations, but it will eventually catch up to you.  </a:t>
             </a:r>
           </a:p>
@@ -22787,7 +19313,7 @@
               <a:buFont typeface="Wingdings" pitchFamily="2" charset="2"/>
               <a:buNone/>
             </a:pPr>
-            <a:endParaRPr lang="en-US" sz="3600" smtClean="0"/>
+            <a:endParaRPr lang="en-US" sz="3600"/>
           </a:p>
           <a:p>
             <a:pPr algn="ctr">
@@ -22798,8 +19324,36 @@
               <a:buNone/>
             </a:pPr>
             <a:r>
-              <a:rPr lang="en-US" sz="3600" smtClean="0"/>
+              <a:rPr lang="en-US" sz="3600"/>
               <a:t>Know your stuff and be sincere with what you are saying and with your audience.</a:t>
+            </a:r>
+          </a:p>
+        </p:txBody>
+      </p:sp>
+      <p:sp>
+        <p:nvSpPr>
+          <p:cNvPr id="31749" name="AutoShape 2"/>
+          <p:cNvSpPr>
+            <a:spLocks noGrp="1" noChangeArrowheads="1"/>
+          </p:cNvSpPr>
+          <p:nvPr>
+            <p:ph type="title"/>
+          </p:nvPr>
+        </p:nvSpPr>
+        <p:spPr/>
+        <p:txBody>
+          <a:bodyPr/>
+          <a:lstStyle/>
+          <a:p>
+            <a:pPr fontAlgn="auto">
+              <a:spcAft>
+                <a:spcPts val="0"/>
+              </a:spcAft>
+              <a:defRPr/>
+            </a:pPr>
+            <a:r>
+              <a:rPr lang="en-US"/>
+              <a:t>Final Piece of Advice</a:t>
             </a:r>
           </a:p>
         </p:txBody>
@@ -22836,34 +19390,6 @@
               <a:t>28</a:t>
             </a:fld>
             <a:endParaRPr lang="en-US"/>
-          </a:p>
-        </p:txBody>
-      </p:sp>
-      <p:sp>
-        <p:nvSpPr>
-          <p:cNvPr id="31749" name="AutoShape 2"/>
-          <p:cNvSpPr>
-            <a:spLocks noGrp="1" noChangeArrowheads="1"/>
-          </p:cNvSpPr>
-          <p:nvPr>
-            <p:ph type="title"/>
-          </p:nvPr>
-        </p:nvSpPr>
-        <p:spPr/>
-        <p:txBody>
-          <a:bodyPr/>
-          <a:lstStyle/>
-          <a:p>
-            <a:pPr fontAlgn="auto">
-              <a:spcAft>
-                <a:spcPts val="0"/>
-              </a:spcAft>
-              <a:defRPr/>
-            </a:pPr>
-            <a:r>
-              <a:rPr lang="en-US" smtClean="0"/>
-              <a:t>Final Piece of Advice</a:t>
-            </a:r>
           </a:p>
         </p:txBody>
       </p:sp>
@@ -23044,7 +19570,7 @@
               </a:spcAft>
             </a:pPr>
             <a:r>
-              <a:rPr lang="en-US" smtClean="0"/>
+              <a:rPr lang="en-US"/>
               <a:t>Table 12.1 describes items to include in different design project presentations.</a:t>
             </a:r>
           </a:p>
@@ -23055,8 +19581,43 @@
               </a:spcAft>
             </a:pPr>
             <a:r>
-              <a:rPr lang="en-US" smtClean="0"/>
+              <a:rPr lang="en-US"/>
               <a:t>Table 12.2 is a checklist to apply when preparing a presentation.</a:t>
+            </a:r>
+          </a:p>
+        </p:txBody>
+      </p:sp>
+      <p:sp>
+        <p:nvSpPr>
+          <p:cNvPr id="32773" name="AutoShape 2"/>
+          <p:cNvSpPr>
+            <a:spLocks noGrp="1" noChangeArrowheads="1"/>
+          </p:cNvSpPr>
+          <p:nvPr>
+            <p:ph type="title"/>
+          </p:nvPr>
+        </p:nvSpPr>
+        <p:spPr>
+          <a:xfrm>
+            <a:off x="762000" y="304800"/>
+            <a:ext cx="7924800" cy="685800"/>
+          </a:xfrm>
+        </p:spPr>
+        <p:txBody>
+          <a:bodyPr>
+            <a:normAutofit fontScale="90000"/>
+          </a:bodyPr>
+          <a:lstStyle/>
+          <a:p>
+            <a:pPr fontAlgn="auto">
+              <a:spcAft>
+                <a:spcPts val="0"/>
+              </a:spcAft>
+              <a:defRPr/>
+            </a:pPr>
+            <a:r>
+              <a:rPr lang="en-US" sz="3200"/>
+              <a:t>12.3 Project Application: Design Presentations</a:t>
             </a:r>
           </a:p>
         </p:txBody>
@@ -23093,41 +19654,6 @@
               <a:t>29</a:t>
             </a:fld>
             <a:endParaRPr lang="en-US"/>
-          </a:p>
-        </p:txBody>
-      </p:sp>
-      <p:sp>
-        <p:nvSpPr>
-          <p:cNvPr id="32773" name="AutoShape 2"/>
-          <p:cNvSpPr>
-            <a:spLocks noGrp="1" noChangeArrowheads="1"/>
-          </p:cNvSpPr>
-          <p:nvPr>
-            <p:ph type="title"/>
-          </p:nvPr>
-        </p:nvSpPr>
-        <p:spPr>
-          <a:xfrm>
-            <a:off x="762000" y="304800"/>
-            <a:ext cx="7924800" cy="685800"/>
-          </a:xfrm>
-        </p:spPr>
-        <p:txBody>
-          <a:bodyPr>
-            <a:normAutofit fontScale="90000"/>
-          </a:bodyPr>
-          <a:lstStyle/>
-          <a:p>
-            <a:pPr fontAlgn="auto">
-              <a:spcAft>
-                <a:spcPts val="0"/>
-              </a:spcAft>
-              <a:defRPr/>
-            </a:pPr>
-            <a:r>
-              <a:rPr lang="en-US" sz="3200" smtClean="0"/>
-              <a:t>12.3 Project Application: Design Presentations</a:t>
-            </a:r>
           </a:p>
         </p:txBody>
       </p:sp>
@@ -23314,7 +19840,7 @@
               </a:spcAft>
             </a:pPr>
             <a:r>
-              <a:rPr lang="en-US" smtClean="0"/>
+              <a:rPr lang="en-US"/>
               <a:t>You want to get your message out!</a:t>
             </a:r>
           </a:p>
@@ -23331,7 +19857,7 @@
               </a:spcAft>
             </a:pPr>
             <a:r>
-              <a:rPr lang="en-US" smtClean="0"/>
+              <a:rPr lang="en-US"/>
               <a:t>You will be required to make presentations in your academic and professional career - count on it!</a:t>
             </a:r>
           </a:p>
@@ -23348,7 +19874,7 @@
               </a:spcAft>
             </a:pPr>
             <a:r>
-              <a:rPr lang="en-US" smtClean="0"/>
+              <a:rPr lang="en-US"/>
               <a:t>Those who express themselves well:</a:t>
             </a:r>
           </a:p>
@@ -23365,7 +19891,7 @@
               </a:spcAft>
             </a:pPr>
             <a:r>
-              <a:rPr lang="en-US" smtClean="0"/>
+              <a:rPr lang="en-US"/>
               <a:t>are held in high regard by their peers </a:t>
             </a:r>
           </a:p>
@@ -23382,8 +19908,36 @@
               </a:spcAft>
             </a:pPr>
             <a:r>
-              <a:rPr lang="en-US" smtClean="0"/>
+              <a:rPr lang="en-US"/>
               <a:t>tend to advance more quickly in their careers than those who don't - regardless (almost) of your technical expertise.</a:t>
+            </a:r>
+          </a:p>
+        </p:txBody>
+      </p:sp>
+      <p:sp>
+        <p:nvSpPr>
+          <p:cNvPr id="5125" name="AutoShape 2"/>
+          <p:cNvSpPr>
+            <a:spLocks noGrp="1" noChangeArrowheads="1"/>
+          </p:cNvSpPr>
+          <p:nvPr>
+            <p:ph type="title"/>
+          </p:nvPr>
+        </p:nvSpPr>
+        <p:spPr/>
+        <p:txBody>
+          <a:bodyPr/>
+          <a:lstStyle/>
+          <a:p>
+            <a:pPr fontAlgn="auto">
+              <a:spcAft>
+                <a:spcPts val="0"/>
+              </a:spcAft>
+              <a:defRPr/>
+            </a:pPr>
+            <a:r>
+              <a:rPr lang="en-US"/>
+              <a:t>Motivation</a:t>
             </a:r>
           </a:p>
         </p:txBody>
@@ -23420,34 +19974,6 @@
               <a:t>3</a:t>
             </a:fld>
             <a:endParaRPr lang="en-US"/>
-          </a:p>
-        </p:txBody>
-      </p:sp>
-      <p:sp>
-        <p:nvSpPr>
-          <p:cNvPr id="5125" name="AutoShape 2"/>
-          <p:cNvSpPr>
-            <a:spLocks noGrp="1" noChangeArrowheads="1"/>
-          </p:cNvSpPr>
-          <p:nvPr>
-            <p:ph type="title"/>
-          </p:nvPr>
-        </p:nvSpPr>
-        <p:spPr/>
-        <p:txBody>
-          <a:bodyPr/>
-          <a:lstStyle/>
-          <a:p>
-            <a:pPr fontAlgn="auto">
-              <a:spcAft>
-                <a:spcPts val="0"/>
-              </a:spcAft>
-              <a:defRPr/>
-            </a:pPr>
-            <a:r>
-              <a:rPr lang="en-US" smtClean="0"/>
-              <a:t>Motivation</a:t>
-            </a:r>
           </a:p>
         </p:txBody>
       </p:sp>
@@ -23747,7 +20273,7 @@
               <a:defRPr/>
             </a:pPr>
             <a:r>
-              <a:rPr lang="en-US" dirty="0" smtClean="0"/>
+              <a:rPr lang="en-US" dirty="0"/>
               <a:t>Prepare for your presentation – identify the important points.</a:t>
             </a:r>
           </a:p>
@@ -23764,7 +20290,7 @@
               <a:defRPr/>
             </a:pPr>
             <a:r>
-              <a:rPr lang="en-US" dirty="0" smtClean="0"/>
+              <a:rPr lang="en-US" dirty="0"/>
               <a:t>Analyze your audience and address their needs.</a:t>
             </a:r>
           </a:p>
@@ -23781,7 +20307,7 @@
               <a:defRPr/>
             </a:pPr>
             <a:r>
-              <a:rPr lang="en-US" dirty="0" smtClean="0"/>
+              <a:rPr lang="en-US" dirty="0"/>
               <a:t>Organize.</a:t>
             </a:r>
           </a:p>
@@ -23798,7 +20324,7 @@
               <a:defRPr/>
             </a:pPr>
             <a:r>
-              <a:rPr lang="en-US" dirty="0" smtClean="0"/>
+              <a:rPr lang="en-US" dirty="0"/>
               <a:t>Teach – don’t do a data dump.</a:t>
             </a:r>
           </a:p>
@@ -23815,7 +20341,7 @@
               <a:defRPr/>
             </a:pPr>
             <a:r>
-              <a:rPr lang="en-US" dirty="0" smtClean="0"/>
+              <a:rPr lang="en-US" dirty="0"/>
               <a:t>Practice.</a:t>
             </a:r>
           </a:p>
@@ -23832,7 +20358,7 @@
               <a:defRPr/>
             </a:pPr>
             <a:r>
-              <a:rPr lang="en-US" dirty="0" smtClean="0"/>
+              <a:rPr lang="en-US" dirty="0"/>
               <a:t>Be ready for questions.</a:t>
             </a:r>
           </a:p>
@@ -23849,8 +20375,36 @@
               <a:defRPr/>
             </a:pPr>
             <a:r>
-              <a:rPr lang="en-US" dirty="0" smtClean="0"/>
+              <a:rPr lang="en-US" dirty="0"/>
               <a:t>Go out there and make your work what people remember!</a:t>
+            </a:r>
+          </a:p>
+        </p:txBody>
+      </p:sp>
+      <p:sp>
+        <p:nvSpPr>
+          <p:cNvPr id="33797" name="AutoShape 2"/>
+          <p:cNvSpPr>
+            <a:spLocks noGrp="1" noChangeArrowheads="1"/>
+          </p:cNvSpPr>
+          <p:nvPr>
+            <p:ph type="title"/>
+          </p:nvPr>
+        </p:nvSpPr>
+        <p:spPr/>
+        <p:txBody>
+          <a:bodyPr/>
+          <a:lstStyle/>
+          <a:p>
+            <a:pPr fontAlgn="auto">
+              <a:spcAft>
+                <a:spcPts val="0"/>
+              </a:spcAft>
+              <a:defRPr/>
+            </a:pPr>
+            <a:r>
+              <a:rPr lang="en-US"/>
+              <a:t>12.4 Summary</a:t>
             </a:r>
           </a:p>
         </p:txBody>
@@ -23886,35 +20440,7 @@
               <a:pPr/>
               <a:t>30</a:t>
             </a:fld>
-            <a:endParaRPr lang="en-US"/>
-          </a:p>
-        </p:txBody>
-      </p:sp>
-      <p:sp>
-        <p:nvSpPr>
-          <p:cNvPr id="33797" name="AutoShape 2"/>
-          <p:cNvSpPr>
-            <a:spLocks noGrp="1" noChangeArrowheads="1"/>
-          </p:cNvSpPr>
-          <p:nvPr>
-            <p:ph type="title"/>
-          </p:nvPr>
-        </p:nvSpPr>
-        <p:spPr/>
-        <p:txBody>
-          <a:bodyPr/>
-          <a:lstStyle/>
-          <a:p>
-            <a:pPr fontAlgn="auto">
-              <a:spcAft>
-                <a:spcPts val="0"/>
-              </a:spcAft>
-              <a:defRPr/>
-            </a:pPr>
-            <a:r>
-              <a:rPr lang="en-US" smtClean="0"/>
-              <a:t>12.4 Summary</a:t>
-            </a:r>
+            <a:endParaRPr lang="en-US" dirty="0"/>
           </a:p>
         </p:txBody>
       </p:sp>
@@ -24342,7 +20868,7 @@
               <a:buNone/>
             </a:pPr>
             <a:r>
-              <a:rPr lang="en-US" sz="2800" smtClean="0"/>
+              <a:rPr lang="en-US" sz="2800"/>
               <a:t>By the end of this chapter, the reader should:</a:t>
             </a:r>
           </a:p>
@@ -24353,7 +20879,7 @@
               </a:spcAft>
             </a:pPr>
             <a:r>
-              <a:rPr lang="en-US" sz="2800" smtClean="0"/>
+              <a:rPr lang="en-US" sz="2800"/>
               <a:t>Understand how people evaluate oral presentations.</a:t>
             </a:r>
           </a:p>
@@ -24364,7 +20890,7 @@
               </a:spcAft>
             </a:pPr>
             <a:r>
-              <a:rPr lang="en-US" sz="2800" smtClean="0"/>
+              <a:rPr lang="en-US" sz="2800"/>
               <a:t>Understand common elements of a technical presentation.</a:t>
             </a:r>
           </a:p>
@@ -24375,7 +20901,7 @@
               </a:spcAft>
             </a:pPr>
             <a:r>
-              <a:rPr lang="en-US" sz="2800" smtClean="0"/>
+              <a:rPr lang="en-US" sz="2800"/>
               <a:t>Be able to assemble an effective presentation.</a:t>
             </a:r>
           </a:p>
@@ -24385,7 +20911,35 @@
                 <a:spcPts val="600"/>
               </a:spcAft>
             </a:pPr>
-            <a:endParaRPr lang="en-US" sz="2800" smtClean="0"/>
+            <a:endParaRPr lang="en-US" sz="2800"/>
+          </a:p>
+        </p:txBody>
+      </p:sp>
+      <p:sp>
+        <p:nvSpPr>
+          <p:cNvPr id="6146" name="Title 1"/>
+          <p:cNvSpPr>
+            <a:spLocks noGrp="1"/>
+          </p:cNvSpPr>
+          <p:nvPr>
+            <p:ph type="title"/>
+          </p:nvPr>
+        </p:nvSpPr>
+        <p:spPr/>
+        <p:txBody>
+          <a:bodyPr/>
+          <a:lstStyle/>
+          <a:p>
+            <a:pPr fontAlgn="auto">
+              <a:spcAft>
+                <a:spcPts val="0"/>
+              </a:spcAft>
+              <a:defRPr/>
+            </a:pPr>
+            <a:r>
+              <a:rPr lang="en-US"/>
+              <a:t>Objectives</a:t>
+            </a:r>
           </a:p>
         </p:txBody>
       </p:sp>
@@ -24424,46 +20978,11 @@
           </a:p>
         </p:txBody>
       </p:sp>
-      <p:sp>
-        <p:nvSpPr>
-          <p:cNvPr id="6146" name="Title 1"/>
-          <p:cNvSpPr>
-            <a:spLocks noGrp="1"/>
-          </p:cNvSpPr>
-          <p:nvPr>
-            <p:ph type="title"/>
-          </p:nvPr>
-        </p:nvSpPr>
-        <p:spPr/>
-        <p:txBody>
-          <a:bodyPr/>
-          <a:lstStyle/>
-          <a:p>
-            <a:pPr fontAlgn="auto">
-              <a:spcAft>
-                <a:spcPts val="0"/>
-              </a:spcAft>
-              <a:defRPr/>
-            </a:pPr>
-            <a:r>
-              <a:rPr lang="en-US" smtClean="0"/>
-              <a:t>Objectives</a:t>
-            </a:r>
-          </a:p>
-        </p:txBody>
-      </p:sp>
     </p:spTree>
   </p:cSld>
   <p:clrMapOvr>
     <a:masterClrMapping/>
   </p:clrMapOvr>
-  <p:timing>
-    <p:tnLst>
-      <p:par>
-        <p:cTn id="1" dur="indefinite" restart="never" nodeType="tmRoot"/>
-      </p:par>
-    </p:tnLst>
-  </p:timing>
 </p:sld>
 </file>
 
@@ -24484,68 +21003,6 @@
           <a:chExt cx="0" cy="0"/>
         </a:xfrm>
       </p:grpSpPr>
-      <p:sp>
-        <p:nvSpPr>
-          <p:cNvPr id="4" name="Date Placeholder 3"/>
-          <p:cNvSpPr>
-            <a:spLocks noGrp="1"/>
-          </p:cNvSpPr>
-          <p:nvPr>
-            <p:ph type="dt" sz="half" idx="10"/>
-          </p:nvPr>
-        </p:nvSpPr>
-        <p:spPr/>
-        <p:txBody>
-          <a:bodyPr/>
-          <a:lstStyle/>
-          <a:p>
-            <a:endParaRPr lang="en-US"/>
-          </a:p>
-          <a:p>
-            <a:r>
-              <a:rPr lang="en-US"/>
-              <a:t>Design for Electrical and Computer Engineers </a:t>
-            </a:r>
-          </a:p>
-          <a:p>
-            <a:r>
-              <a:rPr lang="en-US"/>
-              <a:t>Not to be transmitted or reproduced without written consent of authors</a:t>
-            </a:r>
-          </a:p>
-          <a:p>
-            <a:endParaRPr lang="en-US"/>
-          </a:p>
-        </p:txBody>
-      </p:sp>
-      <p:sp>
-        <p:nvSpPr>
-          <p:cNvPr id="5" name="Footer Placeholder 4"/>
-          <p:cNvSpPr>
-            <a:spLocks noGrp="1"/>
-          </p:cNvSpPr>
-          <p:nvPr>
-            <p:ph type="ftr" sz="quarter" idx="11"/>
-          </p:nvPr>
-        </p:nvSpPr>
-        <p:spPr/>
-        <p:txBody>
-          <a:bodyPr/>
-          <a:lstStyle/>
-          <a:p>
-            <a:r>
-              <a:rPr lang="en-US"/>
-              <a:t>Copyright 2005 </a:t>
-            </a:r>
-          </a:p>
-          <a:p>
-            <a:r>
-              <a:rPr lang="en-US"/>
-              <a:t>Ralph M. Ford and Chris Coulston</a:t>
-            </a:r>
-          </a:p>
-        </p:txBody>
-      </p:sp>
       <p:sp>
         <p:nvSpPr>
           <p:cNvPr id="183298" name="AutoShape 2"/>
@@ -24600,18 +21057,56 @@
           </a:ln>
         </p:spPr>
       </p:pic>
+      <p:sp>
+        <p:nvSpPr>
+          <p:cNvPr id="6" name="Slide Number Placeholder 5">
+            <a:extLst>
+              <a:ext uri="{FF2B5EF4-FFF2-40B4-BE49-F238E27FC236}">
+                <a16:creationId xmlns:a16="http://schemas.microsoft.com/office/drawing/2014/main" id="{FFEC16BF-50E8-482E-BD98-4D1E15E2AF0A}"/>
+              </a:ext>
+            </a:extLst>
+          </p:cNvPr>
+          <p:cNvSpPr>
+            <a:spLocks noGrp="1"/>
+          </p:cNvSpPr>
+          <p:nvPr>
+            <p:ph type="sldNum" sz="quarter" idx="12"/>
+          </p:nvPr>
+        </p:nvSpPr>
+        <p:spPr bwMode="auto">
+          <a:xfrm>
+            <a:off x="8647113" y="6408738"/>
+            <a:ext cx="366712" cy="365125"/>
+          </a:xfrm>
+          <a:noFill/>
+          <a:ln>
+            <a:miter lim="800000"/>
+            <a:headEnd/>
+            <a:tailEnd/>
+          </a:ln>
+        </p:spPr>
+        <p:txBody>
+          <a:bodyPr wrap="square" lIns="91440" tIns="45720" rIns="91440" bIns="45720" numCol="1" anchorCtr="0" compatLnSpc="1">
+            <a:prstTxWarp prst="textNoShape">
+              <a:avLst/>
+            </a:prstTxWarp>
+          </a:bodyPr>
+          <a:lstStyle/>
+          <a:p>
+            <a:fld id="{C85BCF0E-D1F3-4B09-9FDE-37CF58BEEF92}" type="slidenum">
+              <a:rPr lang="en-US"/>
+              <a:pPr/>
+              <a:t>5</a:t>
+            </a:fld>
+            <a:endParaRPr lang="en-US" dirty="0"/>
+          </a:p>
+        </p:txBody>
+      </p:sp>
     </p:spTree>
   </p:cSld>
   <p:clrMapOvr>
     <a:masterClrMapping/>
   </p:clrMapOvr>
-  <p:timing>
-    <p:tnLst>
-      <p:par>
-        <p:cTn id="1" dur="indefinite" restart="never" nodeType="tmRoot"/>
-      </p:par>
-    </p:tnLst>
-  </p:timing>
 </p:sld>
 </file>
 
@@ -24661,15 +21156,15 @@
               <a:buNone/>
             </a:pPr>
             <a:r>
-              <a:rPr lang="en-US" sz="2400" smtClean="0"/>
+              <a:rPr lang="en-US" sz="2400"/>
               <a:t>In the </a:t>
             </a:r>
             <a:r>
-              <a:rPr lang="en-US" sz="2400" b="1" smtClean="0"/>
+              <a:rPr lang="en-US" sz="2400" b="1"/>
               <a:t>first seven seconds</a:t>
             </a:r>
             <a:r>
-              <a:rPr lang="en-US" sz="2400" smtClean="0"/>
+              <a:rPr lang="en-US" sz="2400"/>
               <a:t> of meeting you, people generally form subconscious opinions on your:</a:t>
             </a:r>
           </a:p>
@@ -24686,7 +21181,7 @@
               </a:spcAft>
             </a:pPr>
             <a:r>
-              <a:rPr lang="en-US" smtClean="0"/>
+              <a:rPr lang="en-US"/>
               <a:t>Income level</a:t>
             </a:r>
           </a:p>
@@ -24703,7 +21198,7 @@
               </a:spcAft>
             </a:pPr>
             <a:r>
-              <a:rPr lang="en-US" smtClean="0"/>
+              <a:rPr lang="en-US"/>
               <a:t>Education level</a:t>
             </a:r>
           </a:p>
@@ -24720,7 +21215,7 @@
               </a:spcAft>
             </a:pPr>
             <a:r>
-              <a:rPr lang="en-US" smtClean="0"/>
+              <a:rPr lang="en-US"/>
               <a:t>Trustworthiness</a:t>
             </a:r>
           </a:p>
@@ -24737,7 +21232,7 @@
               </a:spcAft>
             </a:pPr>
             <a:r>
-              <a:rPr lang="en-US" smtClean="0"/>
+              <a:rPr lang="en-US"/>
               <a:t>Personality style</a:t>
             </a:r>
           </a:p>
@@ -24754,7 +21249,7 @@
               </a:spcAft>
             </a:pPr>
             <a:r>
-              <a:rPr lang="en-US" smtClean="0"/>
+              <a:rPr lang="en-US"/>
               <a:t>Confidence level</a:t>
             </a:r>
           </a:p>
@@ -24771,7 +21266,7 @@
               </a:spcAft>
             </a:pPr>
             <a:r>
-              <a:rPr lang="en-US" smtClean="0"/>
+              <a:rPr lang="en-US"/>
               <a:t>Intelligence</a:t>
             </a:r>
           </a:p>
@@ -24788,7 +21283,7 @@
               </a:spcAft>
             </a:pPr>
             <a:r>
-              <a:rPr lang="en-US" smtClean="0"/>
+              <a:rPr lang="en-US"/>
               <a:t>Work ethic</a:t>
             </a:r>
           </a:p>
@@ -24805,8 +21300,36 @@
               </a:spcAft>
             </a:pPr>
             <a:r>
-              <a:rPr lang="en-US" smtClean="0"/>
+              <a:rPr lang="en-US"/>
               <a:t>Dependability</a:t>
+            </a:r>
+          </a:p>
+        </p:txBody>
+      </p:sp>
+      <p:sp>
+        <p:nvSpPr>
+          <p:cNvPr id="7173" name="AutoShape 2"/>
+          <p:cNvSpPr>
+            <a:spLocks noGrp="1" noChangeArrowheads="1"/>
+          </p:cNvSpPr>
+          <p:nvPr>
+            <p:ph type="title"/>
+          </p:nvPr>
+        </p:nvSpPr>
+        <p:spPr/>
+        <p:txBody>
+          <a:bodyPr/>
+          <a:lstStyle/>
+          <a:p>
+            <a:pPr fontAlgn="auto">
+              <a:spcAft>
+                <a:spcPts val="0"/>
+              </a:spcAft>
+              <a:defRPr/>
+            </a:pPr>
+            <a:r>
+              <a:rPr lang="en-US"/>
+              <a:t>First Impressions</a:t>
             </a:r>
           </a:p>
         </p:txBody>
@@ -24846,46 +21369,11 @@
           </a:p>
         </p:txBody>
       </p:sp>
-      <p:sp>
-        <p:nvSpPr>
-          <p:cNvPr id="7173" name="AutoShape 2"/>
-          <p:cNvSpPr>
-            <a:spLocks noGrp="1" noChangeArrowheads="1"/>
-          </p:cNvSpPr>
-          <p:nvPr>
-            <p:ph type="title"/>
-          </p:nvPr>
-        </p:nvSpPr>
-        <p:spPr/>
-        <p:txBody>
-          <a:bodyPr/>
-          <a:lstStyle/>
-          <a:p>
-            <a:pPr fontAlgn="auto">
-              <a:spcAft>
-                <a:spcPts val="0"/>
-              </a:spcAft>
-              <a:defRPr/>
-            </a:pPr>
-            <a:r>
-              <a:rPr lang="en-US" smtClean="0"/>
-              <a:t>First Impressions</a:t>
-            </a:r>
-          </a:p>
-        </p:txBody>
-      </p:sp>
     </p:spTree>
   </p:cSld>
   <p:clrMapOvr>
     <a:masterClrMapping/>
   </p:clrMapOvr>
-  <p:timing>
-    <p:tnLst>
-      <p:par>
-        <p:cTn id="1" dur="indefinite" restart="never" nodeType="tmRoot"/>
-      </p:par>
-    </p:tnLst>
-  </p:timing>
 </p:sld>
 </file>
 
@@ -24930,7 +21418,7 @@
               <a:defRPr/>
             </a:pPr>
             <a:r>
-              <a:rPr lang="en-US" smtClean="0"/>
+              <a:rPr lang="en-US"/>
               <a:t>Right Brain Function	</a:t>
             </a:r>
           </a:p>
@@ -24973,7 +21461,7 @@
               <a:defRPr/>
             </a:pPr>
             <a:r>
-              <a:rPr lang="en-US" sz="2600" dirty="0" smtClean="0"/>
+              <a:rPr lang="en-US" sz="2600" dirty="0"/>
               <a:t>What does right vs. left brain mean?</a:t>
             </a:r>
           </a:p>
@@ -24993,7 +21481,7 @@
               <a:defRPr/>
             </a:pPr>
             <a:r>
-              <a:rPr lang="en-US" sz="2600" dirty="0" smtClean="0"/>
+              <a:rPr lang="en-US" sz="2600" dirty="0"/>
               <a:t>Listening to a presentation is a right brain function.  </a:t>
             </a:r>
           </a:p>
@@ -25013,15 +21501,15 @@
               <a:defRPr/>
             </a:pPr>
             <a:r>
-              <a:rPr lang="en-US" sz="2600" dirty="0" smtClean="0"/>
+              <a:rPr lang="en-US" sz="2600" dirty="0"/>
               <a:t>That means that </a:t>
             </a:r>
             <a:r>
-              <a:rPr lang="en-US" sz="2600" i="1" dirty="0" smtClean="0"/>
+              <a:rPr lang="en-US" sz="2600" i="1" dirty="0"/>
               <a:t>________________</a:t>
             </a:r>
             <a:r>
-              <a:rPr lang="en-US" sz="2600" dirty="0" smtClean="0"/>
+              <a:rPr lang="en-US" sz="2600" dirty="0"/>
               <a:t> , not ______________ , are important to the listener's interpretation of what you are saying.</a:t>
             </a:r>
           </a:p>
@@ -25041,7 +21529,7 @@
               <a:defRPr/>
             </a:pPr>
             <a:r>
-              <a:rPr lang="en-US" sz="2600" dirty="0" smtClean="0"/>
+              <a:rPr lang="en-US" sz="2600" dirty="0"/>
               <a:t>There are the 3 V's of giving a talk</a:t>
             </a:r>
           </a:p>
@@ -25061,7 +21549,7 @@
               <a:defRPr/>
             </a:pPr>
             <a:r>
-              <a:rPr lang="en-US" sz="2000" dirty="0" smtClean="0"/>
+              <a:rPr lang="en-US" sz="2000" dirty="0"/>
               <a:t>Verbal: What you say, content of what comes out of your mouth.</a:t>
             </a:r>
           </a:p>
@@ -25081,7 +21569,7 @@
               <a:defRPr/>
             </a:pPr>
             <a:r>
-              <a:rPr lang="en-US" sz="2000" dirty="0" smtClean="0"/>
+              <a:rPr lang="en-US" sz="2000" dirty="0"/>
               <a:t>Vocal: How you say it – inflection, enthusiasm, intonation.</a:t>
             </a:r>
           </a:p>
@@ -25101,7 +21589,7 @@
               <a:defRPr/>
             </a:pPr>
             <a:r>
-              <a:rPr lang="en-US" sz="2000" dirty="0" smtClean="0"/>
+              <a:rPr lang="en-US" sz="2000" dirty="0"/>
               <a:t>Visual: What the audience sees – speaker appearance, posture, gesture, facial expressions.</a:t>
             </a:r>
           </a:p>
@@ -25163,7 +21651,7 @@
               <a:pPr/>
               <a:t>7</a:t>
             </a:fld>
-            <a:endParaRPr lang="en-US" smtClean="0"/>
+            <a:endParaRPr lang="en-US"/>
           </a:p>
         </p:txBody>
       </p:sp>
@@ -25543,15 +22031,15 @@
               <a:defRPr/>
             </a:pPr>
             <a:r>
-              <a:rPr lang="en-US" dirty="0" smtClean="0"/>
+              <a:rPr lang="en-US" dirty="0"/>
               <a:t>A study on the </a:t>
             </a:r>
             <a:r>
-              <a:rPr lang="en-US" b="1" i="1" dirty="0" smtClean="0"/>
+              <a:rPr lang="en-US" b="1" i="1" dirty="0"/>
               <a:t>impact </a:t>
             </a:r>
             <a:r>
-              <a:rPr lang="en-US" dirty="0" smtClean="0"/>
+              <a:rPr lang="en-US" dirty="0"/>
               <a:t>of the 3 V's found the following percentages:</a:t>
             </a:r>
           </a:p>
@@ -25568,15 +22056,15 @@
               <a:defRPr/>
             </a:pPr>
             <a:r>
-              <a:rPr lang="en-US" dirty="0" smtClean="0"/>
+              <a:rPr lang="en-US" dirty="0"/>
               <a:t>Verbal: </a:t>
             </a:r>
             <a:r>
-              <a:rPr lang="en-US" u="sng" dirty="0" smtClean="0"/>
+              <a:rPr lang="en-US" u="sng" dirty="0"/>
               <a:t>7</a:t>
             </a:r>
             <a:r>
-              <a:rPr lang="en-US" dirty="0" smtClean="0"/>
+              <a:rPr lang="en-US" dirty="0"/>
               <a:t>%    </a:t>
             </a:r>
           </a:p>
@@ -25593,15 +22081,15 @@
               <a:defRPr/>
             </a:pPr>
             <a:r>
-              <a:rPr lang="en-US" dirty="0" smtClean="0"/>
+              <a:rPr lang="en-US" dirty="0"/>
               <a:t>Vocal:  </a:t>
             </a:r>
             <a:r>
-              <a:rPr lang="en-US" u="sng" dirty="0" smtClean="0"/>
+              <a:rPr lang="en-US" u="sng" dirty="0"/>
               <a:t>38</a:t>
             </a:r>
             <a:r>
-              <a:rPr lang="en-US" dirty="0" smtClean="0"/>
+              <a:rPr lang="en-US" dirty="0"/>
               <a:t> %   </a:t>
             </a:r>
           </a:p>
@@ -25618,15 +22106,15 @@
               <a:defRPr/>
             </a:pPr>
             <a:r>
-              <a:rPr lang="en-US" dirty="0" smtClean="0"/>
+              <a:rPr lang="en-US" dirty="0"/>
               <a:t>Visual: </a:t>
             </a:r>
             <a:r>
-              <a:rPr lang="en-US" u="sng" dirty="0" smtClean="0"/>
+              <a:rPr lang="en-US" u="sng" dirty="0"/>
               <a:t>55</a:t>
             </a:r>
             <a:r>
-              <a:rPr lang="en-US" dirty="0" smtClean="0"/>
+              <a:rPr lang="en-US" dirty="0"/>
               <a:t> % </a:t>
             </a:r>
           </a:p>
@@ -25643,7 +22131,7 @@
               <a:defRPr/>
             </a:pPr>
             <a:r>
-              <a:rPr lang="en-US" dirty="0" smtClean="0"/>
+              <a:rPr lang="en-US" dirty="0"/>
               <a:t>My guess: the impact for engineers is different.</a:t>
             </a:r>
           </a:p>
@@ -25660,24 +22148,52 @@
               <a:defRPr/>
             </a:pPr>
             <a:r>
-              <a:rPr lang="en-US" dirty="0" smtClean="0"/>
+              <a:rPr lang="en-US" dirty="0"/>
               <a:t>Conclusion: People pick up on </a:t>
             </a:r>
             <a:r>
-              <a:rPr lang="en-US" u="sng" dirty="0" smtClean="0"/>
+              <a:rPr lang="en-US" u="sng" dirty="0"/>
               <a:t>vocal</a:t>
             </a:r>
             <a:r>
-              <a:rPr lang="en-US" dirty="0" smtClean="0"/>
+              <a:rPr lang="en-US" dirty="0"/>
               <a:t> and </a:t>
             </a:r>
             <a:r>
-              <a:rPr lang="en-US" u="sng" dirty="0" smtClean="0"/>
+              <a:rPr lang="en-US" u="sng" dirty="0"/>
               <a:t>visual</a:t>
             </a:r>
             <a:r>
-              <a:rPr lang="en-US" dirty="0" smtClean="0"/>
+              <a:rPr lang="en-US" dirty="0"/>
               <a:t> cues more than verbal what you are saying.</a:t>
+            </a:r>
+          </a:p>
+        </p:txBody>
+      </p:sp>
+      <p:sp>
+        <p:nvSpPr>
+          <p:cNvPr id="9221" name="AutoShape 2"/>
+          <p:cNvSpPr>
+            <a:spLocks noGrp="1" noChangeArrowheads="1"/>
+          </p:cNvSpPr>
+          <p:nvPr>
+            <p:ph type="title"/>
+          </p:nvPr>
+        </p:nvSpPr>
+        <p:spPr/>
+        <p:txBody>
+          <a:bodyPr/>
+          <a:lstStyle/>
+          <a:p>
+            <a:pPr fontAlgn="auto">
+              <a:spcAft>
+                <a:spcPts val="0"/>
+              </a:spcAft>
+              <a:defRPr/>
+            </a:pPr>
+            <a:r>
+              <a:rPr lang="en-US"/>
+              <a:t>Right Brain Function, cont’d</a:t>
             </a:r>
           </a:p>
         </p:txBody>
@@ -25714,34 +22230,6 @@
               <a:t>8</a:t>
             </a:fld>
             <a:endParaRPr lang="en-US"/>
-          </a:p>
-        </p:txBody>
-      </p:sp>
-      <p:sp>
-        <p:nvSpPr>
-          <p:cNvPr id="9221" name="AutoShape 2"/>
-          <p:cNvSpPr>
-            <a:spLocks noGrp="1" noChangeArrowheads="1"/>
-          </p:cNvSpPr>
-          <p:nvPr>
-            <p:ph type="title"/>
-          </p:nvPr>
-        </p:nvSpPr>
-        <p:spPr/>
-        <p:txBody>
-          <a:bodyPr/>
-          <a:lstStyle/>
-          <a:p>
-            <a:pPr fontAlgn="auto">
-              <a:spcAft>
-                <a:spcPts val="0"/>
-              </a:spcAft>
-              <a:defRPr/>
-            </a:pPr>
-            <a:r>
-              <a:rPr lang="en-US" smtClean="0"/>
-              <a:t>Right Brain Function, cont’d</a:t>
-            </a:r>
           </a:p>
         </p:txBody>
       </p:sp>
@@ -26082,7 +22570,7 @@
               <a:defRPr/>
             </a:pPr>
             <a:r>
-              <a:rPr lang="en-US" smtClean="0"/>
+              <a:rPr lang="en-US"/>
               <a:t>Preparing for the Presentation</a:t>
             </a:r>
           </a:p>
@@ -26113,7 +22601,7 @@
               <a:buNone/>
             </a:pPr>
             <a:r>
-              <a:rPr lang="en-US" sz="3200" smtClean="0"/>
+              <a:rPr lang="en-US" sz="3200"/>
               <a:t>Before you start putting the presentation together, plan your strategy (creativity, brainstorming).  Design it! You are telling a story.</a:t>
             </a:r>
           </a:p>
@@ -26150,7 +22638,7 @@
               <a:pPr/>
               <a:t>9</a:t>
             </a:fld>
-            <a:endParaRPr lang="en-US" smtClean="0"/>
+            <a:endParaRPr lang="en-US"/>
           </a:p>
         </p:txBody>
       </p:sp>
@@ -26191,18 +22679,11 @@
   <p:clrMapOvr>
     <a:masterClrMapping/>
   </p:clrMapOvr>
-  <p:timing>
-    <p:tnLst>
-      <p:par>
-        <p:cTn id="1" dur="indefinite" restart="never" nodeType="tmRoot"/>
-      </p:par>
-    </p:tnLst>
-  </p:timing>
 </p:sld>
 </file>
 
 <file path=ppt/theme/theme1.xml><?xml version="1.0" encoding="utf-8"?>
-<a:theme xmlns:a="http://schemas.openxmlformats.org/drawingml/2006/main" name="Concourse">
+<a:theme xmlns:a="http://schemas.openxmlformats.org/drawingml/2006/main" name="defaultTheme">
   <a:themeElements>
     <a:clrScheme name="Concourse">
       <a:dk1>
@@ -26483,6 +22964,11 @@
   </a:themeElements>
   <a:objectDefaults/>
   <a:extraClrSchemeLst/>
+  <a:extLst>
+    <a:ext uri="{05A4C25C-085E-4340-85A3-A5531E510DB2}">
+      <thm15:themeFamily xmlns:thm15="http://schemas.microsoft.com/office/thememl/2012/main" name="defaultTheme" id="{661CD92A-C36D-4F2B-8E41-E5885149E24D}" vid="{4C2F1882-CADC-4979-8569-ECF27F875A2F}"/>
+    </a:ext>
+  </a:extLst>
 </a:theme>
 </file>
 
@@ -26769,174 +23255,297 @@
 </a:theme>
 </file>
 
-<file path=ppt/theme/themeOverride1.xml><?xml version="1.0" encoding="utf-8"?>
-<a:themeOverride xmlns:a="http://schemas.openxmlformats.org/drawingml/2006/main">
-  <a:clrScheme name="Concourse">
-    <a:dk1>
-      <a:sysClr val="windowText" lastClr="000000"/>
-    </a:dk1>
-    <a:lt1>
-      <a:sysClr val="window" lastClr="FFFFFF"/>
-    </a:lt1>
-    <a:dk2>
-      <a:srgbClr val="464646"/>
-    </a:dk2>
-    <a:lt2>
-      <a:srgbClr val="DEF5FA"/>
-    </a:lt2>
-    <a:accent1>
-      <a:srgbClr val="2DA2BF"/>
-    </a:accent1>
-    <a:accent2>
-      <a:srgbClr val="DA1F28"/>
-    </a:accent2>
-    <a:accent3>
-      <a:srgbClr val="EB641B"/>
-    </a:accent3>
-    <a:accent4>
-      <a:srgbClr val="39639D"/>
-    </a:accent4>
-    <a:accent5>
-      <a:srgbClr val="474B78"/>
-    </a:accent5>
-    <a:accent6>
-      <a:srgbClr val="7D3C4A"/>
-    </a:accent6>
-    <a:hlink>
-      <a:srgbClr val="FF8119"/>
-    </a:hlink>
-    <a:folHlink>
-      <a:srgbClr val="44B9E8"/>
-    </a:folHlink>
-  </a:clrScheme>
-</a:themeOverride>
-</file>
-
-<file path=ppt/theme/themeOverride2.xml><?xml version="1.0" encoding="utf-8"?>
-<a:themeOverride xmlns:a="http://schemas.openxmlformats.org/drawingml/2006/main">
-  <a:clrScheme name="Concourse">
-    <a:dk1>
-      <a:sysClr val="windowText" lastClr="000000"/>
-    </a:dk1>
-    <a:lt1>
-      <a:sysClr val="window" lastClr="FFFFFF"/>
-    </a:lt1>
-    <a:dk2>
-      <a:srgbClr val="464646"/>
-    </a:dk2>
-    <a:lt2>
-      <a:srgbClr val="DEF5FA"/>
-    </a:lt2>
-    <a:accent1>
-      <a:srgbClr val="2DA2BF"/>
-    </a:accent1>
-    <a:accent2>
-      <a:srgbClr val="DA1F28"/>
-    </a:accent2>
-    <a:accent3>
-      <a:srgbClr val="EB641B"/>
-    </a:accent3>
-    <a:accent4>
-      <a:srgbClr val="39639D"/>
-    </a:accent4>
-    <a:accent5>
-      <a:srgbClr val="474B78"/>
-    </a:accent5>
-    <a:accent6>
-      <a:srgbClr val="7D3C4A"/>
-    </a:accent6>
-    <a:hlink>
-      <a:srgbClr val="FF8119"/>
-    </a:hlink>
-    <a:folHlink>
-      <a:srgbClr val="44B9E8"/>
-    </a:folHlink>
-  </a:clrScheme>
-</a:themeOverride>
-</file>
-
-<file path=ppt/theme/themeOverride3.xml><?xml version="1.0" encoding="utf-8"?>
-<a:themeOverride xmlns:a="http://schemas.openxmlformats.org/drawingml/2006/main">
-  <a:clrScheme name="Concourse">
-    <a:dk1>
-      <a:sysClr val="windowText" lastClr="000000"/>
-    </a:dk1>
-    <a:lt1>
-      <a:sysClr val="window" lastClr="FFFFFF"/>
-    </a:lt1>
-    <a:dk2>
-      <a:srgbClr val="464646"/>
-    </a:dk2>
-    <a:lt2>
-      <a:srgbClr val="DEF5FA"/>
-    </a:lt2>
-    <a:accent1>
-      <a:srgbClr val="2DA2BF"/>
-    </a:accent1>
-    <a:accent2>
-      <a:srgbClr val="DA1F28"/>
-    </a:accent2>
-    <a:accent3>
-      <a:srgbClr val="EB641B"/>
-    </a:accent3>
-    <a:accent4>
-      <a:srgbClr val="39639D"/>
-    </a:accent4>
-    <a:accent5>
-      <a:srgbClr val="474B78"/>
-    </a:accent5>
-    <a:accent6>
-      <a:srgbClr val="7D3C4A"/>
-    </a:accent6>
-    <a:hlink>
-      <a:srgbClr val="FF8119"/>
-    </a:hlink>
-    <a:folHlink>
-      <a:srgbClr val="44B9E8"/>
-    </a:folHlink>
-  </a:clrScheme>
-</a:themeOverride>
-</file>
-
-<file path=ppt/theme/themeOverride4.xml><?xml version="1.0" encoding="utf-8"?>
-<a:themeOverride xmlns:a="http://schemas.openxmlformats.org/drawingml/2006/main">
-  <a:clrScheme name="Concourse">
-    <a:dk1>
-      <a:sysClr val="windowText" lastClr="000000"/>
-    </a:dk1>
-    <a:lt1>
-      <a:sysClr val="window" lastClr="FFFFFF"/>
-    </a:lt1>
-    <a:dk2>
-      <a:srgbClr val="464646"/>
-    </a:dk2>
-    <a:lt2>
-      <a:srgbClr val="DEF5FA"/>
-    </a:lt2>
-    <a:accent1>
-      <a:srgbClr val="2DA2BF"/>
-    </a:accent1>
-    <a:accent2>
-      <a:srgbClr val="DA1F28"/>
-    </a:accent2>
-    <a:accent3>
-      <a:srgbClr val="EB641B"/>
-    </a:accent3>
-    <a:accent4>
-      <a:srgbClr val="39639D"/>
-    </a:accent4>
-    <a:accent5>
-      <a:srgbClr val="474B78"/>
-    </a:accent5>
-    <a:accent6>
-      <a:srgbClr val="7D3C4A"/>
-    </a:accent6>
-    <a:hlink>
-      <a:srgbClr val="FF8119"/>
-    </a:hlink>
-    <a:folHlink>
-      <a:srgbClr val="44B9E8"/>
-    </a:folHlink>
-  </a:clrScheme>
-</a:themeOverride>
+<file path=ppt/theme/theme3.xml><?xml version="1.0" encoding="utf-8"?>
+<a:theme xmlns:a="http://schemas.openxmlformats.org/drawingml/2006/main" name="Office Theme">
+  <a:themeElements>
+    <a:clrScheme name="Office">
+      <a:dk1>
+        <a:sysClr val="windowText" lastClr="000000"/>
+      </a:dk1>
+      <a:lt1>
+        <a:sysClr val="window" lastClr="FFFFFF"/>
+      </a:lt1>
+      <a:dk2>
+        <a:srgbClr val="44546A"/>
+      </a:dk2>
+      <a:lt2>
+        <a:srgbClr val="E7E6E6"/>
+      </a:lt2>
+      <a:accent1>
+        <a:srgbClr val="4472C4"/>
+      </a:accent1>
+      <a:accent2>
+        <a:srgbClr val="ED7D31"/>
+      </a:accent2>
+      <a:accent3>
+        <a:srgbClr val="A5A5A5"/>
+      </a:accent3>
+      <a:accent4>
+        <a:srgbClr val="FFC000"/>
+      </a:accent4>
+      <a:accent5>
+        <a:srgbClr val="5B9BD5"/>
+      </a:accent5>
+      <a:accent6>
+        <a:srgbClr val="70AD47"/>
+      </a:accent6>
+      <a:hlink>
+        <a:srgbClr val="0563C1"/>
+      </a:hlink>
+      <a:folHlink>
+        <a:srgbClr val="954F72"/>
+      </a:folHlink>
+    </a:clrScheme>
+    <a:fontScheme name="Office">
+      <a:majorFont>
+        <a:latin typeface="Calibri Light" panose="020F0302020204030204"/>
+        <a:ea typeface=""/>
+        <a:cs typeface=""/>
+        <a:font script="Jpan" typeface="游ゴシック Light"/>
+        <a:font script="Hang" typeface="맑은 고딕"/>
+        <a:font script="Hans" typeface="等线 Light"/>
+        <a:font script="Hant" typeface="新細明體"/>
+        <a:font script="Arab" typeface="Times New Roman"/>
+        <a:font script="Hebr" typeface="Times New Roman"/>
+        <a:font script="Thai" typeface="Angsana New"/>
+        <a:font script="Ethi" typeface="Nyala"/>
+        <a:font script="Beng" typeface="Vrinda"/>
+        <a:font script="Gujr" typeface="Shruti"/>
+        <a:font script="Khmr" typeface="MoolBoran"/>
+        <a:font script="Knda" typeface="Tunga"/>
+        <a:font script="Guru" typeface="Raavi"/>
+        <a:font script="Cans" typeface="Euphemia"/>
+        <a:font script="Cher" typeface="Plantagenet Cherokee"/>
+        <a:font script="Yiii" typeface="Microsoft Yi Baiti"/>
+        <a:font script="Tibt" typeface="Microsoft Himalaya"/>
+        <a:font script="Thaa" typeface="MV Boli"/>
+        <a:font script="Deva" typeface="Mangal"/>
+        <a:font script="Telu" typeface="Gautami"/>
+        <a:font script="Taml" typeface="Latha"/>
+        <a:font script="Syrc" typeface="Estrangelo Edessa"/>
+        <a:font script="Orya" typeface="Kalinga"/>
+        <a:font script="Mlym" typeface="Kartika"/>
+        <a:font script="Laoo" typeface="DokChampa"/>
+        <a:font script="Sinh" typeface="Iskoola Pota"/>
+        <a:font script="Mong" typeface="Mongolian Baiti"/>
+        <a:font script="Viet" typeface="Times New Roman"/>
+        <a:font script="Uigh" typeface="Microsoft Uighur"/>
+        <a:font script="Geor" typeface="Sylfaen"/>
+        <a:font script="Armn" typeface="Arial"/>
+        <a:font script="Bugi" typeface="Leelawadee UI"/>
+        <a:font script="Bopo" typeface="Microsoft JhengHei"/>
+        <a:font script="Java" typeface="Javanese Text"/>
+        <a:font script="Lisu" typeface="Segoe UI"/>
+        <a:font script="Mymr" typeface="Myanmar Text"/>
+        <a:font script="Nkoo" typeface="Ebrima"/>
+        <a:font script="Olck" typeface="Nirmala UI"/>
+        <a:font script="Osma" typeface="Ebrima"/>
+        <a:font script="Phag" typeface="Phagspa"/>
+        <a:font script="Syrn" typeface="Estrangelo Edessa"/>
+        <a:font script="Syrj" typeface="Estrangelo Edessa"/>
+        <a:font script="Syre" typeface="Estrangelo Edessa"/>
+        <a:font script="Sora" typeface="Nirmala UI"/>
+        <a:font script="Tale" typeface="Microsoft Tai Le"/>
+        <a:font script="Talu" typeface="Microsoft New Tai Lue"/>
+        <a:font script="Tfng" typeface="Ebrima"/>
+      </a:majorFont>
+      <a:minorFont>
+        <a:latin typeface="Calibri" panose="020F0502020204030204"/>
+        <a:ea typeface=""/>
+        <a:cs typeface=""/>
+        <a:font script="Jpan" typeface="游ゴシック"/>
+        <a:font script="Hang" typeface="맑은 고딕"/>
+        <a:font script="Hans" typeface="等线"/>
+        <a:font script="Hant" typeface="新細明體"/>
+        <a:font script="Arab" typeface="Arial"/>
+        <a:font script="Hebr" typeface="Arial"/>
+        <a:font script="Thai" typeface="Cordia New"/>
+        <a:font script="Ethi" typeface="Nyala"/>
+        <a:font script="Beng" typeface="Vrinda"/>
+        <a:font script="Gujr" typeface="Shruti"/>
+        <a:font script="Khmr" typeface="DaunPenh"/>
+        <a:font script="Knda" typeface="Tunga"/>
+        <a:font script="Guru" typeface="Raavi"/>
+        <a:font script="Cans" typeface="Euphemia"/>
+        <a:font script="Cher" typeface="Plantagenet Cherokee"/>
+        <a:font script="Yiii" typeface="Microsoft Yi Baiti"/>
+        <a:font script="Tibt" typeface="Microsoft Himalaya"/>
+        <a:font script="Thaa" typeface="MV Boli"/>
+        <a:font script="Deva" typeface="Mangal"/>
+        <a:font script="Telu" typeface="Gautami"/>
+        <a:font script="Taml" typeface="Latha"/>
+        <a:font script="Syrc" typeface="Estrangelo Edessa"/>
+        <a:font script="Orya" typeface="Kalinga"/>
+        <a:font script="Mlym" typeface="Kartika"/>
+        <a:font script="Laoo" typeface="DokChampa"/>
+        <a:font script="Sinh" typeface="Iskoola Pota"/>
+        <a:font script="Mong" typeface="Mongolian Baiti"/>
+        <a:font script="Viet" typeface="Arial"/>
+        <a:font script="Uigh" typeface="Microsoft Uighur"/>
+        <a:font script="Geor" typeface="Sylfaen"/>
+        <a:font script="Armn" typeface="Arial"/>
+        <a:font script="Bugi" typeface="Leelawadee UI"/>
+        <a:font script="Bopo" typeface="Microsoft JhengHei"/>
+        <a:font script="Java" typeface="Javanese Text"/>
+        <a:font script="Lisu" typeface="Segoe UI"/>
+        <a:font script="Mymr" typeface="Myanmar Text"/>
+        <a:font script="Nkoo" typeface="Ebrima"/>
+        <a:font script="Olck" typeface="Nirmala UI"/>
+        <a:font script="Osma" typeface="Ebrima"/>
+        <a:font script="Phag" typeface="Phagspa"/>
+        <a:font script="Syrn" typeface="Estrangelo Edessa"/>
+        <a:font script="Syrj" typeface="Estrangelo Edessa"/>
+        <a:font script="Syre" typeface="Estrangelo Edessa"/>
+        <a:font script="Sora" typeface="Nirmala UI"/>
+        <a:font script="Tale" typeface="Microsoft Tai Le"/>
+        <a:font script="Talu" typeface="Microsoft New Tai Lue"/>
+        <a:font script="Tfng" typeface="Ebrima"/>
+      </a:minorFont>
+    </a:fontScheme>
+    <a:fmtScheme name="Office">
+      <a:fillStyleLst>
+        <a:solidFill>
+          <a:schemeClr val="phClr"/>
+        </a:solidFill>
+        <a:gradFill rotWithShape="1">
+          <a:gsLst>
+            <a:gs pos="0">
+              <a:schemeClr val="phClr">
+                <a:lumMod val="110000"/>
+                <a:satMod val="105000"/>
+                <a:tint val="67000"/>
+              </a:schemeClr>
+            </a:gs>
+            <a:gs pos="50000">
+              <a:schemeClr val="phClr">
+                <a:lumMod val="105000"/>
+                <a:satMod val="103000"/>
+                <a:tint val="73000"/>
+              </a:schemeClr>
+            </a:gs>
+            <a:gs pos="100000">
+              <a:schemeClr val="phClr">
+                <a:lumMod val="105000"/>
+                <a:satMod val="109000"/>
+                <a:tint val="81000"/>
+              </a:schemeClr>
+            </a:gs>
+          </a:gsLst>
+          <a:lin ang="5400000" scaled="0"/>
+        </a:gradFill>
+        <a:gradFill rotWithShape="1">
+          <a:gsLst>
+            <a:gs pos="0">
+              <a:schemeClr val="phClr">
+                <a:satMod val="103000"/>
+                <a:lumMod val="102000"/>
+                <a:tint val="94000"/>
+              </a:schemeClr>
+            </a:gs>
+            <a:gs pos="50000">
+              <a:schemeClr val="phClr">
+                <a:satMod val="110000"/>
+                <a:lumMod val="100000"/>
+                <a:shade val="100000"/>
+              </a:schemeClr>
+            </a:gs>
+            <a:gs pos="100000">
+              <a:schemeClr val="phClr">
+                <a:lumMod val="99000"/>
+                <a:satMod val="120000"/>
+                <a:shade val="78000"/>
+              </a:schemeClr>
+            </a:gs>
+          </a:gsLst>
+          <a:lin ang="5400000" scaled="0"/>
+        </a:gradFill>
+      </a:fillStyleLst>
+      <a:lnStyleLst>
+        <a:ln w="6350" cap="flat" cmpd="sng" algn="ctr">
+          <a:solidFill>
+            <a:schemeClr val="phClr"/>
+          </a:solidFill>
+          <a:prstDash val="solid"/>
+          <a:miter lim="800000"/>
+        </a:ln>
+        <a:ln w="12700" cap="flat" cmpd="sng" algn="ctr">
+          <a:solidFill>
+            <a:schemeClr val="phClr"/>
+          </a:solidFill>
+          <a:prstDash val="solid"/>
+          <a:miter lim="800000"/>
+        </a:ln>
+        <a:ln w="19050" cap="flat" cmpd="sng" algn="ctr">
+          <a:solidFill>
+            <a:schemeClr val="phClr"/>
+          </a:solidFill>
+          <a:prstDash val="solid"/>
+          <a:miter lim="800000"/>
+        </a:ln>
+      </a:lnStyleLst>
+      <a:effectStyleLst>
+        <a:effectStyle>
+          <a:effectLst/>
+        </a:effectStyle>
+        <a:effectStyle>
+          <a:effectLst/>
+        </a:effectStyle>
+        <a:effectStyle>
+          <a:effectLst>
+            <a:outerShdw blurRad="57150" dist="19050" dir="5400000" algn="ctr" rotWithShape="0">
+              <a:srgbClr val="000000">
+                <a:alpha val="63000"/>
+              </a:srgbClr>
+            </a:outerShdw>
+          </a:effectLst>
+        </a:effectStyle>
+      </a:effectStyleLst>
+      <a:bgFillStyleLst>
+        <a:solidFill>
+          <a:schemeClr val="phClr"/>
+        </a:solidFill>
+        <a:solidFill>
+          <a:schemeClr val="phClr">
+            <a:tint val="95000"/>
+            <a:satMod val="170000"/>
+          </a:schemeClr>
+        </a:solidFill>
+        <a:gradFill rotWithShape="1">
+          <a:gsLst>
+            <a:gs pos="0">
+              <a:schemeClr val="phClr">
+                <a:tint val="93000"/>
+                <a:satMod val="150000"/>
+                <a:shade val="98000"/>
+                <a:lumMod val="102000"/>
+              </a:schemeClr>
+            </a:gs>
+            <a:gs pos="50000">
+              <a:schemeClr val="phClr">
+                <a:tint val="98000"/>
+                <a:satMod val="130000"/>
+                <a:shade val="90000"/>
+                <a:lumMod val="103000"/>
+              </a:schemeClr>
+            </a:gs>
+            <a:gs pos="100000">
+              <a:schemeClr val="phClr">
+                <a:shade val="63000"/>
+                <a:satMod val="120000"/>
+              </a:schemeClr>
+            </a:gs>
+          </a:gsLst>
+          <a:lin ang="5400000" scaled="0"/>
+        </a:gradFill>
+      </a:bgFillStyleLst>
+    </a:fmtScheme>
+  </a:themeElements>
+  <a:objectDefaults/>
+  <a:extraClrSchemeLst/>
+  <a:extLst>
+    <a:ext uri="{05A4C25C-085E-4340-85A3-A5531E510DB2}">
+      <thm15:themeFamily xmlns:thm15="http://schemas.microsoft.com/office/thememl/2012/main" name="Office Theme" id="{62F939B6-93AF-4DB8-9C6B-D6C7DFDC589F}" vid="{4A3C46E8-61CC-4603-A589-7422A47A8E4A}"/>
+    </a:ext>
+  </a:extLst>
+</a:theme>
 </file>